--- a/clase1/Clase1 - Curso Ecofemidata.pptx
+++ b/clase1/Clase1 - Curso Ecofemidata.pptx
@@ -6,7 +6,27 @@
   </p:sldMasterIdLst>
   <p:sldIdLst>
     <p:sldId id="256" r:id="rId2"/>
-    <p:sldId id="257" r:id="rId3"/>
+    <p:sldId id="258" r:id="rId3"/>
+    <p:sldId id="259" r:id="rId4"/>
+    <p:sldId id="260" r:id="rId5"/>
+    <p:sldId id="261" r:id="rId6"/>
+    <p:sldId id="264" r:id="rId7"/>
+    <p:sldId id="262" r:id="rId8"/>
+    <p:sldId id="263" r:id="rId9"/>
+    <p:sldId id="265" r:id="rId10"/>
+    <p:sldId id="266" r:id="rId11"/>
+    <p:sldId id="267" r:id="rId12"/>
+    <p:sldId id="268" r:id="rId13"/>
+    <p:sldId id="269" r:id="rId14"/>
+    <p:sldId id="270" r:id="rId15"/>
+    <p:sldId id="271" r:id="rId16"/>
+    <p:sldId id="272" r:id="rId17"/>
+    <p:sldId id="273" r:id="rId18"/>
+    <p:sldId id="274" r:id="rId19"/>
+    <p:sldId id="278" r:id="rId20"/>
+    <p:sldId id="275" r:id="rId21"/>
+    <p:sldId id="276" r:id="rId22"/>
+    <p:sldId id="277" r:id="rId23"/>
   </p:sldIdLst>
   <p:sldSz cx="12192000" cy="6858000"/>
   <p:notesSz cx="6858000" cy="9144000"/>
@@ -106,6 +126,44 @@
     </a:lvl9pPr>
   </p:defaultTextStyle>
   <p:extLst>
+    <p:ext uri="{521415D9-36F7-43E2-AB2F-B90AF26B5E84}">
+      <p14:sectionLst xmlns:p14="http://schemas.microsoft.com/office/powerpoint/2010/main">
+        <p14:section name="Sección predeterminada" id="{A55229FC-1509-4C17-B551-742698FD2F8E}">
+          <p14:sldIdLst>
+            <p14:sldId id="256"/>
+            <p14:sldId id="258"/>
+            <p14:sldId id="259"/>
+          </p14:sldIdLst>
+        </p14:section>
+        <p14:section name="R" id="{BDD41283-D09E-4E64-BF73-9410E2C0E6E7}">
+          <p14:sldIdLst>
+            <p14:sldId id="260"/>
+            <p14:sldId id="261"/>
+          </p14:sldIdLst>
+        </p14:section>
+        <p14:section name="Datos con perspectiva feminista" id="{CEE2A5F7-76AF-4DC8-9F34-BCA14701541E}">
+          <p14:sldIdLst>
+            <p14:sldId id="264"/>
+            <p14:sldId id="262"/>
+            <p14:sldId id="263"/>
+            <p14:sldId id="265"/>
+            <p14:sldId id="266"/>
+            <p14:sldId id="267"/>
+            <p14:sldId id="268"/>
+            <p14:sldId id="269"/>
+            <p14:sldId id="270"/>
+            <p14:sldId id="271"/>
+            <p14:sldId id="272"/>
+            <p14:sldId id="273"/>
+            <p14:sldId id="274"/>
+            <p14:sldId id="278"/>
+            <p14:sldId id="275"/>
+            <p14:sldId id="276"/>
+            <p14:sldId id="277"/>
+          </p14:sldIdLst>
+        </p14:section>
+      </p14:sectionLst>
+    </p:ext>
     <p:ext uri="{EFAFB233-063F-42B5-8137-9DF3F51BA10A}">
       <p15:sldGuideLst xmlns:p15="http://schemas.microsoft.com/office/powerpoint/2012/main"/>
     </p:ext>
@@ -262,7 +320,7 @@
           <a:p>
             <a:fld id="{4BE4F415-A5AD-4CF5-95A4-78D7610C7A82}" type="datetimeFigureOut">
               <a:rPr lang="es-AR" smtClean="0"/>
-              <a:t>18/3/2022</a:t>
+              <a:t>22/3/2022</a:t>
             </a:fld>
             <a:endParaRPr lang="es-AR"/>
           </a:p>
@@ -462,7 +520,7 @@
           <a:p>
             <a:fld id="{4BE4F415-A5AD-4CF5-95A4-78D7610C7A82}" type="datetimeFigureOut">
               <a:rPr lang="es-AR" smtClean="0"/>
-              <a:t>18/3/2022</a:t>
+              <a:t>22/3/2022</a:t>
             </a:fld>
             <a:endParaRPr lang="es-AR"/>
           </a:p>
@@ -672,7 +730,7 @@
           <a:p>
             <a:fld id="{4BE4F415-A5AD-4CF5-95A4-78D7610C7A82}" type="datetimeFigureOut">
               <a:rPr lang="es-AR" smtClean="0"/>
-              <a:t>18/3/2022</a:t>
+              <a:t>22/3/2022</a:t>
             </a:fld>
             <a:endParaRPr lang="es-AR"/>
           </a:p>
@@ -872,7 +930,7 @@
           <a:p>
             <a:fld id="{4BE4F415-A5AD-4CF5-95A4-78D7610C7A82}" type="datetimeFigureOut">
               <a:rPr lang="es-AR" smtClean="0"/>
-              <a:t>18/3/2022</a:t>
+              <a:t>22/3/2022</a:t>
             </a:fld>
             <a:endParaRPr lang="es-AR"/>
           </a:p>
@@ -1148,7 +1206,7 @@
           <a:p>
             <a:fld id="{4BE4F415-A5AD-4CF5-95A4-78D7610C7A82}" type="datetimeFigureOut">
               <a:rPr lang="es-AR" smtClean="0"/>
-              <a:t>18/3/2022</a:t>
+              <a:t>22/3/2022</a:t>
             </a:fld>
             <a:endParaRPr lang="es-AR"/>
           </a:p>
@@ -1416,7 +1474,7 @@
           <a:p>
             <a:fld id="{4BE4F415-A5AD-4CF5-95A4-78D7610C7A82}" type="datetimeFigureOut">
               <a:rPr lang="es-AR" smtClean="0"/>
-              <a:t>18/3/2022</a:t>
+              <a:t>22/3/2022</a:t>
             </a:fld>
             <a:endParaRPr lang="es-AR"/>
           </a:p>
@@ -1831,7 +1889,7 @@
           <a:p>
             <a:fld id="{4BE4F415-A5AD-4CF5-95A4-78D7610C7A82}" type="datetimeFigureOut">
               <a:rPr lang="es-AR" smtClean="0"/>
-              <a:t>18/3/2022</a:t>
+              <a:t>22/3/2022</a:t>
             </a:fld>
             <a:endParaRPr lang="es-AR"/>
           </a:p>
@@ -1973,7 +2031,7 @@
           <a:p>
             <a:fld id="{4BE4F415-A5AD-4CF5-95A4-78D7610C7A82}" type="datetimeFigureOut">
               <a:rPr lang="es-AR" smtClean="0"/>
-              <a:t>18/3/2022</a:t>
+              <a:t>22/3/2022</a:t>
             </a:fld>
             <a:endParaRPr lang="es-AR"/>
           </a:p>
@@ -2086,7 +2144,7 @@
           <a:p>
             <a:fld id="{4BE4F415-A5AD-4CF5-95A4-78D7610C7A82}" type="datetimeFigureOut">
               <a:rPr lang="es-AR" smtClean="0"/>
-              <a:t>18/3/2022</a:t>
+              <a:t>22/3/2022</a:t>
             </a:fld>
             <a:endParaRPr lang="es-AR"/>
           </a:p>
@@ -2399,7 +2457,7 @@
           <a:p>
             <a:fld id="{4BE4F415-A5AD-4CF5-95A4-78D7610C7A82}" type="datetimeFigureOut">
               <a:rPr lang="es-AR" smtClean="0"/>
-              <a:t>18/3/2022</a:t>
+              <a:t>22/3/2022</a:t>
             </a:fld>
             <a:endParaRPr lang="es-AR"/>
           </a:p>
@@ -2688,7 +2746,7 @@
           <a:p>
             <a:fld id="{4BE4F415-A5AD-4CF5-95A4-78D7610C7A82}" type="datetimeFigureOut">
               <a:rPr lang="es-AR" smtClean="0"/>
-              <a:t>18/3/2022</a:t>
+              <a:t>22/3/2022</a:t>
             </a:fld>
             <a:endParaRPr lang="es-AR"/>
           </a:p>
@@ -2765,9 +2823,19 @@
 <p:sldMaster xmlns:a="http://schemas.openxmlformats.org/drawingml/2006/main" xmlns:r="http://schemas.openxmlformats.org/officeDocument/2006/relationships" xmlns:p="http://schemas.openxmlformats.org/presentationml/2006/main">
   <p:cSld>
     <p:bg>
-      <p:bgRef idx="1001">
-        <a:schemeClr val="bg1"/>
-      </p:bgRef>
+      <p:bgPr>
+        <a:blipFill dpi="0" rotWithShape="1">
+          <a:blip r:embed="rId13">
+            <a:alphaModFix amt="20000"/>
+            <a:lum/>
+          </a:blip>
+          <a:srcRect/>
+          <a:stretch>
+            <a:fillRect l="75000" t="60000"/>
+          </a:stretch>
+        </a:blipFill>
+        <a:effectLst/>
+      </p:bgPr>
     </p:bg>
     <p:spTree>
       <p:nvGrpSpPr>
@@ -2931,7 +2999,7 @@
           <a:p>
             <a:fld id="{4BE4F415-A5AD-4CF5-95A4-78D7610C7A82}" type="datetimeFigureOut">
               <a:rPr lang="es-AR" smtClean="0"/>
-              <a:t>18/3/2022</a:t>
+              <a:t>22/3/2022</a:t>
             </a:fld>
             <a:endParaRPr lang="es-AR"/>
           </a:p>
@@ -3559,6 +3627,3440 @@
 </p:sld>
 </file>
 
+<file path=ppt/slides/slide10.xml><?xml version="1.0" encoding="utf-8"?>
+<p:sld xmlns:a="http://schemas.openxmlformats.org/drawingml/2006/main" xmlns:r="http://schemas.openxmlformats.org/officeDocument/2006/relationships" xmlns:p="http://schemas.openxmlformats.org/presentationml/2006/main">
+  <p:cSld>
+    <p:spTree>
+      <p:nvGrpSpPr>
+        <p:cNvPr id="1" name=""/>
+        <p:cNvGrpSpPr/>
+        <p:nvPr/>
+      </p:nvGrpSpPr>
+      <p:grpSpPr>
+        <a:xfrm>
+          <a:off x="0" y="0"/>
+          <a:ext cx="0" cy="0"/>
+          <a:chOff x="0" y="0"/>
+          <a:chExt cx="0" cy="0"/>
+        </a:xfrm>
+      </p:grpSpPr>
+      <p:sp>
+        <p:nvSpPr>
+          <p:cNvPr id="2" name="CuadroTexto 1">
+            <a:extLst>
+              <a:ext uri="{FF2B5EF4-FFF2-40B4-BE49-F238E27FC236}">
+                <a16:creationId xmlns:a16="http://schemas.microsoft.com/office/drawing/2014/main" id="{DD088DF5-E662-42BD-866A-1529CC1122BE}"/>
+              </a:ext>
+            </a:extLst>
+          </p:cNvPr>
+          <p:cNvSpPr txBox="1"/>
+          <p:nvPr/>
+        </p:nvSpPr>
+        <p:spPr>
+          <a:xfrm>
+            <a:off x="1440873" y="674259"/>
+            <a:ext cx="9587345" cy="1077218"/>
+          </a:xfrm>
+          <a:prstGeom prst="rect">
+            <a:avLst/>
+          </a:prstGeom>
+          <a:noFill/>
+          <a:ln w="6350">
+            <a:noFill/>
+          </a:ln>
+        </p:spPr>
+        <p:txBody>
+          <a:bodyPr wrap="square" rtlCol="0">
+            <a:spAutoFit/>
+          </a:bodyPr>
+          <a:lstStyle/>
+          <a:p>
+            <a:r>
+              <a:rPr lang="es-AR" sz="3200" dirty="0">
+                <a:solidFill>
+                  <a:srgbClr val="494949"/>
+                </a:solidFill>
+                <a:latin typeface="Montserrat SemiBold" panose="00000700000000000000" pitchFamily="2" charset="0"/>
+              </a:rPr>
+              <a:t>Identificar qué </a:t>
+            </a:r>
+            <a:r>
+              <a:rPr lang="es-AR" sz="3200" dirty="0">
+                <a:solidFill>
+                  <a:srgbClr val="E5616E"/>
+                </a:solidFill>
+                <a:latin typeface="Montserrat SemiBold" panose="00000700000000000000" pitchFamily="2" charset="0"/>
+              </a:rPr>
+              <a:t>potencialidades y limitaciones </a:t>
+            </a:r>
+            <a:r>
+              <a:rPr lang="es-AR" sz="3200" dirty="0">
+                <a:solidFill>
+                  <a:srgbClr val="494949"/>
+                </a:solidFill>
+                <a:latin typeface="Montserrat SemiBold" panose="00000700000000000000" pitchFamily="2" charset="0"/>
+              </a:rPr>
+              <a:t>tienen los datos</a:t>
+            </a:r>
+          </a:p>
+        </p:txBody>
+      </p:sp>
+      <p:cxnSp>
+        <p:nvCxnSpPr>
+          <p:cNvPr id="5" name="Conector recto 4">
+            <a:extLst>
+              <a:ext uri="{FF2B5EF4-FFF2-40B4-BE49-F238E27FC236}">
+                <a16:creationId xmlns:a16="http://schemas.microsoft.com/office/drawing/2014/main" id="{736FCD81-F08A-47E6-B834-76BCCAB87816}"/>
+              </a:ext>
+            </a:extLst>
+          </p:cNvPr>
+          <p:cNvCxnSpPr>
+            <a:cxnSpLocks/>
+          </p:cNvCxnSpPr>
+          <p:nvPr/>
+        </p:nvCxnSpPr>
+        <p:spPr>
+          <a:xfrm>
+            <a:off x="1440873" y="1674091"/>
+            <a:ext cx="6512502" cy="0"/>
+          </a:xfrm>
+          <a:prstGeom prst="line">
+            <a:avLst/>
+          </a:prstGeom>
+          <a:ln>
+            <a:solidFill>
+              <a:srgbClr val="E5616E"/>
+            </a:solidFill>
+          </a:ln>
+        </p:spPr>
+        <p:style>
+          <a:lnRef idx="1">
+            <a:schemeClr val="accent1"/>
+          </a:lnRef>
+          <a:fillRef idx="0">
+            <a:schemeClr val="accent1"/>
+          </a:fillRef>
+          <a:effectRef idx="0">
+            <a:schemeClr val="accent1"/>
+          </a:effectRef>
+          <a:fontRef idx="minor">
+            <a:schemeClr val="tx1"/>
+          </a:fontRef>
+        </p:style>
+      </p:cxnSp>
+      <p:sp>
+        <p:nvSpPr>
+          <p:cNvPr id="6" name="CuadroTexto 5">
+            <a:extLst>
+              <a:ext uri="{FF2B5EF4-FFF2-40B4-BE49-F238E27FC236}">
+                <a16:creationId xmlns:a16="http://schemas.microsoft.com/office/drawing/2014/main" id="{47D17163-932A-4C86-B3FB-4A2A0D0DBDC3}"/>
+              </a:ext>
+            </a:extLst>
+          </p:cNvPr>
+          <p:cNvSpPr txBox="1"/>
+          <p:nvPr/>
+        </p:nvSpPr>
+        <p:spPr>
+          <a:xfrm>
+            <a:off x="1440873" y="2008041"/>
+            <a:ext cx="8709892" cy="4287584"/>
+          </a:xfrm>
+          <a:prstGeom prst="rect">
+            <a:avLst/>
+          </a:prstGeom>
+          <a:noFill/>
+        </p:spPr>
+        <p:txBody>
+          <a:bodyPr wrap="square" rtlCol="0">
+            <a:spAutoFit/>
+          </a:bodyPr>
+          <a:lstStyle/>
+          <a:p>
+            <a:pPr algn="just">
+              <a:lnSpc>
+                <a:spcPct val="150000"/>
+              </a:lnSpc>
+            </a:pPr>
+            <a:r>
+              <a:rPr lang="es-AR" sz="2000" dirty="0">
+                <a:solidFill>
+                  <a:srgbClr val="494949"/>
+                </a:solidFill>
+                <a:latin typeface="Montserrat Medium" panose="00000600000000000000" pitchFamily="2" charset="0"/>
+              </a:rPr>
+              <a:t>Algunos casos:</a:t>
+            </a:r>
+          </a:p>
+          <a:p>
+            <a:pPr marL="342900" indent="-342900" algn="just">
+              <a:lnSpc>
+                <a:spcPct val="150000"/>
+              </a:lnSpc>
+              <a:buFont typeface="Arial" panose="020B0604020202020204" pitchFamily="34" charset="0"/>
+              <a:buChar char="•"/>
+            </a:pPr>
+            <a:r>
+              <a:rPr lang="es-AR" dirty="0">
+                <a:solidFill>
+                  <a:srgbClr val="494949"/>
+                </a:solidFill>
+                <a:latin typeface="Montserrat Light" panose="00000400000000000000" pitchFamily="2" charset="0"/>
+              </a:rPr>
+              <a:t>Las encuestas de uso del tiempo que permitieron cuantificar la desigual distribución de trabajo </a:t>
+            </a:r>
+            <a:r>
+              <a:rPr lang="es-AR" u="sng" dirty="0">
+                <a:solidFill>
+                  <a:srgbClr val="494949"/>
+                </a:solidFill>
+                <a:latin typeface="Montserrat Light" panose="00000400000000000000" pitchFamily="2" charset="0"/>
+              </a:rPr>
+              <a:t>no remunerado</a:t>
+            </a:r>
+            <a:r>
+              <a:rPr lang="es-AR" dirty="0">
+                <a:solidFill>
+                  <a:srgbClr val="494949"/>
+                </a:solidFill>
+                <a:latin typeface="Montserrat Light" panose="00000400000000000000" pitchFamily="2" charset="0"/>
+              </a:rPr>
+              <a:t> al interior de los hogares empezaron a relevarse mucho después que las que miden las horas de trabajo </a:t>
+            </a:r>
+            <a:r>
+              <a:rPr lang="es-AR" u="sng" dirty="0">
+                <a:solidFill>
+                  <a:srgbClr val="494949"/>
+                </a:solidFill>
+                <a:latin typeface="Montserrat Light" panose="00000400000000000000" pitchFamily="2" charset="0"/>
+              </a:rPr>
+              <a:t>remunerado</a:t>
+            </a:r>
+            <a:r>
+              <a:rPr lang="es-AR" dirty="0">
+                <a:solidFill>
+                  <a:srgbClr val="494949"/>
+                </a:solidFill>
+                <a:latin typeface="Montserrat Light" panose="00000400000000000000" pitchFamily="2" charset="0"/>
+              </a:rPr>
+              <a:t>. </a:t>
+            </a:r>
+          </a:p>
+          <a:p>
+            <a:pPr marL="342900" indent="-342900" algn="just">
+              <a:lnSpc>
+                <a:spcPct val="150000"/>
+              </a:lnSpc>
+              <a:buFont typeface="Arial" panose="020B0604020202020204" pitchFamily="34" charset="0"/>
+              <a:buChar char="•"/>
+            </a:pPr>
+            <a:r>
+              <a:rPr lang="es-AR" sz="1800" b="0" i="0" u="sng" strike="noStrike" dirty="0">
+                <a:solidFill>
+                  <a:srgbClr val="1155CC"/>
+                </a:solidFill>
+                <a:effectLst/>
+                <a:latin typeface="Montserrat Light" panose="00000400000000000000" pitchFamily="2" charset="0"/>
+                <a:hlinkClick r:id="rId2"/>
+              </a:rPr>
+              <a:t>Feminicidios en México</a:t>
+            </a:r>
+            <a:r>
+              <a:rPr lang="es-AR" sz="1800" b="0" i="0" u="none" strike="noStrike" dirty="0">
+                <a:solidFill>
+                  <a:srgbClr val="494949"/>
+                </a:solidFill>
+                <a:effectLst/>
+                <a:latin typeface="Montserrat Light" panose="00000400000000000000" pitchFamily="2" charset="0"/>
+              </a:rPr>
+              <a:t>: mujeres toman la tarea que el Estado no lleva a cabo.</a:t>
+            </a:r>
+          </a:p>
+          <a:p>
+            <a:pPr marL="342900" indent="-342900" algn="just">
+              <a:lnSpc>
+                <a:spcPct val="150000"/>
+              </a:lnSpc>
+              <a:buFont typeface="Arial" panose="020B0604020202020204" pitchFamily="34" charset="0"/>
+              <a:buChar char="•"/>
+            </a:pPr>
+            <a:r>
+              <a:rPr lang="es-AR" sz="1800" b="0" i="0" u="none" strike="noStrike" dirty="0">
+                <a:solidFill>
+                  <a:srgbClr val="494949"/>
+                </a:solidFill>
+                <a:effectLst/>
+                <a:latin typeface="Montserrat Light" panose="00000400000000000000" pitchFamily="2" charset="0"/>
+              </a:rPr>
+              <a:t>Una iniciativa para darle visibilidad a estos problemas: </a:t>
+            </a:r>
+            <a:r>
+              <a:rPr lang="es-AR" sz="1800" b="0" i="0" u="sng" strike="noStrike" dirty="0" err="1">
+                <a:solidFill>
+                  <a:srgbClr val="1155CC"/>
+                </a:solidFill>
+                <a:effectLst/>
+                <a:latin typeface="Montserrat Light" panose="00000400000000000000" pitchFamily="2" charset="0"/>
+                <a:hlinkClick r:id="rId3"/>
+              </a:rPr>
+              <a:t>The</a:t>
+            </a:r>
+            <a:r>
+              <a:rPr lang="es-AR" sz="1800" b="0" i="0" u="sng" strike="noStrike" dirty="0">
+                <a:solidFill>
+                  <a:srgbClr val="1155CC"/>
+                </a:solidFill>
+                <a:effectLst/>
+                <a:latin typeface="Montserrat Light" panose="00000400000000000000" pitchFamily="2" charset="0"/>
+                <a:hlinkClick r:id="rId3"/>
+              </a:rPr>
+              <a:t> Library </a:t>
+            </a:r>
+            <a:r>
+              <a:rPr lang="es-AR" sz="1800" b="0" i="0" u="sng" strike="noStrike" dirty="0" err="1">
+                <a:solidFill>
+                  <a:srgbClr val="1155CC"/>
+                </a:solidFill>
+                <a:effectLst/>
+                <a:latin typeface="Montserrat Light" panose="00000400000000000000" pitchFamily="2" charset="0"/>
+                <a:hlinkClick r:id="rId3"/>
+              </a:rPr>
+              <a:t>of</a:t>
+            </a:r>
+            <a:r>
+              <a:rPr lang="es-AR" sz="1800" b="0" i="0" u="sng" strike="noStrike" dirty="0">
+                <a:solidFill>
+                  <a:srgbClr val="1155CC"/>
+                </a:solidFill>
+                <a:effectLst/>
+                <a:latin typeface="Montserrat Light" panose="00000400000000000000" pitchFamily="2" charset="0"/>
+                <a:hlinkClick r:id="rId3"/>
+              </a:rPr>
+              <a:t> </a:t>
+            </a:r>
+            <a:r>
+              <a:rPr lang="es-AR" sz="1800" b="0" i="0" u="sng" strike="noStrike" dirty="0" err="1">
+                <a:solidFill>
+                  <a:srgbClr val="1155CC"/>
+                </a:solidFill>
+                <a:effectLst/>
+                <a:latin typeface="Montserrat Light" panose="00000400000000000000" pitchFamily="2" charset="0"/>
+                <a:hlinkClick r:id="rId3"/>
+              </a:rPr>
+              <a:t>Missing</a:t>
+            </a:r>
+            <a:r>
+              <a:rPr lang="es-AR" sz="1800" b="0" i="0" u="sng" strike="noStrike" dirty="0">
+                <a:solidFill>
+                  <a:srgbClr val="1155CC"/>
+                </a:solidFill>
+                <a:effectLst/>
+                <a:latin typeface="Montserrat Light" panose="00000400000000000000" pitchFamily="2" charset="0"/>
+                <a:hlinkClick r:id="rId3"/>
+              </a:rPr>
+              <a:t> </a:t>
+            </a:r>
+            <a:r>
+              <a:rPr lang="es-AR" sz="1800" b="0" i="0" u="sng" strike="noStrike" dirty="0" err="1">
+                <a:solidFill>
+                  <a:srgbClr val="1155CC"/>
+                </a:solidFill>
+                <a:effectLst/>
+                <a:latin typeface="Montserrat Light" panose="00000400000000000000" pitchFamily="2" charset="0"/>
+                <a:hlinkClick r:id="rId3"/>
+              </a:rPr>
+              <a:t>Datasets</a:t>
+            </a:r>
+            <a:r>
+              <a:rPr lang="es-AR" sz="1800" b="0" i="0" u="none" strike="noStrike" dirty="0">
+                <a:solidFill>
+                  <a:srgbClr val="000000"/>
+                </a:solidFill>
+                <a:effectLst/>
+                <a:latin typeface="Montserrat Light" panose="00000400000000000000" pitchFamily="2" charset="0"/>
+              </a:rPr>
+              <a:t>.</a:t>
+            </a:r>
+            <a:endParaRPr lang="es-AR" sz="2000" dirty="0">
+              <a:solidFill>
+                <a:srgbClr val="494949"/>
+              </a:solidFill>
+              <a:latin typeface="Montserrat Light" panose="00000400000000000000" pitchFamily="2" charset="0"/>
+            </a:endParaRPr>
+          </a:p>
+          <a:p>
+            <a:pPr marL="342900" indent="-342900" algn="just">
+              <a:lnSpc>
+                <a:spcPct val="150000"/>
+              </a:lnSpc>
+              <a:buFont typeface="Arial" panose="020B0604020202020204" pitchFamily="34" charset="0"/>
+              <a:buChar char="•"/>
+            </a:pPr>
+            <a:endParaRPr lang="es-AR" sz="2000" dirty="0">
+              <a:solidFill>
+                <a:srgbClr val="494949"/>
+              </a:solidFill>
+              <a:latin typeface="Montserrat Medium" panose="00000600000000000000" pitchFamily="2" charset="0"/>
+            </a:endParaRPr>
+          </a:p>
+        </p:txBody>
+      </p:sp>
+    </p:spTree>
+    <p:extLst>
+      <p:ext uri="{BB962C8B-B14F-4D97-AF65-F5344CB8AC3E}">
+        <p14:creationId xmlns:p14="http://schemas.microsoft.com/office/powerpoint/2010/main" val="79126726"/>
+      </p:ext>
+    </p:extLst>
+  </p:cSld>
+  <p:clrMapOvr>
+    <a:masterClrMapping/>
+  </p:clrMapOvr>
+</p:sld>
+</file>
+
+<file path=ppt/slides/slide11.xml><?xml version="1.0" encoding="utf-8"?>
+<p:sld xmlns:a="http://schemas.openxmlformats.org/drawingml/2006/main" xmlns:r="http://schemas.openxmlformats.org/officeDocument/2006/relationships" xmlns:p="http://schemas.openxmlformats.org/presentationml/2006/main">
+  <p:cSld>
+    <p:spTree>
+      <p:nvGrpSpPr>
+        <p:cNvPr id="1" name=""/>
+        <p:cNvGrpSpPr/>
+        <p:nvPr/>
+      </p:nvGrpSpPr>
+      <p:grpSpPr>
+        <a:xfrm>
+          <a:off x="0" y="0"/>
+          <a:ext cx="0" cy="0"/>
+          <a:chOff x="0" y="0"/>
+          <a:chExt cx="0" cy="0"/>
+        </a:xfrm>
+      </p:grpSpPr>
+      <p:sp>
+        <p:nvSpPr>
+          <p:cNvPr id="2" name="CuadroTexto 1">
+            <a:extLst>
+              <a:ext uri="{FF2B5EF4-FFF2-40B4-BE49-F238E27FC236}">
+                <a16:creationId xmlns:a16="http://schemas.microsoft.com/office/drawing/2014/main" id="{DD088DF5-E662-42BD-866A-1529CC1122BE}"/>
+              </a:ext>
+            </a:extLst>
+          </p:cNvPr>
+          <p:cNvSpPr txBox="1"/>
+          <p:nvPr/>
+        </p:nvSpPr>
+        <p:spPr>
+          <a:xfrm>
+            <a:off x="1440873" y="674259"/>
+            <a:ext cx="9587345" cy="1077218"/>
+          </a:xfrm>
+          <a:prstGeom prst="rect">
+            <a:avLst/>
+          </a:prstGeom>
+          <a:noFill/>
+          <a:ln w="6350">
+            <a:noFill/>
+          </a:ln>
+        </p:spPr>
+        <p:txBody>
+          <a:bodyPr wrap="square" rtlCol="0">
+            <a:spAutoFit/>
+          </a:bodyPr>
+          <a:lstStyle/>
+          <a:p>
+            <a:r>
+              <a:rPr lang="es-AR" sz="3200" dirty="0">
+                <a:solidFill>
+                  <a:srgbClr val="494949"/>
+                </a:solidFill>
+                <a:latin typeface="Montserrat SemiBold" panose="00000700000000000000" pitchFamily="2" charset="0"/>
+              </a:rPr>
+              <a:t>Identificar qué </a:t>
+            </a:r>
+            <a:r>
+              <a:rPr lang="es-AR" sz="3200" dirty="0">
+                <a:solidFill>
+                  <a:srgbClr val="E5616E"/>
+                </a:solidFill>
+                <a:latin typeface="Montserrat SemiBold" panose="00000700000000000000" pitchFamily="2" charset="0"/>
+              </a:rPr>
+              <a:t>potencialidades y limitaciones </a:t>
+            </a:r>
+            <a:r>
+              <a:rPr lang="es-AR" sz="3200" dirty="0">
+                <a:solidFill>
+                  <a:srgbClr val="494949"/>
+                </a:solidFill>
+                <a:latin typeface="Montserrat SemiBold" panose="00000700000000000000" pitchFamily="2" charset="0"/>
+              </a:rPr>
+              <a:t>tienen los datos</a:t>
+            </a:r>
+          </a:p>
+        </p:txBody>
+      </p:sp>
+      <p:cxnSp>
+        <p:nvCxnSpPr>
+          <p:cNvPr id="5" name="Conector recto 4">
+            <a:extLst>
+              <a:ext uri="{FF2B5EF4-FFF2-40B4-BE49-F238E27FC236}">
+                <a16:creationId xmlns:a16="http://schemas.microsoft.com/office/drawing/2014/main" id="{736FCD81-F08A-47E6-B834-76BCCAB87816}"/>
+              </a:ext>
+            </a:extLst>
+          </p:cNvPr>
+          <p:cNvCxnSpPr>
+            <a:cxnSpLocks/>
+          </p:cNvCxnSpPr>
+          <p:nvPr/>
+        </p:nvCxnSpPr>
+        <p:spPr>
+          <a:xfrm>
+            <a:off x="1440873" y="1674091"/>
+            <a:ext cx="6512502" cy="0"/>
+          </a:xfrm>
+          <a:prstGeom prst="line">
+            <a:avLst/>
+          </a:prstGeom>
+          <a:ln>
+            <a:solidFill>
+              <a:srgbClr val="E5616E"/>
+            </a:solidFill>
+          </a:ln>
+        </p:spPr>
+        <p:style>
+          <a:lnRef idx="1">
+            <a:schemeClr val="accent1"/>
+          </a:lnRef>
+          <a:fillRef idx="0">
+            <a:schemeClr val="accent1"/>
+          </a:fillRef>
+          <a:effectRef idx="0">
+            <a:schemeClr val="accent1"/>
+          </a:effectRef>
+          <a:fontRef idx="minor">
+            <a:schemeClr val="tx1"/>
+          </a:fontRef>
+        </p:style>
+      </p:cxnSp>
+      <p:sp>
+        <p:nvSpPr>
+          <p:cNvPr id="6" name="CuadroTexto 5">
+            <a:extLst>
+              <a:ext uri="{FF2B5EF4-FFF2-40B4-BE49-F238E27FC236}">
+                <a16:creationId xmlns:a16="http://schemas.microsoft.com/office/drawing/2014/main" id="{47D17163-932A-4C86-B3FB-4A2A0D0DBDC3}"/>
+              </a:ext>
+            </a:extLst>
+          </p:cNvPr>
+          <p:cNvSpPr txBox="1"/>
+          <p:nvPr/>
+        </p:nvSpPr>
+        <p:spPr>
+          <a:xfrm>
+            <a:off x="1440873" y="2008041"/>
+            <a:ext cx="8709892" cy="4703082"/>
+          </a:xfrm>
+          <a:prstGeom prst="rect">
+            <a:avLst/>
+          </a:prstGeom>
+          <a:noFill/>
+        </p:spPr>
+        <p:txBody>
+          <a:bodyPr wrap="square" rtlCol="0">
+            <a:spAutoFit/>
+          </a:bodyPr>
+          <a:lstStyle/>
+          <a:p>
+            <a:pPr algn="just">
+              <a:lnSpc>
+                <a:spcPct val="150000"/>
+              </a:lnSpc>
+            </a:pPr>
+            <a:r>
+              <a:rPr lang="es-AR" sz="2000" i="1" dirty="0">
+                <a:solidFill>
+                  <a:srgbClr val="494949"/>
+                </a:solidFill>
+                <a:latin typeface="Montserrat Medium" panose="00000600000000000000" pitchFamily="2" charset="0"/>
+              </a:rPr>
+              <a:t>¿Qué determina que algunos datos se recolecten y otros no?</a:t>
+            </a:r>
+          </a:p>
+          <a:p>
+            <a:pPr marL="342900" indent="-342900" algn="just">
+              <a:lnSpc>
+                <a:spcPct val="150000"/>
+              </a:lnSpc>
+              <a:buFont typeface="Arial" panose="020B0604020202020204" pitchFamily="34" charset="0"/>
+              <a:buChar char="•"/>
+            </a:pPr>
+            <a:r>
+              <a:rPr lang="es-AR" dirty="0">
+                <a:solidFill>
+                  <a:srgbClr val="494949"/>
+                </a:solidFill>
+                <a:latin typeface="Montserrat Light" panose="00000400000000000000" pitchFamily="2" charset="0"/>
+              </a:rPr>
+              <a:t>Recolectar y almacenar datos es </a:t>
+            </a:r>
+            <a:r>
+              <a:rPr lang="es-AR" u="sng" dirty="0">
+                <a:solidFill>
+                  <a:srgbClr val="494949"/>
+                </a:solidFill>
+                <a:latin typeface="Montserrat Light" panose="00000400000000000000" pitchFamily="2" charset="0"/>
+              </a:rPr>
+              <a:t>costoso</a:t>
+            </a:r>
+            <a:r>
+              <a:rPr lang="es-AR" dirty="0">
+                <a:solidFill>
+                  <a:srgbClr val="494949"/>
+                </a:solidFill>
+                <a:latin typeface="Montserrat Light" panose="00000400000000000000" pitchFamily="2" charset="0"/>
+              </a:rPr>
+              <a:t> (energía!).</a:t>
+            </a:r>
+          </a:p>
+          <a:p>
+            <a:pPr marL="342900" indent="-342900" algn="just">
+              <a:lnSpc>
+                <a:spcPct val="150000"/>
+              </a:lnSpc>
+              <a:buFont typeface="Arial" panose="020B0604020202020204" pitchFamily="34" charset="0"/>
+              <a:buChar char="•"/>
+            </a:pPr>
+            <a:r>
+              <a:rPr lang="es-AR" dirty="0">
+                <a:solidFill>
+                  <a:srgbClr val="494949"/>
+                </a:solidFill>
+                <a:latin typeface="Montserrat Light" panose="00000400000000000000" pitchFamily="2" charset="0"/>
+              </a:rPr>
+              <a:t>Hay información difícil -no imposible!- de </a:t>
+            </a:r>
+            <a:r>
+              <a:rPr lang="es-AR" u="sng" dirty="0">
+                <a:solidFill>
+                  <a:srgbClr val="494949"/>
+                </a:solidFill>
+                <a:latin typeface="Montserrat Light" panose="00000400000000000000" pitchFamily="2" charset="0"/>
+              </a:rPr>
+              <a:t>cuantificar</a:t>
+            </a:r>
+            <a:r>
+              <a:rPr lang="es-AR" dirty="0">
+                <a:solidFill>
+                  <a:srgbClr val="494949"/>
+                </a:solidFill>
+                <a:latin typeface="Montserrat Light" panose="00000400000000000000" pitchFamily="2" charset="0"/>
+              </a:rPr>
+              <a:t> (especialmente en torno a lo que sucede en la esfera privada -</a:t>
+            </a:r>
+            <a:r>
+              <a:rPr lang="es-AR" dirty="0" err="1">
+                <a:solidFill>
+                  <a:srgbClr val="494949"/>
+                </a:solidFill>
+                <a:latin typeface="Montserrat Light" panose="00000400000000000000" pitchFamily="2" charset="0"/>
+              </a:rPr>
+              <a:t>ej</a:t>
+            </a:r>
+            <a:r>
+              <a:rPr lang="es-AR" dirty="0">
+                <a:solidFill>
+                  <a:srgbClr val="494949"/>
+                </a:solidFill>
+                <a:latin typeface="Montserrat Light" panose="00000400000000000000" pitchFamily="2" charset="0"/>
+              </a:rPr>
+              <a:t>: ¿cuántas mujeres sufren violencia psicológica?-, y hay información que no se considera </a:t>
+            </a:r>
+            <a:r>
+              <a:rPr lang="es-AR" u="sng" dirty="0">
+                <a:solidFill>
+                  <a:srgbClr val="494949"/>
+                </a:solidFill>
+                <a:latin typeface="Montserrat Light" panose="00000400000000000000" pitchFamily="2" charset="0"/>
+              </a:rPr>
+              <a:t>importante</a:t>
+            </a:r>
+            <a:r>
+              <a:rPr lang="es-AR" dirty="0">
+                <a:solidFill>
+                  <a:srgbClr val="494949"/>
+                </a:solidFill>
+                <a:latin typeface="Montserrat Light" panose="00000400000000000000" pitchFamily="2" charset="0"/>
+              </a:rPr>
+              <a:t> -</a:t>
+            </a:r>
+            <a:r>
+              <a:rPr lang="es-AR" dirty="0" err="1">
+                <a:solidFill>
+                  <a:srgbClr val="494949"/>
+                </a:solidFill>
+                <a:latin typeface="Montserrat Light" panose="00000400000000000000" pitchFamily="2" charset="0"/>
+              </a:rPr>
+              <a:t>ej</a:t>
+            </a:r>
+            <a:r>
+              <a:rPr lang="es-AR" dirty="0">
+                <a:solidFill>
+                  <a:srgbClr val="494949"/>
+                </a:solidFill>
+                <a:latin typeface="Montserrat Light" panose="00000400000000000000" pitchFamily="2" charset="0"/>
+              </a:rPr>
+              <a:t>: raza en los estudios de mercado de trabajo en Argentina-.</a:t>
+            </a:r>
+          </a:p>
+          <a:p>
+            <a:pPr marL="342900" indent="-342900" algn="just">
+              <a:lnSpc>
+                <a:spcPct val="150000"/>
+              </a:lnSpc>
+              <a:buFont typeface="Arial" panose="020B0604020202020204" pitchFamily="34" charset="0"/>
+              <a:buChar char="•"/>
+            </a:pPr>
+            <a:r>
+              <a:rPr lang="es-AR" dirty="0">
+                <a:solidFill>
+                  <a:srgbClr val="494949"/>
+                </a:solidFill>
+                <a:latin typeface="Montserrat Light" panose="00000400000000000000" pitchFamily="2" charset="0"/>
+              </a:rPr>
+              <a:t>¿</a:t>
+            </a:r>
+            <a:r>
+              <a:rPr lang="es-AR" u="sng" dirty="0">
+                <a:solidFill>
+                  <a:srgbClr val="494949"/>
+                </a:solidFill>
+                <a:latin typeface="Montserrat Light" panose="00000400000000000000" pitchFamily="2" charset="0"/>
+              </a:rPr>
+              <a:t>Quién</a:t>
+            </a:r>
+            <a:r>
+              <a:rPr lang="es-AR" dirty="0">
+                <a:solidFill>
+                  <a:srgbClr val="494949"/>
+                </a:solidFill>
+                <a:latin typeface="Montserrat Light" panose="00000400000000000000" pitchFamily="2" charset="0"/>
+              </a:rPr>
+              <a:t> diseña los </a:t>
+            </a:r>
+            <a:r>
+              <a:rPr lang="es-AR" u="sng" dirty="0">
+                <a:solidFill>
+                  <a:srgbClr val="494949"/>
+                </a:solidFill>
+                <a:latin typeface="Montserrat Light" panose="00000400000000000000" pitchFamily="2" charset="0"/>
+              </a:rPr>
+              <a:t>cuestionarios</a:t>
+            </a:r>
+            <a:r>
+              <a:rPr lang="es-AR" dirty="0">
+                <a:solidFill>
+                  <a:srgbClr val="494949"/>
+                </a:solidFill>
+                <a:latin typeface="Montserrat Light" panose="00000400000000000000" pitchFamily="2" charset="0"/>
+              </a:rPr>
+              <a:t> que determinan los datos de las encuestas y censos? ¿</a:t>
+            </a:r>
+            <a:r>
+              <a:rPr lang="es-AR" u="sng" dirty="0">
+                <a:solidFill>
+                  <a:srgbClr val="494949"/>
+                </a:solidFill>
+                <a:latin typeface="Montserrat Light" panose="00000400000000000000" pitchFamily="2" charset="0"/>
+              </a:rPr>
+              <a:t>Quién</a:t>
+            </a:r>
+            <a:r>
+              <a:rPr lang="es-AR" dirty="0">
+                <a:solidFill>
+                  <a:srgbClr val="494949"/>
+                </a:solidFill>
+                <a:latin typeface="Montserrat Light" panose="00000400000000000000" pitchFamily="2" charset="0"/>
+              </a:rPr>
+              <a:t> elige las </a:t>
+            </a:r>
+            <a:r>
+              <a:rPr lang="es-AR" u="sng" dirty="0">
+                <a:solidFill>
+                  <a:srgbClr val="494949"/>
+                </a:solidFill>
+                <a:latin typeface="Montserrat Light" panose="00000400000000000000" pitchFamily="2" charset="0"/>
+              </a:rPr>
+              <a:t>variables de interés</a:t>
+            </a:r>
+            <a:r>
+              <a:rPr lang="es-AR" dirty="0">
+                <a:solidFill>
+                  <a:srgbClr val="494949"/>
+                </a:solidFill>
+                <a:latin typeface="Montserrat Light" panose="00000400000000000000" pitchFamily="2" charset="0"/>
+              </a:rPr>
+              <a:t> acerca de patrones de consumo/movilidad/etc. que se guardan y analizan? </a:t>
+            </a:r>
+          </a:p>
+          <a:p>
+            <a:pPr marL="342900" indent="-342900" algn="just">
+              <a:lnSpc>
+                <a:spcPct val="150000"/>
+              </a:lnSpc>
+              <a:buFont typeface="Arial" panose="020B0604020202020204" pitchFamily="34" charset="0"/>
+              <a:buChar char="•"/>
+            </a:pPr>
+            <a:endParaRPr lang="es-AR" sz="2000" dirty="0">
+              <a:solidFill>
+                <a:srgbClr val="494949"/>
+              </a:solidFill>
+              <a:latin typeface="Montserrat Medium" panose="00000600000000000000" pitchFamily="2" charset="0"/>
+            </a:endParaRPr>
+          </a:p>
+        </p:txBody>
+      </p:sp>
+    </p:spTree>
+    <p:extLst>
+      <p:ext uri="{BB962C8B-B14F-4D97-AF65-F5344CB8AC3E}">
+        <p14:creationId xmlns:p14="http://schemas.microsoft.com/office/powerpoint/2010/main" val="357838611"/>
+      </p:ext>
+    </p:extLst>
+  </p:cSld>
+  <p:clrMapOvr>
+    <a:masterClrMapping/>
+  </p:clrMapOvr>
+</p:sld>
+</file>
+
+<file path=ppt/slides/slide12.xml><?xml version="1.0" encoding="utf-8"?>
+<p:sld xmlns:a="http://schemas.openxmlformats.org/drawingml/2006/main" xmlns:r="http://schemas.openxmlformats.org/officeDocument/2006/relationships" xmlns:p="http://schemas.openxmlformats.org/presentationml/2006/main">
+  <p:cSld>
+    <p:spTree>
+      <p:nvGrpSpPr>
+        <p:cNvPr id="1" name=""/>
+        <p:cNvGrpSpPr/>
+        <p:nvPr/>
+      </p:nvGrpSpPr>
+      <p:grpSpPr>
+        <a:xfrm>
+          <a:off x="0" y="0"/>
+          <a:ext cx="0" cy="0"/>
+          <a:chOff x="0" y="0"/>
+          <a:chExt cx="0" cy="0"/>
+        </a:xfrm>
+      </p:grpSpPr>
+      <p:sp>
+        <p:nvSpPr>
+          <p:cNvPr id="2" name="CuadroTexto 1">
+            <a:extLst>
+              <a:ext uri="{FF2B5EF4-FFF2-40B4-BE49-F238E27FC236}">
+                <a16:creationId xmlns:a16="http://schemas.microsoft.com/office/drawing/2014/main" id="{DD088DF5-E662-42BD-866A-1529CC1122BE}"/>
+              </a:ext>
+            </a:extLst>
+          </p:cNvPr>
+          <p:cNvSpPr txBox="1"/>
+          <p:nvPr/>
+        </p:nvSpPr>
+        <p:spPr>
+          <a:xfrm>
+            <a:off x="1440873" y="674259"/>
+            <a:ext cx="9587345" cy="1077218"/>
+          </a:xfrm>
+          <a:prstGeom prst="rect">
+            <a:avLst/>
+          </a:prstGeom>
+          <a:noFill/>
+          <a:ln w="6350">
+            <a:noFill/>
+          </a:ln>
+        </p:spPr>
+        <p:txBody>
+          <a:bodyPr wrap="square" rtlCol="0">
+            <a:spAutoFit/>
+          </a:bodyPr>
+          <a:lstStyle/>
+          <a:p>
+            <a:r>
+              <a:rPr lang="es-AR" sz="3200" dirty="0">
+                <a:solidFill>
+                  <a:srgbClr val="494949"/>
+                </a:solidFill>
+                <a:latin typeface="Montserrat SemiBold" panose="00000700000000000000" pitchFamily="2" charset="0"/>
+              </a:rPr>
+              <a:t>Identificar qué </a:t>
+            </a:r>
+            <a:r>
+              <a:rPr lang="es-AR" sz="3200" dirty="0">
+                <a:solidFill>
+                  <a:srgbClr val="E5616E"/>
+                </a:solidFill>
+                <a:latin typeface="Montserrat SemiBold" panose="00000700000000000000" pitchFamily="2" charset="0"/>
+              </a:rPr>
+              <a:t>potencialidades y limitaciones </a:t>
+            </a:r>
+            <a:r>
+              <a:rPr lang="es-AR" sz="3200" dirty="0">
+                <a:solidFill>
+                  <a:srgbClr val="494949"/>
+                </a:solidFill>
+                <a:latin typeface="Montserrat SemiBold" panose="00000700000000000000" pitchFamily="2" charset="0"/>
+              </a:rPr>
+              <a:t>tienen los datos</a:t>
+            </a:r>
+          </a:p>
+        </p:txBody>
+      </p:sp>
+      <p:cxnSp>
+        <p:nvCxnSpPr>
+          <p:cNvPr id="5" name="Conector recto 4">
+            <a:extLst>
+              <a:ext uri="{FF2B5EF4-FFF2-40B4-BE49-F238E27FC236}">
+                <a16:creationId xmlns:a16="http://schemas.microsoft.com/office/drawing/2014/main" id="{736FCD81-F08A-47E6-B834-76BCCAB87816}"/>
+              </a:ext>
+            </a:extLst>
+          </p:cNvPr>
+          <p:cNvCxnSpPr>
+            <a:cxnSpLocks/>
+          </p:cNvCxnSpPr>
+          <p:nvPr/>
+        </p:nvCxnSpPr>
+        <p:spPr>
+          <a:xfrm>
+            <a:off x="1440873" y="1674091"/>
+            <a:ext cx="6512502" cy="0"/>
+          </a:xfrm>
+          <a:prstGeom prst="line">
+            <a:avLst/>
+          </a:prstGeom>
+          <a:ln>
+            <a:solidFill>
+              <a:srgbClr val="E5616E"/>
+            </a:solidFill>
+          </a:ln>
+        </p:spPr>
+        <p:style>
+          <a:lnRef idx="1">
+            <a:schemeClr val="accent1"/>
+          </a:lnRef>
+          <a:fillRef idx="0">
+            <a:schemeClr val="accent1"/>
+          </a:fillRef>
+          <a:effectRef idx="0">
+            <a:schemeClr val="accent1"/>
+          </a:effectRef>
+          <a:fontRef idx="minor">
+            <a:schemeClr val="tx1"/>
+          </a:fontRef>
+        </p:style>
+      </p:cxnSp>
+      <p:sp>
+        <p:nvSpPr>
+          <p:cNvPr id="6" name="CuadroTexto 5">
+            <a:extLst>
+              <a:ext uri="{FF2B5EF4-FFF2-40B4-BE49-F238E27FC236}">
+                <a16:creationId xmlns:a16="http://schemas.microsoft.com/office/drawing/2014/main" id="{47D17163-932A-4C86-B3FB-4A2A0D0DBDC3}"/>
+              </a:ext>
+            </a:extLst>
+          </p:cNvPr>
+          <p:cNvSpPr txBox="1"/>
+          <p:nvPr/>
+        </p:nvSpPr>
+        <p:spPr>
+          <a:xfrm>
+            <a:off x="1440873" y="2008041"/>
+            <a:ext cx="8709892" cy="4528804"/>
+          </a:xfrm>
+          <a:prstGeom prst="rect">
+            <a:avLst/>
+          </a:prstGeom>
+          <a:noFill/>
+        </p:spPr>
+        <p:txBody>
+          <a:bodyPr wrap="square" rtlCol="0">
+            <a:spAutoFit/>
+          </a:bodyPr>
+          <a:lstStyle/>
+          <a:p>
+            <a:pPr algn="just">
+              <a:lnSpc>
+                <a:spcPct val="150000"/>
+              </a:lnSpc>
+            </a:pPr>
+            <a:r>
+              <a:rPr lang="es-AR" sz="2000" i="1" dirty="0">
+                <a:solidFill>
+                  <a:srgbClr val="494949"/>
+                </a:solidFill>
+                <a:latin typeface="Montserrat Medium" panose="00000600000000000000" pitchFamily="2" charset="0"/>
+              </a:rPr>
+              <a:t>La paradoja de la </a:t>
+            </a:r>
+            <a:r>
+              <a:rPr lang="es-AR" sz="2000" b="1" i="1" dirty="0">
+                <a:solidFill>
+                  <a:srgbClr val="494949"/>
+                </a:solidFill>
+                <a:latin typeface="Montserrat Medium" panose="00000600000000000000" pitchFamily="2" charset="0"/>
+              </a:rPr>
+              <a:t>exposición</a:t>
+            </a:r>
+          </a:p>
+          <a:p>
+            <a:pPr algn="just">
+              <a:lnSpc>
+                <a:spcPct val="150000"/>
+              </a:lnSpc>
+            </a:pPr>
+            <a:r>
+              <a:rPr lang="es-AR" dirty="0">
+                <a:solidFill>
+                  <a:srgbClr val="494949"/>
+                </a:solidFill>
+                <a:latin typeface="Montserrat Light" panose="00000400000000000000" pitchFamily="2" charset="0"/>
+              </a:rPr>
+              <a:t>A veces, hacer visibles para el sistema a algunos colectivos de personas -lo cual es necesario para obtener recursos para mejorar su calidad de vida- puede resultar en situaciones de violencia/discriminación. </a:t>
+            </a:r>
+          </a:p>
+          <a:p>
+            <a:pPr algn="just">
+              <a:lnSpc>
+                <a:spcPct val="150000"/>
+              </a:lnSpc>
+            </a:pPr>
+            <a:endParaRPr lang="es-AR" dirty="0">
+              <a:solidFill>
+                <a:srgbClr val="494949"/>
+              </a:solidFill>
+              <a:latin typeface="Montserrat Light" panose="00000400000000000000" pitchFamily="2" charset="0"/>
+            </a:endParaRPr>
+          </a:p>
+          <a:p>
+            <a:pPr algn="just">
+              <a:lnSpc>
+                <a:spcPct val="150000"/>
+              </a:lnSpc>
+            </a:pPr>
+            <a:r>
+              <a:rPr lang="es-AR" dirty="0">
+                <a:solidFill>
+                  <a:srgbClr val="494949"/>
+                </a:solidFill>
+                <a:latin typeface="Montserrat Light" panose="00000400000000000000" pitchFamily="2" charset="0"/>
+              </a:rPr>
+              <a:t>Si el colectivo de personas no es grande, ¿los datos son </a:t>
+            </a:r>
+            <a:r>
+              <a:rPr lang="es-AR" dirty="0" err="1">
+                <a:solidFill>
+                  <a:srgbClr val="494949"/>
+                </a:solidFill>
+                <a:latin typeface="Montserrat Light" panose="00000400000000000000" pitchFamily="2" charset="0"/>
+              </a:rPr>
+              <a:t>desanonimizables</a:t>
+            </a:r>
+            <a:r>
+              <a:rPr lang="es-AR" dirty="0">
+                <a:solidFill>
+                  <a:srgbClr val="494949"/>
+                </a:solidFill>
+                <a:latin typeface="Montserrat Light" panose="00000400000000000000" pitchFamily="2" charset="0"/>
+              </a:rPr>
+              <a:t>?</a:t>
+            </a:r>
+          </a:p>
+          <a:p>
+            <a:pPr algn="just">
+              <a:lnSpc>
+                <a:spcPct val="150000"/>
+              </a:lnSpc>
+            </a:pPr>
+            <a:endParaRPr lang="es-AR" dirty="0">
+              <a:solidFill>
+                <a:srgbClr val="494949"/>
+              </a:solidFill>
+              <a:latin typeface="Montserrat Light" panose="00000400000000000000" pitchFamily="2" charset="0"/>
+            </a:endParaRPr>
+          </a:p>
+          <a:p>
+            <a:pPr algn="just">
+              <a:lnSpc>
+                <a:spcPct val="150000"/>
+              </a:lnSpc>
+            </a:pPr>
+            <a:r>
+              <a:rPr lang="es-AR" dirty="0">
+                <a:solidFill>
+                  <a:srgbClr val="494949"/>
+                </a:solidFill>
+                <a:latin typeface="Montserrat Light" panose="00000400000000000000" pitchFamily="2" charset="0"/>
+              </a:rPr>
+              <a:t>El caso de los inmigrantes sin papeles:</a:t>
+            </a:r>
+          </a:p>
+          <a:p>
+            <a:pPr algn="just">
+              <a:lnSpc>
+                <a:spcPct val="150000"/>
+              </a:lnSpc>
+            </a:pPr>
+            <a:r>
+              <a:rPr lang="es-AR" sz="1600" dirty="0">
+                <a:solidFill>
+                  <a:srgbClr val="494949"/>
+                </a:solidFill>
+                <a:latin typeface="Montserrat Light" panose="00000400000000000000" pitchFamily="2" charset="0"/>
+              </a:rPr>
+              <a:t>Si un censo se identifica una zona con una población muy grande de este tipo, ¿van a llegar más trabajadores y trabajadoras sociales para ayudarles a integrarse? ¿o se van a redoblar los esfuerzos por encontrarlos, detenerlos y deportarlos?</a:t>
+            </a:r>
+          </a:p>
+        </p:txBody>
+      </p:sp>
+    </p:spTree>
+    <p:extLst>
+      <p:ext uri="{BB962C8B-B14F-4D97-AF65-F5344CB8AC3E}">
+        <p14:creationId xmlns:p14="http://schemas.microsoft.com/office/powerpoint/2010/main" val="1512719593"/>
+      </p:ext>
+    </p:extLst>
+  </p:cSld>
+  <p:clrMapOvr>
+    <a:masterClrMapping/>
+  </p:clrMapOvr>
+</p:sld>
+</file>
+
+<file path=ppt/slides/slide13.xml><?xml version="1.0" encoding="utf-8"?>
+<p:sld xmlns:a="http://schemas.openxmlformats.org/drawingml/2006/main" xmlns:r="http://schemas.openxmlformats.org/officeDocument/2006/relationships" xmlns:p="http://schemas.openxmlformats.org/presentationml/2006/main">
+  <p:cSld>
+    <p:spTree>
+      <p:nvGrpSpPr>
+        <p:cNvPr id="1" name=""/>
+        <p:cNvGrpSpPr/>
+        <p:nvPr/>
+      </p:nvGrpSpPr>
+      <p:grpSpPr>
+        <a:xfrm>
+          <a:off x="0" y="0"/>
+          <a:ext cx="0" cy="0"/>
+          <a:chOff x="0" y="0"/>
+          <a:chExt cx="0" cy="0"/>
+        </a:xfrm>
+      </p:grpSpPr>
+      <p:sp>
+        <p:nvSpPr>
+          <p:cNvPr id="2" name="CuadroTexto 1">
+            <a:extLst>
+              <a:ext uri="{FF2B5EF4-FFF2-40B4-BE49-F238E27FC236}">
+                <a16:creationId xmlns:a16="http://schemas.microsoft.com/office/drawing/2014/main" id="{DD088DF5-E662-42BD-866A-1529CC1122BE}"/>
+              </a:ext>
+            </a:extLst>
+          </p:cNvPr>
+          <p:cNvSpPr txBox="1"/>
+          <p:nvPr/>
+        </p:nvSpPr>
+        <p:spPr>
+          <a:xfrm>
+            <a:off x="1440872" y="535719"/>
+            <a:ext cx="9587345" cy="1446550"/>
+          </a:xfrm>
+          <a:prstGeom prst="rect">
+            <a:avLst/>
+          </a:prstGeom>
+          <a:noFill/>
+          <a:ln w="6350">
+            <a:noFill/>
+          </a:ln>
+        </p:spPr>
+        <p:txBody>
+          <a:bodyPr wrap="square" rtlCol="0">
+            <a:spAutoFit/>
+          </a:bodyPr>
+          <a:lstStyle/>
+          <a:p>
+            <a:r>
+              <a:rPr lang="es-AR" sz="3200" dirty="0">
+                <a:solidFill>
+                  <a:srgbClr val="494949"/>
+                </a:solidFill>
+                <a:latin typeface="Montserrat SemiBold" panose="00000700000000000000" pitchFamily="2" charset="0"/>
+              </a:rPr>
+              <a:t>¿Las prácticas actuales </a:t>
+            </a:r>
+            <a:r>
+              <a:rPr lang="es-AR" sz="3200" dirty="0">
+                <a:solidFill>
+                  <a:srgbClr val="E5616E"/>
+                </a:solidFill>
+                <a:latin typeface="Montserrat SemiBold" panose="00000700000000000000" pitchFamily="2" charset="0"/>
+              </a:rPr>
+              <a:t>refuerzan</a:t>
+            </a:r>
+            <a:r>
+              <a:rPr lang="es-AR" sz="3200" dirty="0">
+                <a:solidFill>
+                  <a:srgbClr val="494949"/>
+                </a:solidFill>
+                <a:latin typeface="Montserrat SemiBold" panose="00000700000000000000" pitchFamily="2" charset="0"/>
+              </a:rPr>
+              <a:t> las </a:t>
+            </a:r>
+            <a:r>
+              <a:rPr lang="es-AR" sz="3200" dirty="0">
+                <a:solidFill>
+                  <a:srgbClr val="E5616E"/>
+                </a:solidFill>
+                <a:latin typeface="Montserrat SemiBold" panose="00000700000000000000" pitchFamily="2" charset="0"/>
+              </a:rPr>
+              <a:t>desigualdades</a:t>
+            </a:r>
+            <a:r>
+              <a:rPr lang="es-AR" sz="3200" dirty="0">
+                <a:solidFill>
+                  <a:srgbClr val="494949"/>
+                </a:solidFill>
+                <a:latin typeface="Montserrat SemiBold" panose="00000700000000000000" pitchFamily="2" charset="0"/>
+              </a:rPr>
+              <a:t> existentes?</a:t>
+            </a:r>
+          </a:p>
+          <a:p>
+            <a:r>
+              <a:rPr lang="es-AR" sz="2400" dirty="0">
+                <a:solidFill>
+                  <a:srgbClr val="E5616E"/>
+                </a:solidFill>
+                <a:latin typeface="Montserrat Light" panose="00000400000000000000" pitchFamily="2" charset="0"/>
+              </a:rPr>
+              <a:t>Ausencia de mujeres -y otras minorías- en STEM </a:t>
+            </a:r>
+          </a:p>
+        </p:txBody>
+      </p:sp>
+      <p:sp>
+        <p:nvSpPr>
+          <p:cNvPr id="3" name="CuadroTexto 2">
+            <a:extLst>
+              <a:ext uri="{FF2B5EF4-FFF2-40B4-BE49-F238E27FC236}">
+                <a16:creationId xmlns:a16="http://schemas.microsoft.com/office/drawing/2014/main" id="{16BB827D-F64D-4710-A306-30DF6B4F1519}"/>
+              </a:ext>
+            </a:extLst>
+          </p:cNvPr>
+          <p:cNvSpPr txBox="1"/>
+          <p:nvPr/>
+        </p:nvSpPr>
+        <p:spPr>
+          <a:xfrm>
+            <a:off x="1440873" y="2405200"/>
+            <a:ext cx="8709892" cy="3271921"/>
+          </a:xfrm>
+          <a:prstGeom prst="rect">
+            <a:avLst/>
+          </a:prstGeom>
+          <a:noFill/>
+        </p:spPr>
+        <p:txBody>
+          <a:bodyPr wrap="square" rtlCol="0">
+            <a:spAutoFit/>
+          </a:bodyPr>
+          <a:lstStyle/>
+          <a:p>
+            <a:pPr algn="just">
+              <a:lnSpc>
+                <a:spcPct val="150000"/>
+              </a:lnSpc>
+            </a:pPr>
+            <a:r>
+              <a:rPr lang="es-AR" sz="2000" b="1" dirty="0">
+                <a:solidFill>
+                  <a:srgbClr val="E5616E"/>
+                </a:solidFill>
+                <a:latin typeface="Montserrat Medium" panose="00000600000000000000" pitchFamily="2" charset="0"/>
+              </a:rPr>
+              <a:t>La ciencia no es neutral</a:t>
+            </a:r>
+            <a:r>
+              <a:rPr lang="es-AR" sz="2000" dirty="0">
+                <a:solidFill>
+                  <a:srgbClr val="494949"/>
+                </a:solidFill>
+                <a:latin typeface="Montserrat Medium" panose="00000600000000000000" pitchFamily="2" charset="0"/>
+              </a:rPr>
+              <a:t>, trae los prejuicios de sus científicos. </a:t>
+            </a:r>
+          </a:p>
+          <a:p>
+            <a:pPr algn="just">
+              <a:lnSpc>
+                <a:spcPct val="150000"/>
+              </a:lnSpc>
+            </a:pPr>
+            <a:endParaRPr lang="es-AR" sz="2000" dirty="0">
+              <a:solidFill>
+                <a:srgbClr val="494949"/>
+              </a:solidFill>
+              <a:latin typeface="Montserrat Medium" panose="00000600000000000000" pitchFamily="2" charset="0"/>
+            </a:endParaRPr>
+          </a:p>
+          <a:p>
+            <a:pPr algn="just">
+              <a:lnSpc>
+                <a:spcPct val="150000"/>
+              </a:lnSpc>
+            </a:pPr>
+            <a:r>
+              <a:rPr lang="es-AR" sz="2000" dirty="0">
+                <a:solidFill>
+                  <a:srgbClr val="494949"/>
+                </a:solidFill>
+                <a:latin typeface="Montserrat Medium" panose="00000600000000000000" pitchFamily="2" charset="0"/>
+              </a:rPr>
+              <a:t>Las formas de trabajo y comunicación que pretenden asegurar objetividad usualmente presentan el </a:t>
+            </a:r>
+            <a:r>
+              <a:rPr lang="es-AR" sz="2000" u="sng" dirty="0">
+                <a:solidFill>
+                  <a:srgbClr val="494949"/>
+                </a:solidFill>
+                <a:latin typeface="Montserrat Medium" panose="00000600000000000000" pitchFamily="2" charset="0"/>
+              </a:rPr>
+              <a:t>punto de vista hegemónico</a:t>
+            </a:r>
+            <a:r>
+              <a:rPr lang="es-AR" sz="2000" dirty="0">
+                <a:solidFill>
+                  <a:srgbClr val="494949"/>
+                </a:solidFill>
+                <a:latin typeface="Montserrat Medium" panose="00000600000000000000" pitchFamily="2" charset="0"/>
+              </a:rPr>
+              <a:t>. </a:t>
+            </a:r>
+          </a:p>
+          <a:p>
+            <a:pPr algn="just">
+              <a:lnSpc>
+                <a:spcPct val="150000"/>
+              </a:lnSpc>
+            </a:pPr>
+            <a:endParaRPr lang="es-AR" sz="2000" dirty="0">
+              <a:solidFill>
+                <a:srgbClr val="494949"/>
+              </a:solidFill>
+              <a:latin typeface="Montserrat Medium" panose="00000600000000000000" pitchFamily="2" charset="0"/>
+            </a:endParaRPr>
+          </a:p>
+          <a:p>
+            <a:pPr algn="just">
+              <a:lnSpc>
+                <a:spcPct val="150000"/>
+              </a:lnSpc>
+            </a:pPr>
+            <a:r>
+              <a:rPr lang="es-AR" sz="2000" dirty="0">
+                <a:solidFill>
+                  <a:srgbClr val="494949"/>
+                </a:solidFill>
+                <a:latin typeface="Montserrat Medium" panose="00000600000000000000" pitchFamily="2" charset="0"/>
+              </a:rPr>
+              <a:t>Es preferible explicitar los contextos en los que se desarrolla una investigación, y las posibles fuentes de sesgo.</a:t>
+            </a:r>
+            <a:endParaRPr lang="es-AR" sz="2000" dirty="0">
+              <a:solidFill>
+                <a:srgbClr val="494949"/>
+              </a:solidFill>
+              <a:latin typeface="Montserrat Light" panose="00000400000000000000" pitchFamily="2" charset="0"/>
+            </a:endParaRPr>
+          </a:p>
+        </p:txBody>
+      </p:sp>
+      <p:cxnSp>
+        <p:nvCxnSpPr>
+          <p:cNvPr id="5" name="Conector recto 4">
+            <a:extLst>
+              <a:ext uri="{FF2B5EF4-FFF2-40B4-BE49-F238E27FC236}">
+                <a16:creationId xmlns:a16="http://schemas.microsoft.com/office/drawing/2014/main" id="{736FCD81-F08A-47E6-B834-76BCCAB87816}"/>
+              </a:ext>
+            </a:extLst>
+          </p:cNvPr>
+          <p:cNvCxnSpPr>
+            <a:cxnSpLocks/>
+          </p:cNvCxnSpPr>
+          <p:nvPr/>
+        </p:nvCxnSpPr>
+        <p:spPr>
+          <a:xfrm>
+            <a:off x="1440873" y="1572493"/>
+            <a:ext cx="6512502" cy="0"/>
+          </a:xfrm>
+          <a:prstGeom prst="line">
+            <a:avLst/>
+          </a:prstGeom>
+          <a:ln>
+            <a:solidFill>
+              <a:srgbClr val="E5616E"/>
+            </a:solidFill>
+          </a:ln>
+        </p:spPr>
+        <p:style>
+          <a:lnRef idx="1">
+            <a:schemeClr val="accent1"/>
+          </a:lnRef>
+          <a:fillRef idx="0">
+            <a:schemeClr val="accent1"/>
+          </a:fillRef>
+          <a:effectRef idx="0">
+            <a:schemeClr val="accent1"/>
+          </a:effectRef>
+          <a:fontRef idx="minor">
+            <a:schemeClr val="tx1"/>
+          </a:fontRef>
+        </p:style>
+      </p:cxnSp>
+    </p:spTree>
+    <p:extLst>
+      <p:ext uri="{BB962C8B-B14F-4D97-AF65-F5344CB8AC3E}">
+        <p14:creationId xmlns:p14="http://schemas.microsoft.com/office/powerpoint/2010/main" val="876124608"/>
+      </p:ext>
+    </p:extLst>
+  </p:cSld>
+  <p:clrMapOvr>
+    <a:masterClrMapping/>
+  </p:clrMapOvr>
+</p:sld>
+</file>
+
+<file path=ppt/slides/slide14.xml><?xml version="1.0" encoding="utf-8"?>
+<p:sld xmlns:a="http://schemas.openxmlformats.org/drawingml/2006/main" xmlns:r="http://schemas.openxmlformats.org/officeDocument/2006/relationships" xmlns:p="http://schemas.openxmlformats.org/presentationml/2006/main">
+  <p:cSld>
+    <p:spTree>
+      <p:nvGrpSpPr>
+        <p:cNvPr id="1" name=""/>
+        <p:cNvGrpSpPr/>
+        <p:nvPr/>
+      </p:nvGrpSpPr>
+      <p:grpSpPr>
+        <a:xfrm>
+          <a:off x="0" y="0"/>
+          <a:ext cx="0" cy="0"/>
+          <a:chOff x="0" y="0"/>
+          <a:chExt cx="0" cy="0"/>
+        </a:xfrm>
+      </p:grpSpPr>
+      <p:sp>
+        <p:nvSpPr>
+          <p:cNvPr id="2" name="CuadroTexto 1">
+            <a:extLst>
+              <a:ext uri="{FF2B5EF4-FFF2-40B4-BE49-F238E27FC236}">
+                <a16:creationId xmlns:a16="http://schemas.microsoft.com/office/drawing/2014/main" id="{DD088DF5-E662-42BD-866A-1529CC1122BE}"/>
+              </a:ext>
+            </a:extLst>
+          </p:cNvPr>
+          <p:cNvSpPr txBox="1"/>
+          <p:nvPr/>
+        </p:nvSpPr>
+        <p:spPr>
+          <a:xfrm>
+            <a:off x="1440872" y="535719"/>
+            <a:ext cx="9587345" cy="1446550"/>
+          </a:xfrm>
+          <a:prstGeom prst="rect">
+            <a:avLst/>
+          </a:prstGeom>
+          <a:noFill/>
+          <a:ln w="6350">
+            <a:noFill/>
+          </a:ln>
+        </p:spPr>
+        <p:txBody>
+          <a:bodyPr wrap="square" rtlCol="0">
+            <a:spAutoFit/>
+          </a:bodyPr>
+          <a:lstStyle/>
+          <a:p>
+            <a:r>
+              <a:rPr lang="es-AR" sz="3200" dirty="0">
+                <a:solidFill>
+                  <a:srgbClr val="494949"/>
+                </a:solidFill>
+                <a:latin typeface="Montserrat SemiBold" panose="00000700000000000000" pitchFamily="2" charset="0"/>
+              </a:rPr>
+              <a:t>¿Las prácticas actuales </a:t>
+            </a:r>
+            <a:r>
+              <a:rPr lang="es-AR" sz="3200" dirty="0">
+                <a:solidFill>
+                  <a:srgbClr val="E5616E"/>
+                </a:solidFill>
+                <a:latin typeface="Montserrat SemiBold" panose="00000700000000000000" pitchFamily="2" charset="0"/>
+              </a:rPr>
+              <a:t>refuerzan</a:t>
+            </a:r>
+            <a:r>
+              <a:rPr lang="es-AR" sz="3200" dirty="0">
+                <a:solidFill>
+                  <a:srgbClr val="494949"/>
+                </a:solidFill>
+                <a:latin typeface="Montserrat SemiBold" panose="00000700000000000000" pitchFamily="2" charset="0"/>
+              </a:rPr>
+              <a:t> las </a:t>
+            </a:r>
+            <a:r>
+              <a:rPr lang="es-AR" sz="3200" dirty="0">
+                <a:solidFill>
+                  <a:srgbClr val="E5616E"/>
+                </a:solidFill>
+                <a:latin typeface="Montserrat SemiBold" panose="00000700000000000000" pitchFamily="2" charset="0"/>
+              </a:rPr>
+              <a:t>desigualdades</a:t>
+            </a:r>
+            <a:r>
+              <a:rPr lang="es-AR" sz="3200" dirty="0">
+                <a:solidFill>
+                  <a:srgbClr val="494949"/>
+                </a:solidFill>
+                <a:latin typeface="Montserrat SemiBold" panose="00000700000000000000" pitchFamily="2" charset="0"/>
+              </a:rPr>
+              <a:t> existentes?</a:t>
+            </a:r>
+          </a:p>
+          <a:p>
+            <a:r>
+              <a:rPr lang="es-AR" sz="2400" dirty="0">
+                <a:solidFill>
+                  <a:srgbClr val="E5616E"/>
+                </a:solidFill>
+                <a:latin typeface="Montserrat Light" panose="00000400000000000000" pitchFamily="2" charset="0"/>
+              </a:rPr>
+              <a:t>Ausencia de mujeres -y otras minorías- en STEM </a:t>
+            </a:r>
+          </a:p>
+        </p:txBody>
+      </p:sp>
+      <p:sp>
+        <p:nvSpPr>
+          <p:cNvPr id="3" name="CuadroTexto 2">
+            <a:extLst>
+              <a:ext uri="{FF2B5EF4-FFF2-40B4-BE49-F238E27FC236}">
+                <a16:creationId xmlns:a16="http://schemas.microsoft.com/office/drawing/2014/main" id="{16BB827D-F64D-4710-A306-30DF6B4F1519}"/>
+              </a:ext>
+            </a:extLst>
+          </p:cNvPr>
+          <p:cNvSpPr txBox="1"/>
+          <p:nvPr/>
+        </p:nvSpPr>
+        <p:spPr>
+          <a:xfrm>
+            <a:off x="1440872" y="2257424"/>
+            <a:ext cx="8709892" cy="3877985"/>
+          </a:xfrm>
+          <a:prstGeom prst="rect">
+            <a:avLst/>
+          </a:prstGeom>
+          <a:noFill/>
+        </p:spPr>
+        <p:txBody>
+          <a:bodyPr wrap="square" rtlCol="0">
+            <a:spAutoFit/>
+          </a:bodyPr>
+          <a:lstStyle/>
+          <a:p>
+            <a:pPr algn="just">
+              <a:lnSpc>
+                <a:spcPct val="150000"/>
+              </a:lnSpc>
+            </a:pPr>
+            <a:r>
+              <a:rPr lang="es-AR" sz="2000" b="1" dirty="0">
+                <a:solidFill>
+                  <a:srgbClr val="494949"/>
+                </a:solidFill>
+                <a:latin typeface="Montserrat Medium" panose="00000600000000000000" pitchFamily="2" charset="0"/>
+              </a:rPr>
+              <a:t>Algunos ejemplos:</a:t>
+            </a:r>
+          </a:p>
+          <a:p>
+            <a:pPr algn="just"/>
+            <a:r>
+              <a:rPr lang="es-AR" b="1" dirty="0">
+                <a:solidFill>
+                  <a:srgbClr val="494949"/>
+                </a:solidFill>
+                <a:latin typeface="Montserrat Light" panose="00000400000000000000" pitchFamily="2" charset="0"/>
+              </a:rPr>
+              <a:t>No es neutral que mucha de la investigación en salud y seguridad tome como modelo el cuerpo de un hombre blanco.</a:t>
+            </a:r>
+          </a:p>
+          <a:p>
+            <a:pPr algn="just"/>
+            <a:endParaRPr lang="es-AR" b="1" dirty="0">
+              <a:solidFill>
+                <a:srgbClr val="494949"/>
+              </a:solidFill>
+              <a:latin typeface="Montserrat Light" panose="00000400000000000000" pitchFamily="2" charset="0"/>
+            </a:endParaRPr>
+          </a:p>
+          <a:p>
+            <a:pPr marL="285750" indent="-285750" algn="just" rtl="0">
+              <a:spcBef>
+                <a:spcPts val="0"/>
+              </a:spcBef>
+              <a:spcAft>
+                <a:spcPts val="0"/>
+              </a:spcAft>
+              <a:buFont typeface="Arial" panose="020B0604020202020204" pitchFamily="34" charset="0"/>
+              <a:buChar char="•"/>
+            </a:pPr>
+            <a:r>
+              <a:rPr lang="es-AR" sz="1800" b="0" i="0" u="none" strike="noStrike" dirty="0">
+                <a:solidFill>
+                  <a:srgbClr val="494949"/>
+                </a:solidFill>
+                <a:effectLst/>
+                <a:latin typeface="Montserrat Light" panose="00000400000000000000" pitchFamily="2" charset="0"/>
+              </a:rPr>
+              <a:t>Estadísticamente es más probable que un hombre esté involucrado en un accidente de tránsito. Pero si una mujer tiene un accidente, tiene </a:t>
+            </a:r>
+            <a:r>
+              <a:rPr lang="es-AR" sz="1800" b="1" i="0" u="none" strike="noStrike" dirty="0">
+                <a:solidFill>
+                  <a:srgbClr val="494949"/>
+                </a:solidFill>
+                <a:effectLst/>
+                <a:latin typeface="Montserrat Light" panose="00000400000000000000" pitchFamily="2" charset="0"/>
+              </a:rPr>
+              <a:t>47%</a:t>
+            </a:r>
+            <a:r>
+              <a:rPr lang="es-AR" sz="1800" b="0" i="0" u="none" strike="noStrike" dirty="0">
+                <a:solidFill>
+                  <a:srgbClr val="494949"/>
+                </a:solidFill>
+                <a:effectLst/>
+                <a:latin typeface="Montserrat Light" panose="00000400000000000000" pitchFamily="2" charset="0"/>
+              </a:rPr>
+              <a:t> más chances de ser herida de gravedad y </a:t>
+            </a:r>
+            <a:r>
+              <a:rPr lang="es-AR" sz="1800" b="1" i="0" u="none" strike="noStrike" dirty="0">
+                <a:solidFill>
+                  <a:srgbClr val="494949"/>
+                </a:solidFill>
+                <a:effectLst/>
+                <a:latin typeface="Montserrat Light" panose="00000400000000000000" pitchFamily="2" charset="0"/>
+              </a:rPr>
+              <a:t>17%</a:t>
+            </a:r>
+            <a:r>
+              <a:rPr lang="es-AR" sz="1800" b="0" i="0" u="none" strike="noStrike" dirty="0">
+                <a:solidFill>
+                  <a:srgbClr val="494949"/>
+                </a:solidFill>
+                <a:effectLst/>
+                <a:latin typeface="Montserrat Light" panose="00000400000000000000" pitchFamily="2" charset="0"/>
+              </a:rPr>
+              <a:t> más chances de morir que el hombre. ¿</a:t>
+            </a:r>
+            <a:r>
+              <a:rPr lang="es-AR" sz="1800" b="0" i="0" u="sng" strike="noStrike" dirty="0">
+                <a:solidFill>
+                  <a:schemeClr val="accent1"/>
+                </a:solidFill>
+                <a:effectLst/>
+                <a:latin typeface="Montserrat Light" panose="00000400000000000000" pitchFamily="2" charset="0"/>
+                <a:hlinkClick r:id="rId2">
+                  <a:extLst>
+                    <a:ext uri="{A12FA001-AC4F-418D-AE19-62706E023703}">
+                      <ahyp:hlinkClr xmlns:ahyp="http://schemas.microsoft.com/office/drawing/2018/hyperlinkcolor" val="tx"/>
+                    </a:ext>
+                  </a:extLst>
+                </a:hlinkClick>
+              </a:rPr>
+              <a:t>Por qué</a:t>
+            </a:r>
+            <a:r>
+              <a:rPr lang="es-AR" sz="1800" b="0" i="0" u="none" strike="noStrike" dirty="0">
+                <a:solidFill>
+                  <a:srgbClr val="494949"/>
+                </a:solidFill>
+                <a:effectLst/>
+                <a:latin typeface="Montserrat Light" panose="00000400000000000000" pitchFamily="2" charset="0"/>
+              </a:rPr>
+              <a:t>? Los </a:t>
+            </a:r>
+            <a:r>
+              <a:rPr lang="es-AR" sz="1800" b="0" i="0" u="none" strike="noStrike" dirty="0" err="1">
+                <a:solidFill>
+                  <a:srgbClr val="494949"/>
+                </a:solidFill>
+                <a:effectLst/>
+                <a:latin typeface="Montserrat Light" panose="00000400000000000000" pitchFamily="2" charset="0"/>
+              </a:rPr>
+              <a:t>crash</a:t>
+            </a:r>
+            <a:r>
+              <a:rPr lang="es-AR" sz="1800" b="0" i="0" u="none" strike="noStrike" dirty="0">
+                <a:solidFill>
+                  <a:srgbClr val="494949"/>
+                </a:solidFill>
+                <a:effectLst/>
+                <a:latin typeface="Montserrat Light" panose="00000400000000000000" pitchFamily="2" charset="0"/>
+              </a:rPr>
+              <a:t> test </a:t>
+            </a:r>
+            <a:r>
+              <a:rPr lang="es-AR" sz="1800" b="0" i="0" u="none" strike="noStrike" dirty="0" err="1">
+                <a:solidFill>
+                  <a:srgbClr val="494949"/>
+                </a:solidFill>
+                <a:effectLst/>
+                <a:latin typeface="Montserrat Light" panose="00000400000000000000" pitchFamily="2" charset="0"/>
+              </a:rPr>
+              <a:t>dummies</a:t>
+            </a:r>
+            <a:r>
+              <a:rPr lang="es-AR" sz="1800" b="0" i="0" u="none" strike="noStrike" dirty="0">
+                <a:solidFill>
+                  <a:srgbClr val="494949"/>
+                </a:solidFill>
+                <a:effectLst/>
+                <a:latin typeface="Montserrat Light" panose="00000400000000000000" pitchFamily="2" charset="0"/>
+              </a:rPr>
+              <a:t> fueron diseñados con la </a:t>
+            </a:r>
+            <a:r>
+              <a:rPr lang="es-AR" sz="1800" b="1" i="0" u="none" strike="noStrike" dirty="0">
+                <a:solidFill>
+                  <a:srgbClr val="494949"/>
+                </a:solidFill>
+                <a:effectLst/>
+                <a:latin typeface="Montserrat Light" panose="00000400000000000000" pitchFamily="2" charset="0"/>
+              </a:rPr>
+              <a:t>forma, tamaño y musculatura de un varón promedio</a:t>
+            </a:r>
+            <a:r>
+              <a:rPr lang="es-AR" sz="1800" b="0" i="0" u="none" strike="noStrike" dirty="0">
+                <a:solidFill>
+                  <a:srgbClr val="494949"/>
+                </a:solidFill>
+                <a:effectLst/>
+                <a:latin typeface="Montserrat Light" panose="00000400000000000000" pitchFamily="2" charset="0"/>
+              </a:rPr>
+              <a:t>.</a:t>
+            </a:r>
+            <a:endParaRPr lang="es-AR" sz="2000" b="0" dirty="0">
+              <a:solidFill>
+                <a:srgbClr val="494949"/>
+              </a:solidFill>
+              <a:effectLst/>
+              <a:latin typeface="Montserrat Light" panose="00000400000000000000" pitchFamily="2" charset="0"/>
+            </a:endParaRPr>
+          </a:p>
+          <a:p>
+            <a:pPr marL="285750" indent="-285750" algn="just">
+              <a:buFont typeface="Arial" panose="020B0604020202020204" pitchFamily="34" charset="0"/>
+              <a:buChar char="•"/>
+            </a:pPr>
+            <a:r>
+              <a:rPr lang="es-AR" sz="1800" b="0" i="0" u="none" strike="noStrike" dirty="0">
+                <a:solidFill>
+                  <a:srgbClr val="494949"/>
+                </a:solidFill>
+                <a:effectLst/>
+                <a:latin typeface="Montserrat Light" panose="00000400000000000000" pitchFamily="2" charset="0"/>
+              </a:rPr>
+              <a:t>El caso de </a:t>
+            </a:r>
+            <a:r>
+              <a:rPr lang="es-AR" sz="1800" b="0" i="0" u="sng" strike="noStrike" dirty="0" err="1">
+                <a:solidFill>
+                  <a:schemeClr val="accent1"/>
+                </a:solidFill>
+                <a:effectLst/>
+                <a:latin typeface="Montserrat Light" panose="00000400000000000000" pitchFamily="2" charset="0"/>
+                <a:hlinkClick r:id="rId3">
+                  <a:extLst>
+                    <a:ext uri="{A12FA001-AC4F-418D-AE19-62706E023703}">
+                      <ahyp:hlinkClr xmlns:ahyp="http://schemas.microsoft.com/office/drawing/2018/hyperlinkcolor" val="tx"/>
+                    </a:ext>
+                  </a:extLst>
+                </a:hlinkClick>
+              </a:rPr>
+              <a:t>Joy</a:t>
+            </a:r>
+            <a:r>
+              <a:rPr lang="es-AR" sz="1800" b="0" i="0" u="sng" strike="noStrike" dirty="0">
+                <a:solidFill>
+                  <a:schemeClr val="accent1"/>
+                </a:solidFill>
+                <a:effectLst/>
+                <a:latin typeface="Montserrat Light" panose="00000400000000000000" pitchFamily="2" charset="0"/>
+                <a:hlinkClick r:id="rId3">
+                  <a:extLst>
+                    <a:ext uri="{A12FA001-AC4F-418D-AE19-62706E023703}">
+                      <ahyp:hlinkClr xmlns:ahyp="http://schemas.microsoft.com/office/drawing/2018/hyperlinkcolor" val="tx"/>
+                    </a:ext>
+                  </a:extLst>
+                </a:hlinkClick>
+              </a:rPr>
+              <a:t> </a:t>
+            </a:r>
+            <a:r>
+              <a:rPr lang="es-AR" sz="1800" b="0" i="0" u="sng" strike="noStrike" dirty="0" err="1">
+                <a:solidFill>
+                  <a:schemeClr val="accent1"/>
+                </a:solidFill>
+                <a:effectLst/>
+                <a:latin typeface="Montserrat Light" panose="00000400000000000000" pitchFamily="2" charset="0"/>
+                <a:hlinkClick r:id="rId3">
+                  <a:extLst>
+                    <a:ext uri="{A12FA001-AC4F-418D-AE19-62706E023703}">
+                      <ahyp:hlinkClr xmlns:ahyp="http://schemas.microsoft.com/office/drawing/2018/hyperlinkcolor" val="tx"/>
+                    </a:ext>
+                  </a:extLst>
+                </a:hlinkClick>
+              </a:rPr>
+              <a:t>Buolamwini</a:t>
+            </a:r>
+            <a:r>
+              <a:rPr lang="es-AR" sz="1800" b="0" i="0" u="none" strike="noStrike" dirty="0">
+                <a:solidFill>
+                  <a:srgbClr val="494949"/>
+                </a:solidFill>
+                <a:effectLst/>
+                <a:latin typeface="Montserrat Light" panose="00000400000000000000" pitchFamily="2" charset="0"/>
+              </a:rPr>
+              <a:t>, científica afroamericana del MIT, que descubrió que el software de </a:t>
+            </a:r>
+            <a:r>
+              <a:rPr lang="es-AR" sz="1800" b="1" i="0" u="none" strike="noStrike" dirty="0">
+                <a:solidFill>
+                  <a:srgbClr val="494949"/>
+                </a:solidFill>
+                <a:effectLst/>
+                <a:latin typeface="Montserrat Light" panose="00000400000000000000" pitchFamily="2" charset="0"/>
+              </a:rPr>
+              <a:t>reconocimiento facial</a:t>
+            </a:r>
+            <a:r>
+              <a:rPr lang="es-AR" sz="1800" b="0" i="0" u="none" strike="noStrike" dirty="0">
+                <a:solidFill>
+                  <a:srgbClr val="494949"/>
+                </a:solidFill>
+                <a:effectLst/>
+                <a:latin typeface="Montserrat Light" panose="00000400000000000000" pitchFamily="2" charset="0"/>
+              </a:rPr>
+              <a:t> de un proyecto de investigación no reconocía su cara: había sido entrenado con un </a:t>
+            </a:r>
+            <a:r>
+              <a:rPr lang="es-AR" sz="1800" b="1" i="0" u="none" strike="noStrike" dirty="0">
+                <a:solidFill>
+                  <a:srgbClr val="494949"/>
+                </a:solidFill>
+                <a:effectLst/>
+                <a:latin typeface="Montserrat Light" panose="00000400000000000000" pitchFamily="2" charset="0"/>
+              </a:rPr>
+              <a:t>78%</a:t>
+            </a:r>
+            <a:r>
+              <a:rPr lang="es-AR" sz="1800" b="0" i="0" u="none" strike="noStrike" dirty="0">
+                <a:solidFill>
+                  <a:srgbClr val="494949"/>
+                </a:solidFill>
+                <a:effectLst/>
+                <a:latin typeface="Montserrat Light" panose="00000400000000000000" pitchFamily="2" charset="0"/>
+              </a:rPr>
+              <a:t> de caras pertenecientes a varones y un </a:t>
+            </a:r>
+            <a:r>
+              <a:rPr lang="es-AR" sz="1800" b="1" i="0" u="none" strike="noStrike" dirty="0">
+                <a:solidFill>
+                  <a:srgbClr val="494949"/>
+                </a:solidFill>
+                <a:effectLst/>
+                <a:latin typeface="Montserrat Light" panose="00000400000000000000" pitchFamily="2" charset="0"/>
+              </a:rPr>
+              <a:t>84%</a:t>
+            </a:r>
+            <a:r>
+              <a:rPr lang="es-AR" sz="1800" b="0" i="0" u="none" strike="noStrike" dirty="0">
+                <a:solidFill>
+                  <a:srgbClr val="494949"/>
+                </a:solidFill>
+                <a:effectLst/>
+                <a:latin typeface="Montserrat Light" panose="00000400000000000000" pitchFamily="2" charset="0"/>
+              </a:rPr>
+              <a:t> a personas blancas.</a:t>
+            </a:r>
+            <a:endParaRPr lang="es-AR" sz="2000" dirty="0">
+              <a:solidFill>
+                <a:srgbClr val="494949"/>
+              </a:solidFill>
+              <a:latin typeface="Montserrat Medium" panose="00000600000000000000" pitchFamily="2" charset="0"/>
+            </a:endParaRPr>
+          </a:p>
+        </p:txBody>
+      </p:sp>
+      <p:cxnSp>
+        <p:nvCxnSpPr>
+          <p:cNvPr id="5" name="Conector recto 4">
+            <a:extLst>
+              <a:ext uri="{FF2B5EF4-FFF2-40B4-BE49-F238E27FC236}">
+                <a16:creationId xmlns:a16="http://schemas.microsoft.com/office/drawing/2014/main" id="{736FCD81-F08A-47E6-B834-76BCCAB87816}"/>
+              </a:ext>
+            </a:extLst>
+          </p:cNvPr>
+          <p:cNvCxnSpPr>
+            <a:cxnSpLocks/>
+          </p:cNvCxnSpPr>
+          <p:nvPr/>
+        </p:nvCxnSpPr>
+        <p:spPr>
+          <a:xfrm>
+            <a:off x="1440873" y="1572493"/>
+            <a:ext cx="6512502" cy="0"/>
+          </a:xfrm>
+          <a:prstGeom prst="line">
+            <a:avLst/>
+          </a:prstGeom>
+          <a:ln>
+            <a:solidFill>
+              <a:srgbClr val="E5616E"/>
+            </a:solidFill>
+          </a:ln>
+        </p:spPr>
+        <p:style>
+          <a:lnRef idx="1">
+            <a:schemeClr val="accent1"/>
+          </a:lnRef>
+          <a:fillRef idx="0">
+            <a:schemeClr val="accent1"/>
+          </a:fillRef>
+          <a:effectRef idx="0">
+            <a:schemeClr val="accent1"/>
+          </a:effectRef>
+          <a:fontRef idx="minor">
+            <a:schemeClr val="tx1"/>
+          </a:fontRef>
+        </p:style>
+      </p:cxnSp>
+    </p:spTree>
+    <p:extLst>
+      <p:ext uri="{BB962C8B-B14F-4D97-AF65-F5344CB8AC3E}">
+        <p14:creationId xmlns:p14="http://schemas.microsoft.com/office/powerpoint/2010/main" val="625879724"/>
+      </p:ext>
+    </p:extLst>
+  </p:cSld>
+  <p:clrMapOvr>
+    <a:masterClrMapping/>
+  </p:clrMapOvr>
+</p:sld>
+</file>
+
+<file path=ppt/slides/slide15.xml><?xml version="1.0" encoding="utf-8"?>
+<p:sld xmlns:a="http://schemas.openxmlformats.org/drawingml/2006/main" xmlns:r="http://schemas.openxmlformats.org/officeDocument/2006/relationships" xmlns:p="http://schemas.openxmlformats.org/presentationml/2006/main">
+  <p:cSld>
+    <p:spTree>
+      <p:nvGrpSpPr>
+        <p:cNvPr id="1" name=""/>
+        <p:cNvGrpSpPr/>
+        <p:nvPr/>
+      </p:nvGrpSpPr>
+      <p:grpSpPr>
+        <a:xfrm>
+          <a:off x="0" y="0"/>
+          <a:ext cx="0" cy="0"/>
+          <a:chOff x="0" y="0"/>
+          <a:chExt cx="0" cy="0"/>
+        </a:xfrm>
+      </p:grpSpPr>
+      <p:sp>
+        <p:nvSpPr>
+          <p:cNvPr id="2" name="CuadroTexto 1">
+            <a:extLst>
+              <a:ext uri="{FF2B5EF4-FFF2-40B4-BE49-F238E27FC236}">
+                <a16:creationId xmlns:a16="http://schemas.microsoft.com/office/drawing/2014/main" id="{DD088DF5-E662-42BD-866A-1529CC1122BE}"/>
+              </a:ext>
+            </a:extLst>
+          </p:cNvPr>
+          <p:cNvSpPr txBox="1"/>
+          <p:nvPr/>
+        </p:nvSpPr>
+        <p:spPr>
+          <a:xfrm>
+            <a:off x="1440872" y="535719"/>
+            <a:ext cx="9587345" cy="1446550"/>
+          </a:xfrm>
+          <a:prstGeom prst="rect">
+            <a:avLst/>
+          </a:prstGeom>
+          <a:noFill/>
+          <a:ln w="6350">
+            <a:noFill/>
+          </a:ln>
+        </p:spPr>
+        <p:txBody>
+          <a:bodyPr wrap="square" rtlCol="0">
+            <a:spAutoFit/>
+          </a:bodyPr>
+          <a:lstStyle/>
+          <a:p>
+            <a:r>
+              <a:rPr lang="es-AR" sz="3200" dirty="0">
+                <a:solidFill>
+                  <a:srgbClr val="494949"/>
+                </a:solidFill>
+                <a:latin typeface="Montserrat SemiBold" panose="00000700000000000000" pitchFamily="2" charset="0"/>
+              </a:rPr>
+              <a:t>Etapas para </a:t>
+            </a:r>
+            <a:r>
+              <a:rPr lang="es-AR" sz="3200" dirty="0">
+                <a:solidFill>
+                  <a:srgbClr val="E5616E"/>
+                </a:solidFill>
+                <a:latin typeface="Montserrat SemiBold" panose="00000700000000000000" pitchFamily="2" charset="0"/>
+              </a:rPr>
+              <a:t>intervenir</a:t>
+            </a:r>
+            <a:r>
+              <a:rPr lang="es-AR" sz="3200" dirty="0">
+                <a:solidFill>
+                  <a:srgbClr val="494949"/>
+                </a:solidFill>
+                <a:latin typeface="Montserrat SemiBold" panose="00000700000000000000" pitchFamily="2" charset="0"/>
+              </a:rPr>
+              <a:t> sobre los sesgos y prejuicios de una investigación</a:t>
+            </a:r>
+          </a:p>
+          <a:p>
+            <a:r>
+              <a:rPr lang="es-AR" sz="2400" dirty="0">
+                <a:solidFill>
+                  <a:srgbClr val="E5616E"/>
+                </a:solidFill>
+                <a:latin typeface="Montserrat Light" panose="00000400000000000000" pitchFamily="2" charset="0"/>
+              </a:rPr>
+              <a:t>1. La construcción de la base de datos </a:t>
+            </a:r>
+          </a:p>
+        </p:txBody>
+      </p:sp>
+      <p:sp>
+        <p:nvSpPr>
+          <p:cNvPr id="3" name="CuadroTexto 2">
+            <a:extLst>
+              <a:ext uri="{FF2B5EF4-FFF2-40B4-BE49-F238E27FC236}">
+                <a16:creationId xmlns:a16="http://schemas.microsoft.com/office/drawing/2014/main" id="{16BB827D-F64D-4710-A306-30DF6B4F1519}"/>
+              </a:ext>
+            </a:extLst>
+          </p:cNvPr>
+          <p:cNvSpPr txBox="1"/>
+          <p:nvPr/>
+        </p:nvSpPr>
+        <p:spPr>
+          <a:xfrm>
+            <a:off x="1440873" y="2405200"/>
+            <a:ext cx="8709892" cy="3271921"/>
+          </a:xfrm>
+          <a:prstGeom prst="rect">
+            <a:avLst/>
+          </a:prstGeom>
+          <a:noFill/>
+        </p:spPr>
+        <p:txBody>
+          <a:bodyPr wrap="square" rtlCol="0">
+            <a:spAutoFit/>
+          </a:bodyPr>
+          <a:lstStyle/>
+          <a:p>
+            <a:pPr algn="just">
+              <a:lnSpc>
+                <a:spcPct val="150000"/>
+              </a:lnSpc>
+            </a:pPr>
+            <a:r>
+              <a:rPr lang="es-AR" sz="2000" dirty="0">
+                <a:solidFill>
+                  <a:srgbClr val="494949"/>
+                </a:solidFill>
+                <a:latin typeface="Montserrat Light" panose="00000400000000000000" pitchFamily="2" charset="0"/>
+              </a:rPr>
+              <a:t>Para </a:t>
+            </a:r>
+            <a:r>
+              <a:rPr lang="es-AR" sz="2000" b="1" dirty="0">
+                <a:solidFill>
+                  <a:srgbClr val="494949"/>
+                </a:solidFill>
+                <a:latin typeface="Montserrat Light" panose="00000400000000000000" pitchFamily="2" charset="0"/>
+              </a:rPr>
+              <a:t>construir una base de datos</a:t>
+            </a:r>
+            <a:r>
+              <a:rPr lang="es-AR" sz="2000" dirty="0">
+                <a:solidFill>
+                  <a:srgbClr val="494949"/>
+                </a:solidFill>
+                <a:latin typeface="Montserrat Light" panose="00000400000000000000" pitchFamily="2" charset="0"/>
+              </a:rPr>
+              <a:t>, es necesario establecer </a:t>
+            </a:r>
+            <a:r>
+              <a:rPr lang="es-AR" sz="2000" u="sng" dirty="0">
+                <a:solidFill>
+                  <a:srgbClr val="494949"/>
+                </a:solidFill>
+                <a:latin typeface="Montserrat Light" panose="00000400000000000000" pitchFamily="2" charset="0"/>
+              </a:rPr>
+              <a:t>variables</a:t>
+            </a:r>
+            <a:r>
+              <a:rPr lang="es-AR" sz="2000" dirty="0">
+                <a:solidFill>
+                  <a:srgbClr val="494949"/>
+                </a:solidFill>
+                <a:latin typeface="Montserrat Light" panose="00000400000000000000" pitchFamily="2" charset="0"/>
+              </a:rPr>
+              <a:t> (y sus </a:t>
+            </a:r>
+            <a:r>
+              <a:rPr lang="es-AR" sz="2000" u="sng" dirty="0">
+                <a:solidFill>
+                  <a:srgbClr val="494949"/>
+                </a:solidFill>
+                <a:latin typeface="Montserrat Light" panose="00000400000000000000" pitchFamily="2" charset="0"/>
+              </a:rPr>
+              <a:t>categorías</a:t>
+            </a:r>
+            <a:r>
+              <a:rPr lang="es-AR" sz="2000" dirty="0">
+                <a:solidFill>
+                  <a:srgbClr val="494949"/>
+                </a:solidFill>
+                <a:latin typeface="Montserrat Light" panose="00000400000000000000" pitchFamily="2" charset="0"/>
+              </a:rPr>
+              <a:t>) para clasificar las </a:t>
+            </a:r>
+            <a:r>
+              <a:rPr lang="es-AR" sz="2000" u="sng" dirty="0">
+                <a:solidFill>
+                  <a:srgbClr val="494949"/>
+                </a:solidFill>
+                <a:latin typeface="Montserrat Light" panose="00000400000000000000" pitchFamily="2" charset="0"/>
+              </a:rPr>
+              <a:t>observaciones</a:t>
+            </a:r>
+            <a:r>
+              <a:rPr lang="es-AR" sz="2000" dirty="0">
+                <a:solidFill>
+                  <a:srgbClr val="494949"/>
+                </a:solidFill>
+                <a:latin typeface="Montserrat Light" panose="00000400000000000000" pitchFamily="2" charset="0"/>
+              </a:rPr>
+              <a:t> (personas, hogares, </a:t>
+            </a:r>
+            <a:r>
+              <a:rPr lang="es-AR" sz="2000" dirty="0" err="1">
+                <a:solidFill>
+                  <a:srgbClr val="494949"/>
+                </a:solidFill>
+                <a:latin typeface="Montserrat Light" panose="00000400000000000000" pitchFamily="2" charset="0"/>
+              </a:rPr>
+              <a:t>empresas,etc</a:t>
+            </a:r>
+            <a:r>
+              <a:rPr lang="es-AR" sz="2000" dirty="0">
+                <a:solidFill>
+                  <a:srgbClr val="494949"/>
+                </a:solidFill>
+                <a:latin typeface="Montserrat Light" panose="00000400000000000000" pitchFamily="2" charset="0"/>
+              </a:rPr>
+              <a:t>.).</a:t>
+            </a:r>
+          </a:p>
+          <a:p>
+            <a:pPr algn="just">
+              <a:lnSpc>
+                <a:spcPct val="150000"/>
+              </a:lnSpc>
+            </a:pPr>
+            <a:endParaRPr lang="es-AR" sz="2000" dirty="0">
+              <a:solidFill>
+                <a:srgbClr val="494949"/>
+              </a:solidFill>
+              <a:latin typeface="Montserrat Light" panose="00000400000000000000" pitchFamily="2" charset="0"/>
+            </a:endParaRPr>
+          </a:p>
+          <a:p>
+            <a:pPr algn="just">
+              <a:lnSpc>
+                <a:spcPct val="150000"/>
+              </a:lnSpc>
+            </a:pPr>
+            <a:r>
+              <a:rPr lang="es-AR" sz="2000" dirty="0">
+                <a:solidFill>
+                  <a:srgbClr val="494949"/>
+                </a:solidFill>
+                <a:latin typeface="Montserrat Light" panose="00000400000000000000" pitchFamily="2" charset="0"/>
+              </a:rPr>
+              <a:t>Al hacerlo, estamos construyendo una </a:t>
+            </a:r>
+            <a:r>
+              <a:rPr lang="es-AR" sz="2000" u="sng" dirty="0">
+                <a:solidFill>
+                  <a:srgbClr val="494949"/>
+                </a:solidFill>
+                <a:latin typeface="Montserrat Light" panose="00000400000000000000" pitchFamily="2" charset="0"/>
+              </a:rPr>
+              <a:t>versión simplificada de la realidad</a:t>
+            </a:r>
+            <a:r>
+              <a:rPr lang="es-AR" sz="2000" dirty="0">
+                <a:solidFill>
+                  <a:srgbClr val="494949"/>
+                </a:solidFill>
+                <a:latin typeface="Montserrat Light" panose="00000400000000000000" pitchFamily="2" charset="0"/>
+              </a:rPr>
+              <a:t> donde vamos a representar al objeto de estudio de acuerdo con </a:t>
+            </a:r>
+            <a:r>
+              <a:rPr lang="es-AR" sz="2000" i="1" dirty="0">
+                <a:solidFill>
+                  <a:srgbClr val="494949"/>
+                </a:solidFill>
+                <a:latin typeface="Montserrat Light" panose="00000400000000000000" pitchFamily="2" charset="0"/>
+              </a:rPr>
+              <a:t>algunas</a:t>
+            </a:r>
+            <a:r>
+              <a:rPr lang="es-AR" sz="2000" dirty="0">
+                <a:solidFill>
+                  <a:srgbClr val="494949"/>
+                </a:solidFill>
+                <a:latin typeface="Montserrat Light" panose="00000400000000000000" pitchFamily="2" charset="0"/>
+              </a:rPr>
+              <a:t> de sus características.</a:t>
+            </a:r>
+          </a:p>
+        </p:txBody>
+      </p:sp>
+      <p:cxnSp>
+        <p:nvCxnSpPr>
+          <p:cNvPr id="5" name="Conector recto 4">
+            <a:extLst>
+              <a:ext uri="{FF2B5EF4-FFF2-40B4-BE49-F238E27FC236}">
+                <a16:creationId xmlns:a16="http://schemas.microsoft.com/office/drawing/2014/main" id="{736FCD81-F08A-47E6-B834-76BCCAB87816}"/>
+              </a:ext>
+            </a:extLst>
+          </p:cNvPr>
+          <p:cNvCxnSpPr>
+            <a:cxnSpLocks/>
+          </p:cNvCxnSpPr>
+          <p:nvPr/>
+        </p:nvCxnSpPr>
+        <p:spPr>
+          <a:xfrm>
+            <a:off x="1440873" y="1572493"/>
+            <a:ext cx="6512502" cy="0"/>
+          </a:xfrm>
+          <a:prstGeom prst="line">
+            <a:avLst/>
+          </a:prstGeom>
+          <a:ln>
+            <a:solidFill>
+              <a:srgbClr val="E5616E"/>
+            </a:solidFill>
+          </a:ln>
+        </p:spPr>
+        <p:style>
+          <a:lnRef idx="1">
+            <a:schemeClr val="accent1"/>
+          </a:lnRef>
+          <a:fillRef idx="0">
+            <a:schemeClr val="accent1"/>
+          </a:fillRef>
+          <a:effectRef idx="0">
+            <a:schemeClr val="accent1"/>
+          </a:effectRef>
+          <a:fontRef idx="minor">
+            <a:schemeClr val="tx1"/>
+          </a:fontRef>
+        </p:style>
+      </p:cxnSp>
+    </p:spTree>
+    <p:extLst>
+      <p:ext uri="{BB962C8B-B14F-4D97-AF65-F5344CB8AC3E}">
+        <p14:creationId xmlns:p14="http://schemas.microsoft.com/office/powerpoint/2010/main" val="291376476"/>
+      </p:ext>
+    </p:extLst>
+  </p:cSld>
+  <p:clrMapOvr>
+    <a:masterClrMapping/>
+  </p:clrMapOvr>
+</p:sld>
+</file>
+
+<file path=ppt/slides/slide16.xml><?xml version="1.0" encoding="utf-8"?>
+<p:sld xmlns:a="http://schemas.openxmlformats.org/drawingml/2006/main" xmlns:r="http://schemas.openxmlformats.org/officeDocument/2006/relationships" xmlns:p="http://schemas.openxmlformats.org/presentationml/2006/main">
+  <p:cSld>
+    <p:spTree>
+      <p:nvGrpSpPr>
+        <p:cNvPr id="1" name=""/>
+        <p:cNvGrpSpPr/>
+        <p:nvPr/>
+      </p:nvGrpSpPr>
+      <p:grpSpPr>
+        <a:xfrm>
+          <a:off x="0" y="0"/>
+          <a:ext cx="0" cy="0"/>
+          <a:chOff x="0" y="0"/>
+          <a:chExt cx="0" cy="0"/>
+        </a:xfrm>
+      </p:grpSpPr>
+      <p:sp>
+        <p:nvSpPr>
+          <p:cNvPr id="2" name="CuadroTexto 1">
+            <a:extLst>
+              <a:ext uri="{FF2B5EF4-FFF2-40B4-BE49-F238E27FC236}">
+                <a16:creationId xmlns:a16="http://schemas.microsoft.com/office/drawing/2014/main" id="{DD088DF5-E662-42BD-866A-1529CC1122BE}"/>
+              </a:ext>
+            </a:extLst>
+          </p:cNvPr>
+          <p:cNvSpPr txBox="1"/>
+          <p:nvPr/>
+        </p:nvSpPr>
+        <p:spPr>
+          <a:xfrm>
+            <a:off x="1440872" y="535719"/>
+            <a:ext cx="9587345" cy="1446550"/>
+          </a:xfrm>
+          <a:prstGeom prst="rect">
+            <a:avLst/>
+          </a:prstGeom>
+          <a:noFill/>
+          <a:ln w="6350">
+            <a:noFill/>
+          </a:ln>
+        </p:spPr>
+        <p:txBody>
+          <a:bodyPr wrap="square" rtlCol="0">
+            <a:spAutoFit/>
+          </a:bodyPr>
+          <a:lstStyle/>
+          <a:p>
+            <a:r>
+              <a:rPr lang="es-AR" sz="3200" dirty="0">
+                <a:solidFill>
+                  <a:srgbClr val="494949"/>
+                </a:solidFill>
+                <a:latin typeface="Montserrat SemiBold" panose="00000700000000000000" pitchFamily="2" charset="0"/>
+              </a:rPr>
+              <a:t>Etapas para </a:t>
+            </a:r>
+            <a:r>
+              <a:rPr lang="es-AR" sz="3200" dirty="0">
+                <a:solidFill>
+                  <a:srgbClr val="E5616E"/>
+                </a:solidFill>
+                <a:latin typeface="Montserrat SemiBold" panose="00000700000000000000" pitchFamily="2" charset="0"/>
+              </a:rPr>
+              <a:t>intervenir</a:t>
+            </a:r>
+            <a:r>
+              <a:rPr lang="es-AR" sz="3200" dirty="0">
+                <a:solidFill>
+                  <a:srgbClr val="494949"/>
+                </a:solidFill>
+                <a:latin typeface="Montserrat SemiBold" panose="00000700000000000000" pitchFamily="2" charset="0"/>
+              </a:rPr>
+              <a:t> sobre los sesgos y prejuicios de una investigación</a:t>
+            </a:r>
+          </a:p>
+          <a:p>
+            <a:r>
+              <a:rPr lang="es-AR" sz="2400" dirty="0">
+                <a:solidFill>
+                  <a:srgbClr val="E5616E"/>
+                </a:solidFill>
+                <a:latin typeface="Montserrat Light" panose="00000400000000000000" pitchFamily="2" charset="0"/>
+              </a:rPr>
+              <a:t>1. La construcción de la base de datos </a:t>
+            </a:r>
+          </a:p>
+        </p:txBody>
+      </p:sp>
+      <p:sp>
+        <p:nvSpPr>
+          <p:cNvPr id="3" name="CuadroTexto 2">
+            <a:extLst>
+              <a:ext uri="{FF2B5EF4-FFF2-40B4-BE49-F238E27FC236}">
+                <a16:creationId xmlns:a16="http://schemas.microsoft.com/office/drawing/2014/main" id="{16BB827D-F64D-4710-A306-30DF6B4F1519}"/>
+              </a:ext>
+            </a:extLst>
+          </p:cNvPr>
+          <p:cNvSpPr txBox="1"/>
+          <p:nvPr/>
+        </p:nvSpPr>
+        <p:spPr>
+          <a:xfrm>
+            <a:off x="1440873" y="2072698"/>
+            <a:ext cx="10510982" cy="4708340"/>
+          </a:xfrm>
+          <a:prstGeom prst="rect">
+            <a:avLst/>
+          </a:prstGeom>
+          <a:noFill/>
+        </p:spPr>
+        <p:txBody>
+          <a:bodyPr wrap="square" rtlCol="0">
+            <a:spAutoFit/>
+          </a:bodyPr>
+          <a:lstStyle/>
+          <a:p>
+            <a:pPr algn="just">
+              <a:lnSpc>
+                <a:spcPct val="150000"/>
+              </a:lnSpc>
+            </a:pPr>
+            <a:r>
+              <a:rPr lang="es-AR" sz="2000" dirty="0">
+                <a:solidFill>
+                  <a:srgbClr val="494949"/>
+                </a:solidFill>
+                <a:latin typeface="Montserrat Medium" panose="00000600000000000000" pitchFamily="2" charset="0"/>
+              </a:rPr>
+              <a:t>¿Cuáles son las variables relevantes?</a:t>
+            </a:r>
+          </a:p>
+          <a:p>
+            <a:pPr algn="just">
+              <a:lnSpc>
+                <a:spcPct val="150000"/>
+              </a:lnSpc>
+            </a:pPr>
+            <a:r>
+              <a:rPr lang="es-AR" i="1" dirty="0">
+                <a:solidFill>
+                  <a:srgbClr val="494949"/>
+                </a:solidFill>
+                <a:latin typeface="Montserrat Light" panose="00000400000000000000" pitchFamily="2" charset="0"/>
+              </a:rPr>
+              <a:t>-¿Horas diarias de trabajo no remunerado?</a:t>
+            </a:r>
+          </a:p>
+          <a:p>
+            <a:pPr algn="just">
+              <a:lnSpc>
+                <a:spcPct val="150000"/>
+              </a:lnSpc>
+            </a:pPr>
+            <a:r>
+              <a:rPr lang="es-AR" i="1" dirty="0">
+                <a:solidFill>
+                  <a:srgbClr val="494949"/>
+                </a:solidFill>
+                <a:latin typeface="Montserrat Light" panose="00000400000000000000" pitchFamily="2" charset="0"/>
+              </a:rPr>
+              <a:t>-¿Exigencia de horas extra?</a:t>
+            </a:r>
+          </a:p>
+          <a:p>
+            <a:pPr algn="just">
+              <a:lnSpc>
+                <a:spcPct val="150000"/>
+              </a:lnSpc>
+            </a:pPr>
+            <a:r>
+              <a:rPr lang="es-AR" i="1" dirty="0">
+                <a:solidFill>
+                  <a:srgbClr val="494949"/>
+                </a:solidFill>
+                <a:latin typeface="Montserrat Light" panose="00000400000000000000" pitchFamily="2" charset="0"/>
+              </a:rPr>
+              <a:t>-¿Jornada laboral compatible con horarios escolares?</a:t>
+            </a:r>
+          </a:p>
+          <a:p>
+            <a:pPr algn="just">
+              <a:lnSpc>
+                <a:spcPct val="150000"/>
+              </a:lnSpc>
+            </a:pPr>
+            <a:r>
+              <a:rPr lang="es-AR" i="1" dirty="0">
+                <a:solidFill>
+                  <a:srgbClr val="494949"/>
+                </a:solidFill>
+                <a:latin typeface="Montserrat Light" panose="00000400000000000000" pitchFamily="2" charset="0"/>
+              </a:rPr>
+              <a:t>-¿Cantidad de episodios de violencia en la empresa en el último año?</a:t>
+            </a:r>
+          </a:p>
+          <a:p>
+            <a:pPr algn="just">
+              <a:lnSpc>
+                <a:spcPct val="150000"/>
+              </a:lnSpc>
+            </a:pPr>
+            <a:r>
+              <a:rPr lang="es-AR" i="1" dirty="0">
+                <a:solidFill>
+                  <a:srgbClr val="494949"/>
+                </a:solidFill>
+                <a:latin typeface="Montserrat Light" panose="00000400000000000000" pitchFamily="2" charset="0"/>
+              </a:rPr>
+              <a:t>-¿Cantidad de trabajadoras con cuerpos no hegemónicos en la empresa?</a:t>
+            </a:r>
+          </a:p>
+          <a:p>
+            <a:pPr algn="just">
+              <a:lnSpc>
+                <a:spcPct val="150000"/>
+              </a:lnSpc>
+            </a:pPr>
+            <a:r>
+              <a:rPr lang="es-AR" sz="2000" dirty="0">
+                <a:solidFill>
+                  <a:srgbClr val="494949"/>
+                </a:solidFill>
+                <a:latin typeface="Montserrat Medium" panose="00000600000000000000" pitchFamily="2" charset="0"/>
+              </a:rPr>
+              <a:t>¿Y las categorías relevantes? </a:t>
+            </a:r>
+          </a:p>
+          <a:p>
+            <a:pPr rtl="0">
+              <a:lnSpc>
+                <a:spcPct val="150000"/>
+              </a:lnSpc>
+              <a:spcBef>
+                <a:spcPts val="0"/>
+              </a:spcBef>
+              <a:spcAft>
+                <a:spcPts val="0"/>
+              </a:spcAft>
+            </a:pPr>
+            <a:r>
+              <a:rPr lang="es-AR" i="1" dirty="0">
+                <a:solidFill>
+                  <a:srgbClr val="494949"/>
+                </a:solidFill>
+                <a:latin typeface="Montserrat Light" panose="00000400000000000000" pitchFamily="2" charset="0"/>
+              </a:rPr>
+              <a:t>-¿Mujer/Varón?</a:t>
+            </a:r>
+          </a:p>
+          <a:p>
+            <a:pPr rtl="0">
+              <a:lnSpc>
+                <a:spcPct val="150000"/>
+              </a:lnSpc>
+              <a:spcBef>
+                <a:spcPts val="0"/>
+              </a:spcBef>
+              <a:spcAft>
+                <a:spcPts val="0"/>
+              </a:spcAft>
+            </a:pPr>
+            <a:r>
+              <a:rPr lang="es-AR" i="1" dirty="0">
+                <a:solidFill>
+                  <a:srgbClr val="494949"/>
+                </a:solidFill>
+                <a:latin typeface="Montserrat Light" panose="00000400000000000000" pitchFamily="2" charset="0"/>
+              </a:rPr>
+              <a:t>-Pregunta PP02E de la EPH: Durante esos 30 días, no buscó trabajo porque... 1= está suspendido 2= ya tiene trabajo asegurado 3= se cansó de buscar trabajo 4= hay poco trabajo en esta época del año 5= por otras razones.</a:t>
+            </a:r>
+          </a:p>
+        </p:txBody>
+      </p:sp>
+      <p:cxnSp>
+        <p:nvCxnSpPr>
+          <p:cNvPr id="5" name="Conector recto 4">
+            <a:extLst>
+              <a:ext uri="{FF2B5EF4-FFF2-40B4-BE49-F238E27FC236}">
+                <a16:creationId xmlns:a16="http://schemas.microsoft.com/office/drawing/2014/main" id="{736FCD81-F08A-47E6-B834-76BCCAB87816}"/>
+              </a:ext>
+            </a:extLst>
+          </p:cNvPr>
+          <p:cNvCxnSpPr>
+            <a:cxnSpLocks/>
+          </p:cNvCxnSpPr>
+          <p:nvPr/>
+        </p:nvCxnSpPr>
+        <p:spPr>
+          <a:xfrm>
+            <a:off x="1440873" y="1572493"/>
+            <a:ext cx="6512502" cy="0"/>
+          </a:xfrm>
+          <a:prstGeom prst="line">
+            <a:avLst/>
+          </a:prstGeom>
+          <a:ln>
+            <a:solidFill>
+              <a:srgbClr val="E5616E"/>
+            </a:solidFill>
+          </a:ln>
+        </p:spPr>
+        <p:style>
+          <a:lnRef idx="1">
+            <a:schemeClr val="accent1"/>
+          </a:lnRef>
+          <a:fillRef idx="0">
+            <a:schemeClr val="accent1"/>
+          </a:fillRef>
+          <a:effectRef idx="0">
+            <a:schemeClr val="accent1"/>
+          </a:effectRef>
+          <a:fontRef idx="minor">
+            <a:schemeClr val="tx1"/>
+          </a:fontRef>
+        </p:style>
+      </p:cxnSp>
+    </p:spTree>
+    <p:extLst>
+      <p:ext uri="{BB962C8B-B14F-4D97-AF65-F5344CB8AC3E}">
+        <p14:creationId xmlns:p14="http://schemas.microsoft.com/office/powerpoint/2010/main" val="2032836136"/>
+      </p:ext>
+    </p:extLst>
+  </p:cSld>
+  <p:clrMapOvr>
+    <a:masterClrMapping/>
+  </p:clrMapOvr>
+</p:sld>
+</file>
+
+<file path=ppt/slides/slide17.xml><?xml version="1.0" encoding="utf-8"?>
+<p:sld xmlns:a="http://schemas.openxmlformats.org/drawingml/2006/main" xmlns:r="http://schemas.openxmlformats.org/officeDocument/2006/relationships" xmlns:p="http://schemas.openxmlformats.org/presentationml/2006/main">
+  <p:cSld>
+    <p:spTree>
+      <p:nvGrpSpPr>
+        <p:cNvPr id="1" name=""/>
+        <p:cNvGrpSpPr/>
+        <p:nvPr/>
+      </p:nvGrpSpPr>
+      <p:grpSpPr>
+        <a:xfrm>
+          <a:off x="0" y="0"/>
+          <a:ext cx="0" cy="0"/>
+          <a:chOff x="0" y="0"/>
+          <a:chExt cx="0" cy="0"/>
+        </a:xfrm>
+      </p:grpSpPr>
+      <p:sp>
+        <p:nvSpPr>
+          <p:cNvPr id="2" name="CuadroTexto 1">
+            <a:extLst>
+              <a:ext uri="{FF2B5EF4-FFF2-40B4-BE49-F238E27FC236}">
+                <a16:creationId xmlns:a16="http://schemas.microsoft.com/office/drawing/2014/main" id="{DD088DF5-E662-42BD-866A-1529CC1122BE}"/>
+              </a:ext>
+            </a:extLst>
+          </p:cNvPr>
+          <p:cNvSpPr txBox="1"/>
+          <p:nvPr/>
+        </p:nvSpPr>
+        <p:spPr>
+          <a:xfrm>
+            <a:off x="1440872" y="535719"/>
+            <a:ext cx="9587345" cy="1446550"/>
+          </a:xfrm>
+          <a:prstGeom prst="rect">
+            <a:avLst/>
+          </a:prstGeom>
+          <a:noFill/>
+          <a:ln w="6350">
+            <a:noFill/>
+          </a:ln>
+        </p:spPr>
+        <p:txBody>
+          <a:bodyPr wrap="square" rtlCol="0">
+            <a:spAutoFit/>
+          </a:bodyPr>
+          <a:lstStyle/>
+          <a:p>
+            <a:r>
+              <a:rPr lang="es-AR" sz="3200" dirty="0">
+                <a:solidFill>
+                  <a:srgbClr val="494949"/>
+                </a:solidFill>
+                <a:latin typeface="Montserrat SemiBold" panose="00000700000000000000" pitchFamily="2" charset="0"/>
+              </a:rPr>
+              <a:t>Etapas para </a:t>
+            </a:r>
+            <a:r>
+              <a:rPr lang="es-AR" sz="3200" dirty="0">
+                <a:solidFill>
+                  <a:srgbClr val="E5616E"/>
+                </a:solidFill>
+                <a:latin typeface="Montserrat SemiBold" panose="00000700000000000000" pitchFamily="2" charset="0"/>
+              </a:rPr>
+              <a:t>intervenir</a:t>
+            </a:r>
+            <a:r>
+              <a:rPr lang="es-AR" sz="3200" dirty="0">
+                <a:solidFill>
+                  <a:srgbClr val="494949"/>
+                </a:solidFill>
+                <a:latin typeface="Montserrat SemiBold" panose="00000700000000000000" pitchFamily="2" charset="0"/>
+              </a:rPr>
+              <a:t> sobre los sesgos y prejuicios de una investigación</a:t>
+            </a:r>
+          </a:p>
+          <a:p>
+            <a:r>
+              <a:rPr lang="es-AR" sz="2400" dirty="0">
+                <a:solidFill>
+                  <a:srgbClr val="E5616E"/>
+                </a:solidFill>
+                <a:latin typeface="Montserrat Light" panose="00000400000000000000" pitchFamily="2" charset="0"/>
+              </a:rPr>
+              <a:t>2. Análisis de los datos y comunicación de los resultados</a:t>
+            </a:r>
+          </a:p>
+        </p:txBody>
+      </p:sp>
+      <p:sp>
+        <p:nvSpPr>
+          <p:cNvPr id="3" name="CuadroTexto 2">
+            <a:extLst>
+              <a:ext uri="{FF2B5EF4-FFF2-40B4-BE49-F238E27FC236}">
+                <a16:creationId xmlns:a16="http://schemas.microsoft.com/office/drawing/2014/main" id="{16BB827D-F64D-4710-A306-30DF6B4F1519}"/>
+              </a:ext>
+            </a:extLst>
+          </p:cNvPr>
+          <p:cNvSpPr txBox="1"/>
+          <p:nvPr/>
+        </p:nvSpPr>
+        <p:spPr>
+          <a:xfrm>
+            <a:off x="1440873" y="2405200"/>
+            <a:ext cx="8709892" cy="4078039"/>
+          </a:xfrm>
+          <a:prstGeom prst="rect">
+            <a:avLst/>
+          </a:prstGeom>
+          <a:noFill/>
+        </p:spPr>
+        <p:txBody>
+          <a:bodyPr wrap="square" rtlCol="0">
+            <a:spAutoFit/>
+          </a:bodyPr>
+          <a:lstStyle/>
+          <a:p>
+            <a:pPr marL="342900" indent="-342900" algn="just">
+              <a:lnSpc>
+                <a:spcPct val="150000"/>
+              </a:lnSpc>
+              <a:buFont typeface="Arial" panose="020B0604020202020204" pitchFamily="34" charset="0"/>
+              <a:buChar char="•"/>
+            </a:pPr>
+            <a:r>
+              <a:rPr lang="es-AR" sz="2000" dirty="0">
+                <a:solidFill>
+                  <a:srgbClr val="494949"/>
+                </a:solidFill>
+                <a:latin typeface="Montserrat Medium" panose="00000600000000000000" pitchFamily="2" charset="0"/>
+              </a:rPr>
+              <a:t>Definir las </a:t>
+            </a:r>
+            <a:r>
+              <a:rPr lang="es-AR" sz="2000" u="sng" dirty="0">
+                <a:solidFill>
+                  <a:srgbClr val="494949"/>
+                </a:solidFill>
+                <a:latin typeface="Montserrat Medium" panose="00000600000000000000" pitchFamily="2" charset="0"/>
+              </a:rPr>
+              <a:t>preguntas</a:t>
+            </a:r>
+            <a:r>
+              <a:rPr lang="es-AR" sz="2000" dirty="0">
+                <a:solidFill>
+                  <a:srgbClr val="494949"/>
+                </a:solidFill>
+                <a:latin typeface="Montserrat Medium" panose="00000600000000000000" pitchFamily="2" charset="0"/>
+              </a:rPr>
+              <a:t> y dialogar con </a:t>
+            </a:r>
+            <a:r>
+              <a:rPr lang="es-AR" sz="2000" u="sng" dirty="0">
+                <a:solidFill>
+                  <a:srgbClr val="494949"/>
+                </a:solidFill>
+                <a:latin typeface="Montserrat Medium" panose="00000600000000000000" pitchFamily="2" charset="0"/>
+              </a:rPr>
+              <a:t>otras perspectivas</a:t>
+            </a:r>
+          </a:p>
+          <a:p>
+            <a:pPr rtl="0">
+              <a:lnSpc>
+                <a:spcPct val="150000"/>
+              </a:lnSpc>
+              <a:spcBef>
+                <a:spcPts val="0"/>
+              </a:spcBef>
+              <a:spcAft>
+                <a:spcPts val="0"/>
+              </a:spcAft>
+            </a:pPr>
+            <a:r>
+              <a:rPr lang="es-AR" i="1" dirty="0">
+                <a:solidFill>
+                  <a:srgbClr val="494949"/>
+                </a:solidFill>
+                <a:latin typeface="Montserrat Light" panose="00000400000000000000" pitchFamily="2" charset="0"/>
+              </a:rPr>
+              <a:t>-¿a quién queremos ayudar? ¿podemos establecer un diálogo con ese colectivo? </a:t>
+            </a:r>
+          </a:p>
+          <a:p>
+            <a:pPr rtl="0">
+              <a:lnSpc>
+                <a:spcPct val="150000"/>
+              </a:lnSpc>
+              <a:spcBef>
+                <a:spcPts val="0"/>
+              </a:spcBef>
+              <a:spcAft>
+                <a:spcPts val="0"/>
+              </a:spcAft>
+            </a:pPr>
+            <a:r>
+              <a:rPr lang="es-AR" i="1" dirty="0">
+                <a:solidFill>
+                  <a:srgbClr val="494949"/>
+                </a:solidFill>
+                <a:latin typeface="Montserrat Light" panose="00000400000000000000" pitchFamily="2" charset="0"/>
+              </a:rPr>
+              <a:t>-¿qué queremos preguntarle a los datos? ¿por qué las mujeres no estudian ingeniería o a qué situaciones de violencia de género se enfrenta una ingeniera o estudiante de ingeniería en su día a día? </a:t>
+            </a:r>
+          </a:p>
+          <a:p>
+            <a:pPr rtl="0">
+              <a:lnSpc>
+                <a:spcPct val="150000"/>
+              </a:lnSpc>
+              <a:spcBef>
+                <a:spcPts val="0"/>
+              </a:spcBef>
+              <a:spcAft>
+                <a:spcPts val="0"/>
+              </a:spcAft>
+            </a:pPr>
+            <a:r>
+              <a:rPr lang="es-AR" i="1" dirty="0">
+                <a:solidFill>
+                  <a:srgbClr val="494949"/>
+                </a:solidFill>
+                <a:latin typeface="Montserrat Light" panose="00000400000000000000" pitchFamily="2" charset="0"/>
+              </a:rPr>
+              <a:t>-¿qué tipo de personas están interviniendo en la toma de decisiones? ¿son todas blancas y de clase alta?</a:t>
+            </a:r>
+          </a:p>
+          <a:p>
+            <a:br>
+              <a:rPr lang="es-AR" sz="2000" dirty="0"/>
+            </a:br>
+            <a:r>
+              <a:rPr lang="es-AR" sz="2000" dirty="0">
+                <a:solidFill>
+                  <a:srgbClr val="494949"/>
+                </a:solidFill>
+                <a:latin typeface="Montserrat Medium" panose="00000600000000000000" pitchFamily="2" charset="0"/>
+              </a:rPr>
+              <a:t> </a:t>
+            </a:r>
+          </a:p>
+        </p:txBody>
+      </p:sp>
+      <p:cxnSp>
+        <p:nvCxnSpPr>
+          <p:cNvPr id="5" name="Conector recto 4">
+            <a:extLst>
+              <a:ext uri="{FF2B5EF4-FFF2-40B4-BE49-F238E27FC236}">
+                <a16:creationId xmlns:a16="http://schemas.microsoft.com/office/drawing/2014/main" id="{736FCD81-F08A-47E6-B834-76BCCAB87816}"/>
+              </a:ext>
+            </a:extLst>
+          </p:cNvPr>
+          <p:cNvCxnSpPr>
+            <a:cxnSpLocks/>
+          </p:cNvCxnSpPr>
+          <p:nvPr/>
+        </p:nvCxnSpPr>
+        <p:spPr>
+          <a:xfrm>
+            <a:off x="1440873" y="1572493"/>
+            <a:ext cx="6512502" cy="0"/>
+          </a:xfrm>
+          <a:prstGeom prst="line">
+            <a:avLst/>
+          </a:prstGeom>
+          <a:ln>
+            <a:solidFill>
+              <a:srgbClr val="E5616E"/>
+            </a:solidFill>
+          </a:ln>
+        </p:spPr>
+        <p:style>
+          <a:lnRef idx="1">
+            <a:schemeClr val="accent1"/>
+          </a:lnRef>
+          <a:fillRef idx="0">
+            <a:schemeClr val="accent1"/>
+          </a:fillRef>
+          <a:effectRef idx="0">
+            <a:schemeClr val="accent1"/>
+          </a:effectRef>
+          <a:fontRef idx="minor">
+            <a:schemeClr val="tx1"/>
+          </a:fontRef>
+        </p:style>
+      </p:cxnSp>
+    </p:spTree>
+    <p:extLst>
+      <p:ext uri="{BB962C8B-B14F-4D97-AF65-F5344CB8AC3E}">
+        <p14:creationId xmlns:p14="http://schemas.microsoft.com/office/powerpoint/2010/main" val="3929341467"/>
+      </p:ext>
+    </p:extLst>
+  </p:cSld>
+  <p:clrMapOvr>
+    <a:masterClrMapping/>
+  </p:clrMapOvr>
+</p:sld>
+</file>
+
+<file path=ppt/slides/slide18.xml><?xml version="1.0" encoding="utf-8"?>
+<p:sld xmlns:a="http://schemas.openxmlformats.org/drawingml/2006/main" xmlns:r="http://schemas.openxmlformats.org/officeDocument/2006/relationships" xmlns:p="http://schemas.openxmlformats.org/presentationml/2006/main">
+  <p:cSld>
+    <p:spTree>
+      <p:nvGrpSpPr>
+        <p:cNvPr id="1" name=""/>
+        <p:cNvGrpSpPr/>
+        <p:nvPr/>
+      </p:nvGrpSpPr>
+      <p:grpSpPr>
+        <a:xfrm>
+          <a:off x="0" y="0"/>
+          <a:ext cx="0" cy="0"/>
+          <a:chOff x="0" y="0"/>
+          <a:chExt cx="0" cy="0"/>
+        </a:xfrm>
+      </p:grpSpPr>
+      <p:sp>
+        <p:nvSpPr>
+          <p:cNvPr id="2" name="CuadroTexto 1">
+            <a:extLst>
+              <a:ext uri="{FF2B5EF4-FFF2-40B4-BE49-F238E27FC236}">
+                <a16:creationId xmlns:a16="http://schemas.microsoft.com/office/drawing/2014/main" id="{DD088DF5-E662-42BD-866A-1529CC1122BE}"/>
+              </a:ext>
+            </a:extLst>
+          </p:cNvPr>
+          <p:cNvSpPr txBox="1"/>
+          <p:nvPr/>
+        </p:nvSpPr>
+        <p:spPr>
+          <a:xfrm>
+            <a:off x="1440872" y="535719"/>
+            <a:ext cx="9587345" cy="1446550"/>
+          </a:xfrm>
+          <a:prstGeom prst="rect">
+            <a:avLst/>
+          </a:prstGeom>
+          <a:noFill/>
+          <a:ln w="6350">
+            <a:noFill/>
+          </a:ln>
+        </p:spPr>
+        <p:txBody>
+          <a:bodyPr wrap="square" rtlCol="0">
+            <a:spAutoFit/>
+          </a:bodyPr>
+          <a:lstStyle/>
+          <a:p>
+            <a:r>
+              <a:rPr lang="es-AR" sz="3200" dirty="0">
+                <a:solidFill>
+                  <a:srgbClr val="494949"/>
+                </a:solidFill>
+                <a:latin typeface="Montserrat SemiBold" panose="00000700000000000000" pitchFamily="2" charset="0"/>
+              </a:rPr>
+              <a:t>Etapas para </a:t>
+            </a:r>
+            <a:r>
+              <a:rPr lang="es-AR" sz="3200" dirty="0">
+                <a:solidFill>
+                  <a:srgbClr val="E5616E"/>
+                </a:solidFill>
+                <a:latin typeface="Montserrat SemiBold" panose="00000700000000000000" pitchFamily="2" charset="0"/>
+              </a:rPr>
+              <a:t>intervenir</a:t>
+            </a:r>
+            <a:r>
+              <a:rPr lang="es-AR" sz="3200" dirty="0">
+                <a:solidFill>
+                  <a:srgbClr val="494949"/>
+                </a:solidFill>
+                <a:latin typeface="Montserrat SemiBold" panose="00000700000000000000" pitchFamily="2" charset="0"/>
+              </a:rPr>
+              <a:t> sobre los sesgos y prejuicios de una investigación</a:t>
+            </a:r>
+          </a:p>
+          <a:p>
+            <a:r>
+              <a:rPr lang="es-AR" sz="2400" dirty="0">
+                <a:solidFill>
+                  <a:srgbClr val="E5616E"/>
+                </a:solidFill>
+                <a:latin typeface="Montserrat Light" panose="00000400000000000000" pitchFamily="2" charset="0"/>
+              </a:rPr>
+              <a:t>2. Análisis de los datos y comunicación de los resultados</a:t>
+            </a:r>
+          </a:p>
+        </p:txBody>
+      </p:sp>
+      <p:sp>
+        <p:nvSpPr>
+          <p:cNvPr id="3" name="CuadroTexto 2">
+            <a:extLst>
+              <a:ext uri="{FF2B5EF4-FFF2-40B4-BE49-F238E27FC236}">
+                <a16:creationId xmlns:a16="http://schemas.microsoft.com/office/drawing/2014/main" id="{16BB827D-F64D-4710-A306-30DF6B4F1519}"/>
+              </a:ext>
+            </a:extLst>
+          </p:cNvPr>
+          <p:cNvSpPr txBox="1"/>
+          <p:nvPr/>
+        </p:nvSpPr>
+        <p:spPr>
+          <a:xfrm>
+            <a:off x="1440873" y="2405200"/>
+            <a:ext cx="8709892" cy="2816156"/>
+          </a:xfrm>
+          <a:prstGeom prst="rect">
+            <a:avLst/>
+          </a:prstGeom>
+          <a:noFill/>
+        </p:spPr>
+        <p:txBody>
+          <a:bodyPr wrap="square" rtlCol="0">
+            <a:spAutoFit/>
+          </a:bodyPr>
+          <a:lstStyle/>
+          <a:p>
+            <a:pPr marL="342900" indent="-342900" algn="just">
+              <a:lnSpc>
+                <a:spcPct val="150000"/>
+              </a:lnSpc>
+              <a:buFont typeface="Arial" panose="020B0604020202020204" pitchFamily="34" charset="0"/>
+              <a:buChar char="•"/>
+            </a:pPr>
+            <a:r>
+              <a:rPr lang="es-AR" sz="2000" dirty="0">
+                <a:solidFill>
+                  <a:srgbClr val="494949"/>
+                </a:solidFill>
+                <a:latin typeface="Montserrat Medium" panose="00000600000000000000" pitchFamily="2" charset="0"/>
+              </a:rPr>
+              <a:t>Discutir las </a:t>
+            </a:r>
+            <a:r>
+              <a:rPr lang="es-AR" sz="2000" u="sng" dirty="0">
+                <a:solidFill>
+                  <a:srgbClr val="494949"/>
+                </a:solidFill>
+                <a:latin typeface="Montserrat Medium" panose="00000600000000000000" pitchFamily="2" charset="0"/>
+              </a:rPr>
+              <a:t>convenciones y estereotipos </a:t>
+            </a:r>
+          </a:p>
+          <a:p>
+            <a:pPr rtl="0">
+              <a:lnSpc>
+                <a:spcPct val="150000"/>
+              </a:lnSpc>
+              <a:spcBef>
+                <a:spcPts val="0"/>
+              </a:spcBef>
+              <a:spcAft>
+                <a:spcPts val="0"/>
+              </a:spcAft>
+            </a:pPr>
+            <a:r>
+              <a:rPr lang="es-AR" i="1" dirty="0">
+                <a:solidFill>
+                  <a:srgbClr val="494949"/>
+                </a:solidFill>
+                <a:latin typeface="Montserrat Light" panose="00000400000000000000" pitchFamily="2" charset="0"/>
+              </a:rPr>
+              <a:t>	¿rosa y azul?</a:t>
+            </a:r>
+          </a:p>
+          <a:p>
+            <a:pPr marL="342900" indent="-342900" rtl="0">
+              <a:lnSpc>
+                <a:spcPct val="200000"/>
+              </a:lnSpc>
+              <a:spcBef>
+                <a:spcPts val="0"/>
+              </a:spcBef>
+              <a:spcAft>
+                <a:spcPts val="0"/>
+              </a:spcAft>
+              <a:buFont typeface="Arial" panose="020B0604020202020204" pitchFamily="34" charset="0"/>
+              <a:buChar char="•"/>
+            </a:pPr>
+            <a:r>
+              <a:rPr lang="es-AR" sz="2000" dirty="0">
+                <a:solidFill>
+                  <a:srgbClr val="494949"/>
+                </a:solidFill>
+                <a:latin typeface="Montserrat Medium" panose="00000600000000000000" pitchFamily="2" charset="0"/>
+              </a:rPr>
+              <a:t>Resaltar los </a:t>
+            </a:r>
+            <a:r>
+              <a:rPr lang="es-AR" sz="2000" u="sng" dirty="0">
+                <a:solidFill>
+                  <a:srgbClr val="494949"/>
+                </a:solidFill>
+                <a:latin typeface="Montserrat Medium" panose="00000600000000000000" pitchFamily="2" charset="0"/>
+              </a:rPr>
+              <a:t>espacios en blanco</a:t>
+            </a:r>
+          </a:p>
+          <a:p>
+            <a:pPr marL="342900" indent="-342900" rtl="0">
+              <a:lnSpc>
+                <a:spcPct val="200000"/>
+              </a:lnSpc>
+              <a:spcBef>
+                <a:spcPts val="0"/>
+              </a:spcBef>
+              <a:spcAft>
+                <a:spcPts val="0"/>
+              </a:spcAft>
+              <a:buFont typeface="Arial" panose="020B0604020202020204" pitchFamily="34" charset="0"/>
+              <a:buChar char="•"/>
+            </a:pPr>
+            <a:r>
+              <a:rPr lang="es-AR" sz="2000" dirty="0">
+                <a:solidFill>
+                  <a:srgbClr val="494949"/>
+                </a:solidFill>
+                <a:latin typeface="Montserrat Medium" panose="00000600000000000000" pitchFamily="2" charset="0"/>
+              </a:rPr>
+              <a:t>¿Las </a:t>
+            </a:r>
+            <a:r>
+              <a:rPr lang="es-AR" sz="2000" u="sng" dirty="0">
+                <a:solidFill>
+                  <a:srgbClr val="494949"/>
+                </a:solidFill>
+                <a:latin typeface="Montserrat Medium" panose="00000600000000000000" pitchFamily="2" charset="0"/>
+              </a:rPr>
+              <a:t>emociones</a:t>
+            </a:r>
+            <a:r>
+              <a:rPr lang="es-AR" sz="2000" dirty="0">
+                <a:solidFill>
+                  <a:srgbClr val="494949"/>
+                </a:solidFill>
+                <a:latin typeface="Montserrat Medium" panose="00000600000000000000" pitchFamily="2" charset="0"/>
+              </a:rPr>
+              <a:t> van en contra de la objetividad?</a:t>
+            </a:r>
+          </a:p>
+          <a:p>
+            <a:pPr rtl="0">
+              <a:spcBef>
+                <a:spcPts val="0"/>
+              </a:spcBef>
+              <a:spcAft>
+                <a:spcPts val="0"/>
+              </a:spcAft>
+            </a:pPr>
+            <a:br>
+              <a:rPr lang="es-AR" sz="2000" dirty="0"/>
+            </a:br>
+            <a:r>
+              <a:rPr lang="es-AR" sz="2000" dirty="0">
+                <a:solidFill>
+                  <a:srgbClr val="494949"/>
+                </a:solidFill>
+                <a:latin typeface="Montserrat Medium" panose="00000600000000000000" pitchFamily="2" charset="0"/>
+              </a:rPr>
+              <a:t> </a:t>
+            </a:r>
+          </a:p>
+        </p:txBody>
+      </p:sp>
+      <p:cxnSp>
+        <p:nvCxnSpPr>
+          <p:cNvPr id="5" name="Conector recto 4">
+            <a:extLst>
+              <a:ext uri="{FF2B5EF4-FFF2-40B4-BE49-F238E27FC236}">
+                <a16:creationId xmlns:a16="http://schemas.microsoft.com/office/drawing/2014/main" id="{736FCD81-F08A-47E6-B834-76BCCAB87816}"/>
+              </a:ext>
+            </a:extLst>
+          </p:cNvPr>
+          <p:cNvCxnSpPr>
+            <a:cxnSpLocks/>
+          </p:cNvCxnSpPr>
+          <p:nvPr/>
+        </p:nvCxnSpPr>
+        <p:spPr>
+          <a:xfrm>
+            <a:off x="1440873" y="1572493"/>
+            <a:ext cx="6512502" cy="0"/>
+          </a:xfrm>
+          <a:prstGeom prst="line">
+            <a:avLst/>
+          </a:prstGeom>
+          <a:ln>
+            <a:solidFill>
+              <a:srgbClr val="E5616E"/>
+            </a:solidFill>
+          </a:ln>
+        </p:spPr>
+        <p:style>
+          <a:lnRef idx="1">
+            <a:schemeClr val="accent1"/>
+          </a:lnRef>
+          <a:fillRef idx="0">
+            <a:schemeClr val="accent1"/>
+          </a:fillRef>
+          <a:effectRef idx="0">
+            <a:schemeClr val="accent1"/>
+          </a:effectRef>
+          <a:fontRef idx="minor">
+            <a:schemeClr val="tx1"/>
+          </a:fontRef>
+        </p:style>
+      </p:cxnSp>
+    </p:spTree>
+    <p:extLst>
+      <p:ext uri="{BB962C8B-B14F-4D97-AF65-F5344CB8AC3E}">
+        <p14:creationId xmlns:p14="http://schemas.microsoft.com/office/powerpoint/2010/main" val="2320690941"/>
+      </p:ext>
+    </p:extLst>
+  </p:cSld>
+  <p:clrMapOvr>
+    <a:masterClrMapping/>
+  </p:clrMapOvr>
+</p:sld>
+</file>
+
+<file path=ppt/slides/slide19.xml><?xml version="1.0" encoding="utf-8"?>
+<p:sld xmlns:a="http://schemas.openxmlformats.org/drawingml/2006/main" xmlns:r="http://schemas.openxmlformats.org/officeDocument/2006/relationships" xmlns:p="http://schemas.openxmlformats.org/presentationml/2006/main">
+  <p:cSld>
+    <p:spTree>
+      <p:nvGrpSpPr>
+        <p:cNvPr id="1" name=""/>
+        <p:cNvGrpSpPr/>
+        <p:nvPr/>
+      </p:nvGrpSpPr>
+      <p:grpSpPr>
+        <a:xfrm>
+          <a:off x="0" y="0"/>
+          <a:ext cx="0" cy="0"/>
+          <a:chOff x="0" y="0"/>
+          <a:chExt cx="0" cy="0"/>
+        </a:xfrm>
+      </p:grpSpPr>
+      <p:sp>
+        <p:nvSpPr>
+          <p:cNvPr id="2" name="CuadroTexto 1">
+            <a:extLst>
+              <a:ext uri="{FF2B5EF4-FFF2-40B4-BE49-F238E27FC236}">
+                <a16:creationId xmlns:a16="http://schemas.microsoft.com/office/drawing/2014/main" id="{DD088DF5-E662-42BD-866A-1529CC1122BE}"/>
+              </a:ext>
+            </a:extLst>
+          </p:cNvPr>
+          <p:cNvSpPr txBox="1"/>
+          <p:nvPr/>
+        </p:nvSpPr>
+        <p:spPr>
+          <a:xfrm>
+            <a:off x="1440872" y="535719"/>
+            <a:ext cx="9587345" cy="1446550"/>
+          </a:xfrm>
+          <a:prstGeom prst="rect">
+            <a:avLst/>
+          </a:prstGeom>
+          <a:noFill/>
+          <a:ln w="6350">
+            <a:noFill/>
+          </a:ln>
+        </p:spPr>
+        <p:txBody>
+          <a:bodyPr wrap="square" rtlCol="0">
+            <a:spAutoFit/>
+          </a:bodyPr>
+          <a:lstStyle/>
+          <a:p>
+            <a:r>
+              <a:rPr lang="es-AR" sz="3200" dirty="0">
+                <a:solidFill>
+                  <a:srgbClr val="494949"/>
+                </a:solidFill>
+                <a:latin typeface="Montserrat SemiBold" panose="00000700000000000000" pitchFamily="2" charset="0"/>
+              </a:rPr>
+              <a:t>Etapas para </a:t>
+            </a:r>
+            <a:r>
+              <a:rPr lang="es-AR" sz="3200" dirty="0">
+                <a:solidFill>
+                  <a:srgbClr val="E5616E"/>
+                </a:solidFill>
+                <a:latin typeface="Montserrat SemiBold" panose="00000700000000000000" pitchFamily="2" charset="0"/>
+              </a:rPr>
+              <a:t>intervenir</a:t>
+            </a:r>
+            <a:r>
+              <a:rPr lang="es-AR" sz="3200" dirty="0">
+                <a:solidFill>
+                  <a:srgbClr val="494949"/>
+                </a:solidFill>
+                <a:latin typeface="Montserrat SemiBold" panose="00000700000000000000" pitchFamily="2" charset="0"/>
+              </a:rPr>
+              <a:t> sobre los sesgos y prejuicios de una investigación</a:t>
+            </a:r>
+          </a:p>
+          <a:p>
+            <a:r>
+              <a:rPr lang="es-AR" sz="2400" dirty="0">
+                <a:solidFill>
+                  <a:srgbClr val="E5616E"/>
+                </a:solidFill>
+                <a:latin typeface="Montserrat Light" panose="00000400000000000000" pitchFamily="2" charset="0"/>
+              </a:rPr>
+              <a:t>2. Análisis de los datos y comunicación de los resultados</a:t>
+            </a:r>
+          </a:p>
+        </p:txBody>
+      </p:sp>
+      <p:cxnSp>
+        <p:nvCxnSpPr>
+          <p:cNvPr id="5" name="Conector recto 4">
+            <a:extLst>
+              <a:ext uri="{FF2B5EF4-FFF2-40B4-BE49-F238E27FC236}">
+                <a16:creationId xmlns:a16="http://schemas.microsoft.com/office/drawing/2014/main" id="{736FCD81-F08A-47E6-B834-76BCCAB87816}"/>
+              </a:ext>
+            </a:extLst>
+          </p:cNvPr>
+          <p:cNvCxnSpPr>
+            <a:cxnSpLocks/>
+          </p:cNvCxnSpPr>
+          <p:nvPr/>
+        </p:nvCxnSpPr>
+        <p:spPr>
+          <a:xfrm>
+            <a:off x="1440873" y="1572493"/>
+            <a:ext cx="6512502" cy="0"/>
+          </a:xfrm>
+          <a:prstGeom prst="line">
+            <a:avLst/>
+          </a:prstGeom>
+          <a:ln>
+            <a:solidFill>
+              <a:srgbClr val="E5616E"/>
+            </a:solidFill>
+          </a:ln>
+        </p:spPr>
+        <p:style>
+          <a:lnRef idx="1">
+            <a:schemeClr val="accent1"/>
+          </a:lnRef>
+          <a:fillRef idx="0">
+            <a:schemeClr val="accent1"/>
+          </a:fillRef>
+          <a:effectRef idx="0">
+            <a:schemeClr val="accent1"/>
+          </a:effectRef>
+          <a:fontRef idx="minor">
+            <a:schemeClr val="tx1"/>
+          </a:fontRef>
+        </p:style>
+      </p:cxnSp>
+      <p:pic>
+        <p:nvPicPr>
+          <p:cNvPr id="6" name="Imagen 5" descr="Gráfico, Gráfico de dispersión&#10;&#10;Descripción generada automáticamente">
+            <a:extLst>
+              <a:ext uri="{FF2B5EF4-FFF2-40B4-BE49-F238E27FC236}">
+                <a16:creationId xmlns:a16="http://schemas.microsoft.com/office/drawing/2014/main" id="{96365C8E-FF86-42EF-8FA0-397B446F1BC4}"/>
+              </a:ext>
+            </a:extLst>
+          </p:cNvPr>
+          <p:cNvPicPr>
+            <a:picLocks noChangeAspect="1"/>
+          </p:cNvPicPr>
+          <p:nvPr/>
+        </p:nvPicPr>
+        <p:blipFill>
+          <a:blip r:embed="rId2">
+            <a:extLst>
+              <a:ext uri="{28A0092B-C50C-407E-A947-70E740481C1C}">
+                <a14:useLocalDpi xmlns:a14="http://schemas.microsoft.com/office/drawing/2010/main" val="0"/>
+              </a:ext>
+            </a:extLst>
+          </a:blip>
+          <a:stretch>
+            <a:fillRect/>
+          </a:stretch>
+        </p:blipFill>
+        <p:spPr>
+          <a:xfrm>
+            <a:off x="1440870" y="1982269"/>
+            <a:ext cx="4147129" cy="4341938"/>
+          </a:xfrm>
+          <a:prstGeom prst="rect">
+            <a:avLst/>
+          </a:prstGeom>
+        </p:spPr>
+      </p:pic>
+      <p:pic>
+        <p:nvPicPr>
+          <p:cNvPr id="8" name="Imagen 7" descr="Gráfico&#10;&#10;Descripción generada automáticamente con confianza baja">
+            <a:extLst>
+              <a:ext uri="{FF2B5EF4-FFF2-40B4-BE49-F238E27FC236}">
+                <a16:creationId xmlns:a16="http://schemas.microsoft.com/office/drawing/2014/main" id="{2CDBB88B-4B65-4BFF-9354-C84D12B1F991}"/>
+              </a:ext>
+            </a:extLst>
+          </p:cNvPr>
+          <p:cNvPicPr>
+            <a:picLocks noChangeAspect="1"/>
+          </p:cNvPicPr>
+          <p:nvPr/>
+        </p:nvPicPr>
+        <p:blipFill>
+          <a:blip r:embed="rId3">
+            <a:extLst>
+              <a:ext uri="{28A0092B-C50C-407E-A947-70E740481C1C}">
+                <a14:useLocalDpi xmlns:a14="http://schemas.microsoft.com/office/drawing/2010/main" val="0"/>
+              </a:ext>
+            </a:extLst>
+          </a:blip>
+          <a:stretch>
+            <a:fillRect/>
+          </a:stretch>
+        </p:blipFill>
+        <p:spPr>
+          <a:xfrm>
+            <a:off x="6234543" y="2071789"/>
+            <a:ext cx="4147129" cy="4341938"/>
+          </a:xfrm>
+          <a:prstGeom prst="rect">
+            <a:avLst/>
+          </a:prstGeom>
+        </p:spPr>
+      </p:pic>
+    </p:spTree>
+    <p:extLst>
+      <p:ext uri="{BB962C8B-B14F-4D97-AF65-F5344CB8AC3E}">
+        <p14:creationId xmlns:p14="http://schemas.microsoft.com/office/powerpoint/2010/main" val="2414798002"/>
+      </p:ext>
+    </p:extLst>
+  </p:cSld>
+  <p:clrMapOvr>
+    <a:masterClrMapping/>
+  </p:clrMapOvr>
+</p:sld>
+</file>
+
 <file path=ppt/slides/slide2.xml><?xml version="1.0" encoding="utf-8"?>
 <p:sld xmlns:a="http://schemas.openxmlformats.org/drawingml/2006/main" xmlns:r="http://schemas.openxmlformats.org/officeDocument/2006/relationships" xmlns:p="http://schemas.openxmlformats.org/presentationml/2006/main">
   <p:cSld>
@@ -3591,7 +7093,50 @@
         <p:spPr>
           <a:xfrm>
             <a:off x="1440873" y="683491"/>
-            <a:ext cx="6973454" cy="523220"/>
+            <a:ext cx="6973454" cy="584775"/>
+          </a:xfrm>
+          <a:prstGeom prst="rect">
+            <a:avLst/>
+          </a:prstGeom>
+          <a:noFill/>
+          <a:ln w="6350">
+            <a:noFill/>
+          </a:ln>
+        </p:spPr>
+        <p:txBody>
+          <a:bodyPr wrap="square" rtlCol="0">
+            <a:spAutoFit/>
+          </a:bodyPr>
+          <a:lstStyle/>
+          <a:p>
+            <a:r>
+              <a:rPr lang="es-AR" sz="3200" dirty="0">
+                <a:solidFill>
+                  <a:srgbClr val="E5616E"/>
+                </a:solidFill>
+                <a:latin typeface="Montserrat SemiBold" panose="00000700000000000000" pitchFamily="2" charset="0"/>
+              </a:rPr>
+              <a:t>Organización del curso</a:t>
+            </a:r>
+          </a:p>
+        </p:txBody>
+      </p:sp>
+      <p:sp>
+        <p:nvSpPr>
+          <p:cNvPr id="3" name="CuadroTexto 2">
+            <a:extLst>
+              <a:ext uri="{FF2B5EF4-FFF2-40B4-BE49-F238E27FC236}">
+                <a16:creationId xmlns:a16="http://schemas.microsoft.com/office/drawing/2014/main" id="{16BB827D-F64D-4710-A306-30DF6B4F1519}"/>
+              </a:ext>
+            </a:extLst>
+          </p:cNvPr>
+          <p:cNvSpPr txBox="1"/>
+          <p:nvPr/>
+        </p:nvSpPr>
+        <p:spPr>
+          <a:xfrm>
+            <a:off x="1440873" y="1721716"/>
+            <a:ext cx="8709892" cy="3425810"/>
           </a:xfrm>
           <a:prstGeom prst="rect">
             <a:avLst/>
@@ -3604,14 +7149,359 @@
           </a:bodyPr>
           <a:lstStyle/>
           <a:p>
-            <a:r>
-              <a:rPr lang="es-AR" sz="2800" dirty="0">
+            <a:pPr marL="285750" indent="-285750" algn="just">
+              <a:lnSpc>
+                <a:spcPct val="150000"/>
+              </a:lnSpc>
+              <a:buFont typeface="Arial" panose="020B0604020202020204" pitchFamily="34" charset="0"/>
+              <a:buChar char="•"/>
+            </a:pPr>
+            <a:r>
+              <a:rPr lang="es-AR" sz="2000" dirty="0">
+                <a:solidFill>
+                  <a:srgbClr val="494949"/>
+                </a:solidFill>
+                <a:latin typeface="Montserrat Medium" panose="00000600000000000000" pitchFamily="2" charset="0"/>
+              </a:rPr>
+              <a:t>Las clases se llevarán a cabo de manera </a:t>
+            </a:r>
+            <a:r>
+              <a:rPr lang="es-AR" sz="2000" b="1" dirty="0">
+                <a:solidFill>
+                  <a:srgbClr val="494949"/>
+                </a:solidFill>
+                <a:latin typeface="Montserrat Medium" panose="00000600000000000000" pitchFamily="2" charset="0"/>
+              </a:rPr>
+              <a:t>asincrónica</a:t>
+            </a:r>
+            <a:r>
+              <a:rPr lang="es-AR" sz="2000" dirty="0">
+                <a:solidFill>
+                  <a:srgbClr val="494949"/>
+                </a:solidFill>
+                <a:latin typeface="Montserrat Medium" panose="00000600000000000000" pitchFamily="2" charset="0"/>
+              </a:rPr>
+              <a:t> </a:t>
+            </a:r>
+            <a:r>
+              <a:rPr lang="es-AR" sz="2000" u="sng" dirty="0">
+                <a:solidFill>
+                  <a:srgbClr val="494949"/>
+                </a:solidFill>
+                <a:latin typeface="Montserrat Medium" panose="00000600000000000000" pitchFamily="2" charset="0"/>
+              </a:rPr>
+              <a:t>cada semana</a:t>
+            </a:r>
+            <a:r>
+              <a:rPr lang="es-AR" sz="2000" dirty="0">
+                <a:solidFill>
+                  <a:srgbClr val="494949"/>
+                </a:solidFill>
+                <a:latin typeface="Montserrat Medium" panose="00000600000000000000" pitchFamily="2" charset="0"/>
+              </a:rPr>
+              <a:t>. Constarán de una parte </a:t>
+            </a:r>
+            <a:r>
+              <a:rPr lang="es-AR" sz="2000" b="1" u="sng" dirty="0">
+                <a:solidFill>
+                  <a:srgbClr val="494949"/>
+                </a:solidFill>
+                <a:latin typeface="Montserrat Medium" panose="00000600000000000000" pitchFamily="2" charset="0"/>
+              </a:rPr>
+              <a:t>teórica</a:t>
+            </a:r>
+            <a:r>
+              <a:rPr lang="es-AR" sz="2000" dirty="0">
+                <a:solidFill>
+                  <a:srgbClr val="494949"/>
+                </a:solidFill>
+                <a:latin typeface="Montserrat Medium" panose="00000600000000000000" pitchFamily="2" charset="0"/>
+              </a:rPr>
+              <a:t>, guiada por un </a:t>
+            </a:r>
+            <a:r>
+              <a:rPr lang="es-AR" sz="2000" b="1" dirty="0">
+                <a:solidFill>
+                  <a:srgbClr val="494949"/>
+                </a:solidFill>
+                <a:latin typeface="Montserrat Medium" panose="00000600000000000000" pitchFamily="2" charset="0"/>
+              </a:rPr>
+              <a:t>video</a:t>
+            </a:r>
+            <a:r>
+              <a:rPr lang="es-AR" sz="2000" dirty="0">
+                <a:solidFill>
+                  <a:srgbClr val="494949"/>
+                </a:solidFill>
+                <a:latin typeface="Montserrat Medium" panose="00000600000000000000" pitchFamily="2" charset="0"/>
+              </a:rPr>
+              <a:t> y un </a:t>
+            </a:r>
+            <a:r>
+              <a:rPr lang="es-AR" sz="2000" b="1" dirty="0" err="1">
+                <a:solidFill>
+                  <a:srgbClr val="494949"/>
+                </a:solidFill>
+                <a:latin typeface="Montserrat Medium" panose="00000600000000000000" pitchFamily="2" charset="0"/>
+              </a:rPr>
+              <a:t>pdf</a:t>
+            </a:r>
+            <a:r>
+              <a:rPr lang="es-AR" sz="2000" dirty="0">
+                <a:solidFill>
+                  <a:srgbClr val="494949"/>
+                </a:solidFill>
+                <a:latin typeface="Montserrat Medium" panose="00000600000000000000" pitchFamily="2" charset="0"/>
+              </a:rPr>
+              <a:t> y una parte donde pondrán en </a:t>
+            </a:r>
+            <a:r>
+              <a:rPr lang="es-AR" sz="2000" b="1" u="sng" dirty="0">
+                <a:solidFill>
+                  <a:srgbClr val="494949"/>
+                </a:solidFill>
+                <a:latin typeface="Montserrat Medium" panose="00000600000000000000" pitchFamily="2" charset="0"/>
+              </a:rPr>
+              <a:t>práctica</a:t>
+            </a:r>
+            <a:r>
+              <a:rPr lang="es-AR" sz="2000" dirty="0">
+                <a:solidFill>
+                  <a:srgbClr val="494949"/>
+                </a:solidFill>
+                <a:latin typeface="Montserrat Medium" panose="00000600000000000000" pitchFamily="2" charset="0"/>
+              </a:rPr>
+              <a:t> los conocimientos aprendidos. </a:t>
+            </a:r>
+          </a:p>
+          <a:p>
+            <a:pPr marL="285750" indent="-285750" algn="just">
+              <a:lnSpc>
+                <a:spcPct val="200000"/>
+              </a:lnSpc>
+              <a:buFont typeface="Arial" panose="020B0604020202020204" pitchFamily="34" charset="0"/>
+              <a:buChar char="•"/>
+            </a:pPr>
+            <a:endParaRPr lang="es-AR" sz="2000" dirty="0">
+              <a:solidFill>
+                <a:srgbClr val="494949"/>
+              </a:solidFill>
+              <a:latin typeface="Montserrat Medium" panose="00000600000000000000" pitchFamily="2" charset="0"/>
+            </a:endParaRPr>
+          </a:p>
+          <a:p>
+            <a:pPr marL="285750" indent="-285750" algn="just">
+              <a:lnSpc>
+                <a:spcPct val="150000"/>
+              </a:lnSpc>
+              <a:buFont typeface="Arial" panose="020B0604020202020204" pitchFamily="34" charset="0"/>
+              <a:buChar char="•"/>
+            </a:pPr>
+            <a:r>
+              <a:rPr lang="es-AR" sz="2000" dirty="0" err="1">
+                <a:solidFill>
+                  <a:srgbClr val="494949"/>
+                </a:solidFill>
+                <a:latin typeface="Montserrat Medium" panose="00000600000000000000" pitchFamily="2" charset="0"/>
+              </a:rPr>
+              <a:t>Lxs</a:t>
+            </a:r>
+            <a:r>
+              <a:rPr lang="es-AR" sz="2000" dirty="0">
+                <a:solidFill>
+                  <a:srgbClr val="494949"/>
+                </a:solidFill>
+                <a:latin typeface="Montserrat Medium" panose="00000600000000000000" pitchFamily="2" charset="0"/>
+              </a:rPr>
+              <a:t> </a:t>
+            </a:r>
+            <a:r>
+              <a:rPr lang="es-AR" sz="2000" dirty="0" err="1">
+                <a:solidFill>
+                  <a:srgbClr val="494949"/>
+                </a:solidFill>
+                <a:latin typeface="Montserrat Medium" panose="00000600000000000000" pitchFamily="2" charset="0"/>
+              </a:rPr>
+              <a:t>alumnxs</a:t>
+            </a:r>
+            <a:r>
+              <a:rPr lang="es-AR" sz="2000" dirty="0">
+                <a:solidFill>
+                  <a:srgbClr val="494949"/>
+                </a:solidFill>
+                <a:latin typeface="Montserrat Medium" panose="00000600000000000000" pitchFamily="2" charset="0"/>
+              </a:rPr>
+              <a:t> tendrán la oportunidad de presentar dudas en el </a:t>
+            </a:r>
+            <a:r>
+              <a:rPr lang="es-AR" sz="2000" b="1" dirty="0">
+                <a:solidFill>
+                  <a:srgbClr val="494949"/>
+                </a:solidFill>
+                <a:latin typeface="Montserrat Medium" panose="00000600000000000000" pitchFamily="2" charset="0"/>
+              </a:rPr>
+              <a:t>foro</a:t>
+            </a:r>
+            <a:r>
+              <a:rPr lang="es-AR" sz="2000" dirty="0">
+                <a:solidFill>
+                  <a:srgbClr val="494949"/>
+                </a:solidFill>
+                <a:latin typeface="Montserrat Medium" panose="00000600000000000000" pitchFamily="2" charset="0"/>
+              </a:rPr>
+              <a:t> del campus y en una clase </a:t>
+            </a:r>
+            <a:r>
+              <a:rPr lang="es-AR" sz="2000" b="1" dirty="0">
+                <a:solidFill>
+                  <a:srgbClr val="494949"/>
+                </a:solidFill>
+                <a:latin typeface="Montserrat Medium" panose="00000600000000000000" pitchFamily="2" charset="0"/>
+              </a:rPr>
+              <a:t>sincrónica</a:t>
+            </a:r>
+            <a:r>
+              <a:rPr lang="es-AR" sz="2000" dirty="0">
+                <a:solidFill>
+                  <a:srgbClr val="494949"/>
+                </a:solidFill>
+                <a:latin typeface="Montserrat Medium" panose="00000600000000000000" pitchFamily="2" charset="0"/>
+              </a:rPr>
+              <a:t> </a:t>
+            </a:r>
+            <a:r>
+              <a:rPr lang="es-AR" sz="2000" u="sng" dirty="0">
+                <a:solidFill>
+                  <a:srgbClr val="494949"/>
+                </a:solidFill>
+                <a:latin typeface="Montserrat Medium" panose="00000600000000000000" pitchFamily="2" charset="0"/>
+              </a:rPr>
+              <a:t>cada dos semanas</a:t>
+            </a:r>
+            <a:r>
+              <a:rPr lang="es-AR" sz="2000" dirty="0">
+                <a:solidFill>
+                  <a:srgbClr val="494949"/>
+                </a:solidFill>
+                <a:latin typeface="Montserrat Medium" panose="00000600000000000000" pitchFamily="2" charset="0"/>
+              </a:rPr>
+              <a:t>.</a:t>
+            </a:r>
+          </a:p>
+        </p:txBody>
+      </p:sp>
+      <p:cxnSp>
+        <p:nvCxnSpPr>
+          <p:cNvPr id="5" name="Conector recto 4">
+            <a:extLst>
+              <a:ext uri="{FF2B5EF4-FFF2-40B4-BE49-F238E27FC236}">
+                <a16:creationId xmlns:a16="http://schemas.microsoft.com/office/drawing/2014/main" id="{736FCD81-F08A-47E6-B834-76BCCAB87816}"/>
+              </a:ext>
+            </a:extLst>
+          </p:cNvPr>
+          <p:cNvCxnSpPr>
+            <a:cxnSpLocks/>
+          </p:cNvCxnSpPr>
+          <p:nvPr/>
+        </p:nvCxnSpPr>
+        <p:spPr>
+          <a:xfrm>
+            <a:off x="1440873" y="1295400"/>
+            <a:ext cx="6512502" cy="0"/>
+          </a:xfrm>
+          <a:prstGeom prst="line">
+            <a:avLst/>
+          </a:prstGeom>
+          <a:ln>
+            <a:solidFill>
+              <a:srgbClr val="E5616E"/>
+            </a:solidFill>
+          </a:ln>
+        </p:spPr>
+        <p:style>
+          <a:lnRef idx="1">
+            <a:schemeClr val="accent1"/>
+          </a:lnRef>
+          <a:fillRef idx="0">
+            <a:schemeClr val="accent1"/>
+          </a:fillRef>
+          <a:effectRef idx="0">
+            <a:schemeClr val="accent1"/>
+          </a:effectRef>
+          <a:fontRef idx="minor">
+            <a:schemeClr val="tx1"/>
+          </a:fontRef>
+        </p:style>
+      </p:cxnSp>
+    </p:spTree>
+    <p:extLst>
+      <p:ext uri="{BB962C8B-B14F-4D97-AF65-F5344CB8AC3E}">
+        <p14:creationId xmlns:p14="http://schemas.microsoft.com/office/powerpoint/2010/main" val="1369919545"/>
+      </p:ext>
+    </p:extLst>
+  </p:cSld>
+  <p:clrMapOvr>
+    <a:masterClrMapping/>
+  </p:clrMapOvr>
+</p:sld>
+</file>
+
+<file path=ppt/slides/slide20.xml><?xml version="1.0" encoding="utf-8"?>
+<p:sld xmlns:a="http://schemas.openxmlformats.org/drawingml/2006/main" xmlns:r="http://schemas.openxmlformats.org/officeDocument/2006/relationships" xmlns:p="http://schemas.openxmlformats.org/presentationml/2006/main">
+  <p:cSld>
+    <p:spTree>
+      <p:nvGrpSpPr>
+        <p:cNvPr id="1" name=""/>
+        <p:cNvGrpSpPr/>
+        <p:nvPr/>
+      </p:nvGrpSpPr>
+      <p:grpSpPr>
+        <a:xfrm>
+          <a:off x="0" y="0"/>
+          <a:ext cx="0" cy="0"/>
+          <a:chOff x="0" y="0"/>
+          <a:chExt cx="0" cy="0"/>
+        </a:xfrm>
+      </p:grpSpPr>
+      <p:sp>
+        <p:nvSpPr>
+          <p:cNvPr id="2" name="CuadroTexto 1">
+            <a:extLst>
+              <a:ext uri="{FF2B5EF4-FFF2-40B4-BE49-F238E27FC236}">
+                <a16:creationId xmlns:a16="http://schemas.microsoft.com/office/drawing/2014/main" id="{DD088DF5-E662-42BD-866A-1529CC1122BE}"/>
+              </a:ext>
+            </a:extLst>
+          </p:cNvPr>
+          <p:cNvSpPr txBox="1"/>
+          <p:nvPr/>
+        </p:nvSpPr>
+        <p:spPr>
+          <a:xfrm>
+            <a:off x="1440873" y="683491"/>
+            <a:ext cx="6973454" cy="584775"/>
+          </a:xfrm>
+          <a:prstGeom prst="rect">
+            <a:avLst/>
+          </a:prstGeom>
+          <a:noFill/>
+          <a:ln w="6350">
+            <a:noFill/>
+          </a:ln>
+        </p:spPr>
+        <p:txBody>
+          <a:bodyPr wrap="square" rtlCol="0">
+            <a:spAutoFit/>
+          </a:bodyPr>
+          <a:lstStyle/>
+          <a:p>
+            <a:r>
+              <a:rPr lang="es-AR" sz="3200" dirty="0">
                 <a:solidFill>
                   <a:srgbClr val="E5616E"/>
                 </a:solidFill>
                 <a:latin typeface="Montserrat SemiBold" panose="00000700000000000000" pitchFamily="2" charset="0"/>
               </a:rPr>
-              <a:t>Contenido 1</a:t>
+              <a:t>Notas</a:t>
             </a:r>
           </a:p>
         </p:txBody>
@@ -3630,8 +7520,8 @@
         </p:nvSpPr>
         <p:spPr>
           <a:xfrm>
-            <a:off x="1440873" y="1597891"/>
-            <a:ext cx="7481454" cy="1232902"/>
+            <a:off x="1440873" y="1721716"/>
+            <a:ext cx="8709892" cy="2348592"/>
           </a:xfrm>
           <a:prstGeom prst="rect">
             <a:avLst/>
@@ -3644,7 +7534,2592 @@
           </a:bodyPr>
           <a:lstStyle/>
           <a:p>
-            <a:pPr marL="285750" indent="-285750">
+            <a:pPr algn="just">
+              <a:lnSpc>
+                <a:spcPct val="150000"/>
+              </a:lnSpc>
+            </a:pPr>
+            <a:r>
+              <a:rPr lang="es-AR" sz="2000" dirty="0">
+                <a:solidFill>
+                  <a:srgbClr val="494949"/>
+                </a:solidFill>
+                <a:latin typeface="Montserrat Light" panose="00000400000000000000" pitchFamily="2" charset="0"/>
+              </a:rPr>
+              <a:t>El término </a:t>
+            </a:r>
+            <a:r>
+              <a:rPr lang="es-AR" sz="2000" b="1" dirty="0">
+                <a:solidFill>
+                  <a:srgbClr val="494949"/>
+                </a:solidFill>
+                <a:latin typeface="Montserrat Light" panose="00000400000000000000" pitchFamily="2" charset="0"/>
+              </a:rPr>
+              <a:t>minoría</a:t>
+            </a:r>
+            <a:r>
+              <a:rPr lang="es-AR" sz="2000" dirty="0">
+                <a:solidFill>
+                  <a:srgbClr val="494949"/>
+                </a:solidFill>
+                <a:latin typeface="Montserrat Light" panose="00000400000000000000" pitchFamily="2" charset="0"/>
+              </a:rPr>
+              <a:t> no se utiliza para referir a segmentos de la sociedad con una cantidad reducida de miembros, sino a aquellos que son dominados y oprimidos por algún grupo que se encuentra en una situación dominante. </a:t>
+            </a:r>
+          </a:p>
+          <a:p>
+            <a:pPr algn="just">
+              <a:lnSpc>
+                <a:spcPct val="150000"/>
+              </a:lnSpc>
+            </a:pPr>
+            <a:r>
+              <a:rPr lang="es-AR" sz="2000" dirty="0">
+                <a:solidFill>
+                  <a:srgbClr val="494949"/>
+                </a:solidFill>
+                <a:latin typeface="Montserrat Light" panose="00000400000000000000" pitchFamily="2" charset="0"/>
+              </a:rPr>
+              <a:t>(</a:t>
+            </a:r>
+            <a:r>
+              <a:rPr lang="es-AR" sz="2000" dirty="0" err="1">
+                <a:solidFill>
+                  <a:srgbClr val="494949"/>
+                </a:solidFill>
+                <a:latin typeface="Montserrat Light" panose="00000400000000000000" pitchFamily="2" charset="0"/>
+              </a:rPr>
+              <a:t>Ej</a:t>
+            </a:r>
+            <a:r>
+              <a:rPr lang="es-AR" sz="2000" dirty="0">
+                <a:solidFill>
+                  <a:srgbClr val="494949"/>
+                </a:solidFill>
+                <a:latin typeface="Montserrat Light" panose="00000400000000000000" pitchFamily="2" charset="0"/>
+              </a:rPr>
+              <a:t>: varones vs. todas las demás identidades de género).</a:t>
+            </a:r>
+          </a:p>
+        </p:txBody>
+      </p:sp>
+      <p:cxnSp>
+        <p:nvCxnSpPr>
+          <p:cNvPr id="5" name="Conector recto 4">
+            <a:extLst>
+              <a:ext uri="{FF2B5EF4-FFF2-40B4-BE49-F238E27FC236}">
+                <a16:creationId xmlns:a16="http://schemas.microsoft.com/office/drawing/2014/main" id="{736FCD81-F08A-47E6-B834-76BCCAB87816}"/>
+              </a:ext>
+            </a:extLst>
+          </p:cNvPr>
+          <p:cNvCxnSpPr>
+            <a:cxnSpLocks/>
+          </p:cNvCxnSpPr>
+          <p:nvPr/>
+        </p:nvCxnSpPr>
+        <p:spPr>
+          <a:xfrm>
+            <a:off x="1440873" y="1295400"/>
+            <a:ext cx="6512502" cy="0"/>
+          </a:xfrm>
+          <a:prstGeom prst="line">
+            <a:avLst/>
+          </a:prstGeom>
+          <a:ln>
+            <a:solidFill>
+              <a:srgbClr val="E5616E"/>
+            </a:solidFill>
+          </a:ln>
+        </p:spPr>
+        <p:style>
+          <a:lnRef idx="1">
+            <a:schemeClr val="accent1"/>
+          </a:lnRef>
+          <a:fillRef idx="0">
+            <a:schemeClr val="accent1"/>
+          </a:fillRef>
+          <a:effectRef idx="0">
+            <a:schemeClr val="accent1"/>
+          </a:effectRef>
+          <a:fontRef idx="minor">
+            <a:schemeClr val="tx1"/>
+          </a:fontRef>
+        </p:style>
+      </p:cxnSp>
+    </p:spTree>
+    <p:extLst>
+      <p:ext uri="{BB962C8B-B14F-4D97-AF65-F5344CB8AC3E}">
+        <p14:creationId xmlns:p14="http://schemas.microsoft.com/office/powerpoint/2010/main" val="2899910644"/>
+      </p:ext>
+    </p:extLst>
+  </p:cSld>
+  <p:clrMapOvr>
+    <a:masterClrMapping/>
+  </p:clrMapOvr>
+</p:sld>
+</file>
+
+<file path=ppt/slides/slide21.xml><?xml version="1.0" encoding="utf-8"?>
+<p:sld xmlns:a="http://schemas.openxmlformats.org/drawingml/2006/main" xmlns:r="http://schemas.openxmlformats.org/officeDocument/2006/relationships" xmlns:p="http://schemas.openxmlformats.org/presentationml/2006/main">
+  <p:cSld>
+    <p:spTree>
+      <p:nvGrpSpPr>
+        <p:cNvPr id="1" name=""/>
+        <p:cNvGrpSpPr/>
+        <p:nvPr/>
+      </p:nvGrpSpPr>
+      <p:grpSpPr>
+        <a:xfrm>
+          <a:off x="0" y="0"/>
+          <a:ext cx="0" cy="0"/>
+          <a:chOff x="0" y="0"/>
+          <a:chExt cx="0" cy="0"/>
+        </a:xfrm>
+      </p:grpSpPr>
+      <p:sp>
+        <p:nvSpPr>
+          <p:cNvPr id="2" name="CuadroTexto 1">
+            <a:extLst>
+              <a:ext uri="{FF2B5EF4-FFF2-40B4-BE49-F238E27FC236}">
+                <a16:creationId xmlns:a16="http://schemas.microsoft.com/office/drawing/2014/main" id="{DD088DF5-E662-42BD-866A-1529CC1122BE}"/>
+              </a:ext>
+            </a:extLst>
+          </p:cNvPr>
+          <p:cNvSpPr txBox="1"/>
+          <p:nvPr/>
+        </p:nvSpPr>
+        <p:spPr>
+          <a:xfrm>
+            <a:off x="1440873" y="683491"/>
+            <a:ext cx="6973454" cy="584775"/>
+          </a:xfrm>
+          <a:prstGeom prst="rect">
+            <a:avLst/>
+          </a:prstGeom>
+          <a:noFill/>
+          <a:ln w="6350">
+            <a:noFill/>
+          </a:ln>
+        </p:spPr>
+        <p:txBody>
+          <a:bodyPr wrap="square" rtlCol="0">
+            <a:spAutoFit/>
+          </a:bodyPr>
+          <a:lstStyle/>
+          <a:p>
+            <a:r>
+              <a:rPr lang="es-AR" sz="3200" dirty="0">
+                <a:solidFill>
+                  <a:srgbClr val="E5616E"/>
+                </a:solidFill>
+                <a:latin typeface="Montserrat SemiBold" panose="00000700000000000000" pitchFamily="2" charset="0"/>
+              </a:rPr>
+              <a:t>Referencias bibliográficas</a:t>
+            </a:r>
+          </a:p>
+        </p:txBody>
+      </p:sp>
+      <p:sp>
+        <p:nvSpPr>
+          <p:cNvPr id="3" name="CuadroTexto 2">
+            <a:extLst>
+              <a:ext uri="{FF2B5EF4-FFF2-40B4-BE49-F238E27FC236}">
+                <a16:creationId xmlns:a16="http://schemas.microsoft.com/office/drawing/2014/main" id="{16BB827D-F64D-4710-A306-30DF6B4F1519}"/>
+              </a:ext>
+            </a:extLst>
+          </p:cNvPr>
+          <p:cNvSpPr txBox="1"/>
+          <p:nvPr/>
+        </p:nvSpPr>
+        <p:spPr>
+          <a:xfrm>
+            <a:off x="1440873" y="1721716"/>
+            <a:ext cx="8709892" cy="2348592"/>
+          </a:xfrm>
+          <a:prstGeom prst="rect">
+            <a:avLst/>
+          </a:prstGeom>
+          <a:noFill/>
+        </p:spPr>
+        <p:txBody>
+          <a:bodyPr wrap="square" rtlCol="0">
+            <a:spAutoFit/>
+          </a:bodyPr>
+          <a:lstStyle/>
+          <a:p>
+            <a:pPr algn="just" rtl="0" fontAlgn="base">
+              <a:lnSpc>
+                <a:spcPct val="150000"/>
+              </a:lnSpc>
+              <a:spcBef>
+                <a:spcPts val="0"/>
+              </a:spcBef>
+              <a:spcAft>
+                <a:spcPts val="0"/>
+              </a:spcAft>
+              <a:buFont typeface="Arial" panose="020B0604020202020204" pitchFamily="34" charset="0"/>
+              <a:buChar char="•"/>
+            </a:pPr>
+            <a:r>
+              <a:rPr lang="es-AR" sz="2000" b="0" i="0" u="none" strike="noStrike" dirty="0" err="1">
+                <a:solidFill>
+                  <a:srgbClr val="494949"/>
+                </a:solidFill>
+                <a:effectLst/>
+                <a:latin typeface="Montserrat Medium" panose="00000600000000000000" pitchFamily="2" charset="0"/>
+              </a:rPr>
+              <a:t>D'ignazio</a:t>
+            </a:r>
+            <a:r>
+              <a:rPr lang="es-AR" sz="2000" b="0" i="0" u="none" strike="noStrike" dirty="0">
+                <a:solidFill>
+                  <a:srgbClr val="494949"/>
+                </a:solidFill>
+                <a:effectLst/>
+                <a:latin typeface="Montserrat Medium" panose="00000600000000000000" pitchFamily="2" charset="0"/>
+              </a:rPr>
+              <a:t>, C., &amp; Klein, L. F. (2020). </a:t>
+            </a:r>
+            <a:r>
+              <a:rPr lang="es-AR" sz="2000" b="0" i="1" u="sng" strike="noStrike" dirty="0">
+                <a:solidFill>
+                  <a:srgbClr val="0563C1"/>
+                </a:solidFill>
+                <a:effectLst/>
+                <a:latin typeface="Montserrat Medium" panose="00000600000000000000" pitchFamily="2" charset="0"/>
+                <a:hlinkClick r:id="rId2">
+                  <a:extLst>
+                    <a:ext uri="{A12FA001-AC4F-418D-AE19-62706E023703}">
+                      <ahyp:hlinkClr xmlns:ahyp="http://schemas.microsoft.com/office/drawing/2018/hyperlinkcolor" val="tx"/>
+                    </a:ext>
+                  </a:extLst>
+                </a:hlinkClick>
+              </a:rPr>
+              <a:t>Data </a:t>
+            </a:r>
+            <a:r>
+              <a:rPr lang="es-AR" sz="2000" b="0" i="1" u="sng" strike="noStrike" dirty="0" err="1">
+                <a:solidFill>
+                  <a:srgbClr val="494949"/>
+                </a:solidFill>
+                <a:effectLst/>
+                <a:latin typeface="Montserrat Medium" panose="00000600000000000000" pitchFamily="2" charset="0"/>
+                <a:hlinkClick r:id="rId2">
+                  <a:extLst>
+                    <a:ext uri="{A12FA001-AC4F-418D-AE19-62706E023703}">
+                      <ahyp:hlinkClr xmlns:ahyp="http://schemas.microsoft.com/office/drawing/2018/hyperlinkcolor" val="tx"/>
+                    </a:ext>
+                  </a:extLst>
+                </a:hlinkClick>
+              </a:rPr>
+              <a:t>feminism</a:t>
+            </a:r>
+            <a:r>
+              <a:rPr lang="es-AR" sz="2000" b="0" i="0" u="none" strike="noStrike" dirty="0">
+                <a:solidFill>
+                  <a:srgbClr val="494949"/>
+                </a:solidFill>
+                <a:effectLst/>
+                <a:latin typeface="Montserrat Medium" panose="00000600000000000000" pitchFamily="2" charset="0"/>
+              </a:rPr>
+              <a:t>. MIT </a:t>
+            </a:r>
+            <a:r>
+              <a:rPr lang="es-AR" sz="2000" b="0" i="0" u="none" strike="noStrike" dirty="0" err="1">
+                <a:solidFill>
+                  <a:srgbClr val="494949"/>
+                </a:solidFill>
+                <a:effectLst/>
+                <a:latin typeface="Montserrat Medium" panose="00000600000000000000" pitchFamily="2" charset="0"/>
+              </a:rPr>
+              <a:t>press</a:t>
+            </a:r>
+            <a:r>
+              <a:rPr lang="es-AR" sz="2000" b="0" i="0" u="none" strike="noStrike" dirty="0">
+                <a:solidFill>
+                  <a:srgbClr val="494949"/>
+                </a:solidFill>
+                <a:effectLst/>
+                <a:latin typeface="Montserrat Medium" panose="00000600000000000000" pitchFamily="2" charset="0"/>
+              </a:rPr>
+              <a:t>.</a:t>
+            </a:r>
+          </a:p>
+          <a:p>
+            <a:pPr algn="just" rtl="0" fontAlgn="base">
+              <a:lnSpc>
+                <a:spcPct val="150000"/>
+              </a:lnSpc>
+              <a:spcBef>
+                <a:spcPts val="0"/>
+              </a:spcBef>
+              <a:spcAft>
+                <a:spcPts val="0"/>
+              </a:spcAft>
+              <a:buFont typeface="Arial" panose="020B0604020202020204" pitchFamily="34" charset="0"/>
+              <a:buChar char="•"/>
+            </a:pPr>
+            <a:r>
+              <a:rPr lang="es-AR" sz="2000" b="0" i="0" u="none" strike="noStrike" dirty="0" err="1">
+                <a:solidFill>
+                  <a:srgbClr val="0563C1"/>
+                </a:solidFill>
+                <a:effectLst/>
+                <a:latin typeface="Montserrat Medium" panose="00000600000000000000" pitchFamily="2" charset="0"/>
+                <a:hlinkClick r:id="rId3">
+                  <a:extLst>
+                    <a:ext uri="{A12FA001-AC4F-418D-AE19-62706E023703}">
+                      <ahyp:hlinkClr xmlns:ahyp="http://schemas.microsoft.com/office/drawing/2018/hyperlinkcolor" val="tx"/>
+                    </a:ext>
+                  </a:extLst>
+                </a:hlinkClick>
+              </a:rPr>
+              <a:t>Vazquez</a:t>
+            </a:r>
+            <a:r>
+              <a:rPr lang="es-AR" sz="2000" b="0" i="0" u="none" strike="noStrike" dirty="0">
+                <a:solidFill>
+                  <a:srgbClr val="0563C1"/>
+                </a:solidFill>
+                <a:effectLst/>
+                <a:latin typeface="Montserrat Medium" panose="00000600000000000000" pitchFamily="2" charset="0"/>
+                <a:hlinkClick r:id="rId3">
+                  <a:extLst>
+                    <a:ext uri="{A12FA001-AC4F-418D-AE19-62706E023703}">
+                      <ahyp:hlinkClr xmlns:ahyp="http://schemas.microsoft.com/office/drawing/2018/hyperlinkcolor" val="tx"/>
+                    </a:ext>
+                  </a:extLst>
+                </a:hlinkClick>
+              </a:rPr>
+              <a:t> </a:t>
+            </a:r>
+            <a:r>
+              <a:rPr lang="es-AR" sz="2000" b="0" i="0" u="none" strike="noStrike" dirty="0" err="1">
+                <a:solidFill>
+                  <a:srgbClr val="0563C1"/>
+                </a:solidFill>
+                <a:effectLst/>
+                <a:latin typeface="Montserrat Medium" panose="00000600000000000000" pitchFamily="2" charset="0"/>
+                <a:hlinkClick r:id="rId3">
+                  <a:extLst>
+                    <a:ext uri="{A12FA001-AC4F-418D-AE19-62706E023703}">
+                      <ahyp:hlinkClr xmlns:ahyp="http://schemas.microsoft.com/office/drawing/2018/hyperlinkcolor" val="tx"/>
+                    </a:ext>
+                  </a:extLst>
+                </a:hlinkClick>
+              </a:rPr>
+              <a:t>Brust</a:t>
+            </a:r>
+            <a:r>
+              <a:rPr lang="es-AR" sz="2000" b="0" i="0" u="none" strike="noStrike" dirty="0">
+                <a:solidFill>
+                  <a:srgbClr val="0563C1"/>
+                </a:solidFill>
+                <a:effectLst/>
+                <a:latin typeface="Montserrat Medium" panose="00000600000000000000" pitchFamily="2" charset="0"/>
+                <a:hlinkClick r:id="rId3">
+                  <a:extLst>
+                    <a:ext uri="{A12FA001-AC4F-418D-AE19-62706E023703}">
+                      <ahyp:hlinkClr xmlns:ahyp="http://schemas.microsoft.com/office/drawing/2018/hyperlinkcolor" val="tx"/>
+                    </a:ext>
+                  </a:extLst>
+                </a:hlinkClick>
+              </a:rPr>
+              <a:t>, Antonio (2021), </a:t>
+            </a:r>
+            <a:r>
+              <a:rPr lang="es-AR" sz="2000" b="0" i="0" strike="noStrike" dirty="0">
+                <a:solidFill>
+                  <a:srgbClr val="494949"/>
+                </a:solidFill>
+                <a:effectLst/>
+                <a:latin typeface="Montserrat Medium" panose="00000600000000000000" pitchFamily="2" charset="0"/>
+                <a:hlinkClick r:id="rId3">
+                  <a:extLst>
+                    <a:ext uri="{A12FA001-AC4F-418D-AE19-62706E023703}">
+                      <ahyp:hlinkClr xmlns:ahyp="http://schemas.microsoft.com/office/drawing/2018/hyperlinkcolor" val="tx"/>
+                    </a:ext>
+                  </a:extLst>
+                </a:hlinkClick>
+              </a:rPr>
+              <a:t>Ciencia de Datos para Gente Sociable</a:t>
+            </a:r>
+            <a:endParaRPr lang="es-AR" sz="2000" b="0" i="0" strike="noStrike" dirty="0">
+              <a:solidFill>
+                <a:srgbClr val="494949"/>
+              </a:solidFill>
+              <a:effectLst/>
+              <a:latin typeface="Montserrat Medium" panose="00000600000000000000" pitchFamily="2" charset="0"/>
+            </a:endParaRPr>
+          </a:p>
+          <a:p>
+            <a:pPr algn="just" rtl="0" fontAlgn="base">
+              <a:lnSpc>
+                <a:spcPct val="150000"/>
+              </a:lnSpc>
+              <a:spcBef>
+                <a:spcPts val="0"/>
+              </a:spcBef>
+              <a:spcAft>
+                <a:spcPts val="0"/>
+              </a:spcAft>
+              <a:buFont typeface="Arial" panose="020B0604020202020204" pitchFamily="34" charset="0"/>
+              <a:buChar char="•"/>
+            </a:pPr>
+            <a:r>
+              <a:rPr lang="es-AR" sz="2000" b="0" i="0" u="none" strike="noStrike" dirty="0">
+                <a:solidFill>
+                  <a:srgbClr val="0563C1"/>
+                </a:solidFill>
+                <a:effectLst/>
+                <a:latin typeface="Montserrat Medium" panose="00000600000000000000" pitchFamily="2" charset="0"/>
+                <a:hlinkClick r:id="rId4">
+                  <a:extLst>
+                    <a:ext uri="{A12FA001-AC4F-418D-AE19-62706E023703}">
+                      <ahyp:hlinkClr xmlns:ahyp="http://schemas.microsoft.com/office/drawing/2018/hyperlinkcolor" val="tx"/>
+                    </a:ext>
+                  </a:extLst>
+                </a:hlinkClick>
+              </a:rPr>
+              <a:t>R Core </a:t>
+            </a:r>
+            <a:r>
+              <a:rPr lang="es-AR" sz="2000" b="0" i="0" u="none" strike="noStrike" dirty="0" err="1">
+                <a:solidFill>
+                  <a:srgbClr val="0563C1"/>
+                </a:solidFill>
+                <a:effectLst/>
+                <a:latin typeface="Montserrat Medium" panose="00000600000000000000" pitchFamily="2" charset="0"/>
+                <a:hlinkClick r:id="rId4">
+                  <a:extLst>
+                    <a:ext uri="{A12FA001-AC4F-418D-AE19-62706E023703}">
+                      <ahyp:hlinkClr xmlns:ahyp="http://schemas.microsoft.com/office/drawing/2018/hyperlinkcolor" val="tx"/>
+                    </a:ext>
+                  </a:extLst>
+                </a:hlinkClick>
+              </a:rPr>
+              <a:t>Development</a:t>
+            </a:r>
+            <a:r>
+              <a:rPr lang="es-AR" sz="2000" b="0" i="0" u="none" strike="noStrike" dirty="0">
+                <a:solidFill>
+                  <a:srgbClr val="0563C1"/>
+                </a:solidFill>
+                <a:effectLst/>
+                <a:latin typeface="Montserrat Medium" panose="00000600000000000000" pitchFamily="2" charset="0"/>
+                <a:hlinkClick r:id="rId4">
+                  <a:extLst>
+                    <a:ext uri="{A12FA001-AC4F-418D-AE19-62706E023703}">
+                      <ahyp:hlinkClr xmlns:ahyp="http://schemas.microsoft.com/office/drawing/2018/hyperlinkcolor" val="tx"/>
+                    </a:ext>
+                  </a:extLst>
+                </a:hlinkClick>
+              </a:rPr>
+              <a:t> </a:t>
+            </a:r>
+            <a:r>
+              <a:rPr lang="es-AR" sz="2000" b="0" i="0" u="none" strike="noStrike" dirty="0" err="1">
+                <a:solidFill>
+                  <a:srgbClr val="0563C1"/>
+                </a:solidFill>
+                <a:effectLst/>
+                <a:latin typeface="Montserrat Medium" panose="00000600000000000000" pitchFamily="2" charset="0"/>
+                <a:hlinkClick r:id="rId4">
+                  <a:extLst>
+                    <a:ext uri="{A12FA001-AC4F-418D-AE19-62706E023703}">
+                      <ahyp:hlinkClr xmlns:ahyp="http://schemas.microsoft.com/office/drawing/2018/hyperlinkcolor" val="tx"/>
+                    </a:ext>
+                  </a:extLst>
+                </a:hlinkClick>
+              </a:rPr>
+              <a:t>Team</a:t>
+            </a:r>
+            <a:r>
+              <a:rPr lang="es-AR" sz="2000" b="0" i="0" u="none" strike="noStrike" dirty="0">
+                <a:solidFill>
+                  <a:srgbClr val="0563C1"/>
+                </a:solidFill>
+                <a:effectLst/>
+                <a:latin typeface="Montserrat Medium" panose="00000600000000000000" pitchFamily="2" charset="0"/>
+                <a:hlinkClick r:id="rId4">
+                  <a:extLst>
+                    <a:ext uri="{A12FA001-AC4F-418D-AE19-62706E023703}">
+                      <ahyp:hlinkClr xmlns:ahyp="http://schemas.microsoft.com/office/drawing/2018/hyperlinkcolor" val="tx"/>
+                    </a:ext>
+                  </a:extLst>
+                </a:hlinkClick>
+              </a:rPr>
+              <a:t>, (2000), </a:t>
+            </a:r>
+            <a:r>
+              <a:rPr lang="es-AR" sz="2000" b="0" i="0" u="sng" strike="noStrike" dirty="0">
+                <a:solidFill>
+                  <a:srgbClr val="494949"/>
+                </a:solidFill>
+                <a:effectLst/>
+                <a:latin typeface="Montserrat Medium" panose="00000600000000000000" pitchFamily="2" charset="0"/>
+                <a:hlinkClick r:id="rId4">
+                  <a:extLst>
+                    <a:ext uri="{A12FA001-AC4F-418D-AE19-62706E023703}">
+                      <ahyp:hlinkClr xmlns:ahyp="http://schemas.microsoft.com/office/drawing/2018/hyperlinkcolor" val="tx"/>
+                    </a:ext>
+                  </a:extLst>
+                </a:hlinkClick>
+              </a:rPr>
+              <a:t>Introducción a R. Notas sobre R: Un entorno de programación para Análisis de Datos y Gráficos.</a:t>
+            </a:r>
+            <a:endParaRPr lang="es-AR" sz="2000" b="0" i="0" u="none" strike="noStrike" dirty="0">
+              <a:solidFill>
+                <a:srgbClr val="494949"/>
+              </a:solidFill>
+              <a:effectLst/>
+              <a:latin typeface="Montserrat Medium" panose="00000600000000000000" pitchFamily="2" charset="0"/>
+            </a:endParaRPr>
+          </a:p>
+        </p:txBody>
+      </p:sp>
+      <p:cxnSp>
+        <p:nvCxnSpPr>
+          <p:cNvPr id="5" name="Conector recto 4">
+            <a:extLst>
+              <a:ext uri="{FF2B5EF4-FFF2-40B4-BE49-F238E27FC236}">
+                <a16:creationId xmlns:a16="http://schemas.microsoft.com/office/drawing/2014/main" id="{736FCD81-F08A-47E6-B834-76BCCAB87816}"/>
+              </a:ext>
+            </a:extLst>
+          </p:cNvPr>
+          <p:cNvCxnSpPr>
+            <a:cxnSpLocks/>
+          </p:cNvCxnSpPr>
+          <p:nvPr/>
+        </p:nvCxnSpPr>
+        <p:spPr>
+          <a:xfrm>
+            <a:off x="1440873" y="1295400"/>
+            <a:ext cx="6512502" cy="0"/>
+          </a:xfrm>
+          <a:prstGeom prst="line">
+            <a:avLst/>
+          </a:prstGeom>
+          <a:ln>
+            <a:solidFill>
+              <a:srgbClr val="E5616E"/>
+            </a:solidFill>
+          </a:ln>
+        </p:spPr>
+        <p:style>
+          <a:lnRef idx="1">
+            <a:schemeClr val="accent1"/>
+          </a:lnRef>
+          <a:fillRef idx="0">
+            <a:schemeClr val="accent1"/>
+          </a:fillRef>
+          <a:effectRef idx="0">
+            <a:schemeClr val="accent1"/>
+          </a:effectRef>
+          <a:fontRef idx="minor">
+            <a:schemeClr val="tx1"/>
+          </a:fontRef>
+        </p:style>
+      </p:cxnSp>
+    </p:spTree>
+    <p:extLst>
+      <p:ext uri="{BB962C8B-B14F-4D97-AF65-F5344CB8AC3E}">
+        <p14:creationId xmlns:p14="http://schemas.microsoft.com/office/powerpoint/2010/main" val="3867673069"/>
+      </p:ext>
+    </p:extLst>
+  </p:cSld>
+  <p:clrMapOvr>
+    <a:masterClrMapping/>
+  </p:clrMapOvr>
+</p:sld>
+</file>
+
+<file path=ppt/slides/slide22.xml><?xml version="1.0" encoding="utf-8"?>
+<p:sld xmlns:a="http://schemas.openxmlformats.org/drawingml/2006/main" xmlns:r="http://schemas.openxmlformats.org/officeDocument/2006/relationships" xmlns:p="http://schemas.openxmlformats.org/presentationml/2006/main">
+  <p:cSld>
+    <p:spTree>
+      <p:nvGrpSpPr>
+        <p:cNvPr id="1" name=""/>
+        <p:cNvGrpSpPr/>
+        <p:nvPr/>
+      </p:nvGrpSpPr>
+      <p:grpSpPr>
+        <a:xfrm>
+          <a:off x="0" y="0"/>
+          <a:ext cx="0" cy="0"/>
+          <a:chOff x="0" y="0"/>
+          <a:chExt cx="0" cy="0"/>
+        </a:xfrm>
+      </p:grpSpPr>
+      <p:sp>
+        <p:nvSpPr>
+          <p:cNvPr id="2" name="CuadroTexto 1">
+            <a:extLst>
+              <a:ext uri="{FF2B5EF4-FFF2-40B4-BE49-F238E27FC236}">
+                <a16:creationId xmlns:a16="http://schemas.microsoft.com/office/drawing/2014/main" id="{5EA06D94-CE57-472A-B22E-782DE1A676E7}"/>
+              </a:ext>
+            </a:extLst>
+          </p:cNvPr>
+          <p:cNvSpPr txBox="1"/>
+          <p:nvPr/>
+        </p:nvSpPr>
+        <p:spPr>
+          <a:xfrm>
+            <a:off x="1145309" y="803564"/>
+            <a:ext cx="9578109" cy="2862322"/>
+          </a:xfrm>
+          <a:prstGeom prst="rect">
+            <a:avLst/>
+          </a:prstGeom>
+          <a:noFill/>
+        </p:spPr>
+        <p:txBody>
+          <a:bodyPr wrap="square" rtlCol="0">
+            <a:spAutoFit/>
+          </a:bodyPr>
+          <a:lstStyle/>
+          <a:p>
+            <a:r>
+              <a:rPr lang="es-AR" dirty="0">
+                <a:latin typeface="Montserrat Medium" panose="00000600000000000000" pitchFamily="2" charset="0"/>
+              </a:rPr>
+              <a:t>Los contenidos han sido elaborados y revisados por el equipo de </a:t>
+            </a:r>
+            <a:r>
+              <a:rPr lang="es-AR" dirty="0" err="1">
+                <a:latin typeface="Montserrat Medium" panose="00000600000000000000" pitchFamily="2" charset="0"/>
+              </a:rPr>
+              <a:t>Ecofeminita</a:t>
+            </a:r>
+            <a:r>
+              <a:rPr lang="es-AR" dirty="0">
+                <a:latin typeface="Montserrat Medium" panose="00000600000000000000" pitchFamily="2" charset="0"/>
+              </a:rPr>
+              <a:t> y docentes del curso.</a:t>
+            </a:r>
+          </a:p>
+          <a:p>
+            <a:endParaRPr lang="es-AR" dirty="0">
+              <a:latin typeface="Montserrat Medium" panose="00000600000000000000" pitchFamily="2" charset="0"/>
+            </a:endParaRPr>
+          </a:p>
+          <a:p>
+            <a:r>
+              <a:rPr lang="es-AR" b="1" dirty="0">
+                <a:latin typeface="Montserrat Medium" panose="00000600000000000000" pitchFamily="2" charset="0"/>
+              </a:rPr>
+              <a:t>Coordinación:</a:t>
+            </a:r>
+          </a:p>
+          <a:p>
+            <a:r>
+              <a:rPr lang="es-AR" b="1" dirty="0">
+                <a:latin typeface="Montserrat Medium" panose="00000600000000000000" pitchFamily="2" charset="0"/>
+              </a:rPr>
+              <a:t>Docentes:</a:t>
+            </a:r>
+          </a:p>
+          <a:p>
+            <a:r>
+              <a:rPr lang="es-AR" b="1" dirty="0">
+                <a:latin typeface="Montserrat Medium" panose="00000600000000000000" pitchFamily="2" charset="0"/>
+              </a:rPr>
+              <a:t>Colaboración en desarrollo de contenidos:</a:t>
+            </a:r>
+          </a:p>
+          <a:p>
+            <a:endParaRPr lang="es-AR" dirty="0">
+              <a:latin typeface="Montserrat Medium" panose="00000600000000000000" pitchFamily="2" charset="0"/>
+            </a:endParaRPr>
+          </a:p>
+          <a:p>
+            <a:r>
+              <a:rPr lang="es-AR" dirty="0">
+                <a:latin typeface="Montserrat Medium" panose="00000600000000000000" pitchFamily="2" charset="0"/>
+                <a:hlinkClick r:id="rId2"/>
+              </a:rPr>
+              <a:t>www.ecofeminita.com</a:t>
+            </a:r>
+            <a:endParaRPr lang="es-AR" dirty="0">
+              <a:latin typeface="Montserrat Medium" panose="00000600000000000000" pitchFamily="2" charset="0"/>
+            </a:endParaRPr>
+          </a:p>
+          <a:p>
+            <a:endParaRPr lang="es-AR" dirty="0"/>
+          </a:p>
+          <a:p>
+            <a:endParaRPr lang="es-AR" dirty="0"/>
+          </a:p>
+        </p:txBody>
+      </p:sp>
+      <p:pic>
+        <p:nvPicPr>
+          <p:cNvPr id="4" name="Imagen 3">
+            <a:extLst>
+              <a:ext uri="{FF2B5EF4-FFF2-40B4-BE49-F238E27FC236}">
+                <a16:creationId xmlns:a16="http://schemas.microsoft.com/office/drawing/2014/main" id="{C71AF421-48B8-4890-A741-16BB66336661}"/>
+              </a:ext>
+            </a:extLst>
+          </p:cNvPr>
+          <p:cNvPicPr>
+            <a:picLocks noChangeAspect="1"/>
+          </p:cNvPicPr>
+          <p:nvPr/>
+        </p:nvPicPr>
+        <p:blipFill>
+          <a:blip r:embed="rId3"/>
+          <a:stretch>
+            <a:fillRect/>
+          </a:stretch>
+        </p:blipFill>
+        <p:spPr>
+          <a:xfrm>
+            <a:off x="1242335" y="3200320"/>
+            <a:ext cx="9707330" cy="1066949"/>
+          </a:xfrm>
+          <a:prstGeom prst="rect">
+            <a:avLst/>
+          </a:prstGeom>
+        </p:spPr>
+      </p:pic>
+      <p:pic>
+        <p:nvPicPr>
+          <p:cNvPr id="6" name="Imagen 5">
+            <a:extLst>
+              <a:ext uri="{FF2B5EF4-FFF2-40B4-BE49-F238E27FC236}">
+                <a16:creationId xmlns:a16="http://schemas.microsoft.com/office/drawing/2014/main" id="{44A2B324-3579-4DA7-B826-C8D7D63D2C51}"/>
+              </a:ext>
+            </a:extLst>
+          </p:cNvPr>
+          <p:cNvPicPr>
+            <a:picLocks noChangeAspect="1"/>
+          </p:cNvPicPr>
+          <p:nvPr/>
+        </p:nvPicPr>
+        <p:blipFill>
+          <a:blip r:embed="rId4"/>
+          <a:stretch>
+            <a:fillRect/>
+          </a:stretch>
+        </p:blipFill>
+        <p:spPr>
+          <a:xfrm>
+            <a:off x="1428585" y="4681473"/>
+            <a:ext cx="2362530" cy="924054"/>
+          </a:xfrm>
+          <a:prstGeom prst="rect">
+            <a:avLst/>
+          </a:prstGeom>
+        </p:spPr>
+      </p:pic>
+      <p:sp>
+        <p:nvSpPr>
+          <p:cNvPr id="7" name="CuadroTexto 6">
+            <a:extLst>
+              <a:ext uri="{FF2B5EF4-FFF2-40B4-BE49-F238E27FC236}">
+                <a16:creationId xmlns:a16="http://schemas.microsoft.com/office/drawing/2014/main" id="{AB42758E-6F73-4EBA-92CE-AA5023852AC3}"/>
+              </a:ext>
+            </a:extLst>
+          </p:cNvPr>
+          <p:cNvSpPr txBox="1"/>
+          <p:nvPr/>
+        </p:nvSpPr>
+        <p:spPr>
+          <a:xfrm>
+            <a:off x="3911022" y="4728001"/>
+            <a:ext cx="7218795" cy="830997"/>
+          </a:xfrm>
+          <a:prstGeom prst="rect">
+            <a:avLst/>
+          </a:prstGeom>
+          <a:noFill/>
+        </p:spPr>
+        <p:txBody>
+          <a:bodyPr wrap="square" rtlCol="0">
+            <a:spAutoFit/>
+          </a:bodyPr>
+          <a:lstStyle/>
+          <a:p>
+            <a:r>
+              <a:rPr lang="es-AR" sz="1600" dirty="0">
+                <a:latin typeface="Montserrat Light" panose="00000400000000000000" pitchFamily="2" charset="0"/>
+              </a:rPr>
+              <a:t>Esta obra está bajo una Licencia Creative </a:t>
+            </a:r>
+            <a:r>
+              <a:rPr lang="es-AR" sz="1600" dirty="0" err="1">
+                <a:latin typeface="Montserrat Light" panose="00000400000000000000" pitchFamily="2" charset="0"/>
+              </a:rPr>
+              <a:t>Commons</a:t>
+            </a:r>
+            <a:r>
+              <a:rPr lang="es-AR" sz="1600" dirty="0">
+                <a:latin typeface="Montserrat Light" panose="00000400000000000000" pitchFamily="2" charset="0"/>
+              </a:rPr>
+              <a:t> Atribución – No Comercial – Sin Obra Derivada 4.0 Internacional. No se permite un uso comercial de la obra original ni la generación de obras derivadas.</a:t>
+            </a:r>
+          </a:p>
+        </p:txBody>
+      </p:sp>
+    </p:spTree>
+    <p:extLst>
+      <p:ext uri="{BB962C8B-B14F-4D97-AF65-F5344CB8AC3E}">
+        <p14:creationId xmlns:p14="http://schemas.microsoft.com/office/powerpoint/2010/main" val="325545477"/>
+      </p:ext>
+    </p:extLst>
+  </p:cSld>
+  <p:clrMapOvr>
+    <a:masterClrMapping/>
+  </p:clrMapOvr>
+</p:sld>
+</file>
+
+<file path=ppt/slides/slide3.xml><?xml version="1.0" encoding="utf-8"?>
+<p:sld xmlns:a="http://schemas.openxmlformats.org/drawingml/2006/main" xmlns:r="http://schemas.openxmlformats.org/officeDocument/2006/relationships" xmlns:p="http://schemas.openxmlformats.org/presentationml/2006/main">
+  <p:cSld>
+    <p:spTree>
+      <p:nvGrpSpPr>
+        <p:cNvPr id="1" name=""/>
+        <p:cNvGrpSpPr/>
+        <p:nvPr/>
+      </p:nvGrpSpPr>
+      <p:grpSpPr>
+        <a:xfrm>
+          <a:off x="0" y="0"/>
+          <a:ext cx="0" cy="0"/>
+          <a:chOff x="0" y="0"/>
+          <a:chExt cx="0" cy="0"/>
+        </a:xfrm>
+      </p:grpSpPr>
+      <p:sp>
+        <p:nvSpPr>
+          <p:cNvPr id="2" name="CuadroTexto 1">
+            <a:extLst>
+              <a:ext uri="{FF2B5EF4-FFF2-40B4-BE49-F238E27FC236}">
+                <a16:creationId xmlns:a16="http://schemas.microsoft.com/office/drawing/2014/main" id="{DD088DF5-E662-42BD-866A-1529CC1122BE}"/>
+              </a:ext>
+            </a:extLst>
+          </p:cNvPr>
+          <p:cNvSpPr txBox="1"/>
+          <p:nvPr/>
+        </p:nvSpPr>
+        <p:spPr>
+          <a:xfrm>
+            <a:off x="1440873" y="683491"/>
+            <a:ext cx="6973454" cy="584775"/>
+          </a:xfrm>
+          <a:prstGeom prst="rect">
+            <a:avLst/>
+          </a:prstGeom>
+          <a:noFill/>
+          <a:ln w="6350">
+            <a:noFill/>
+          </a:ln>
+        </p:spPr>
+        <p:txBody>
+          <a:bodyPr wrap="square" rtlCol="0">
+            <a:spAutoFit/>
+          </a:bodyPr>
+          <a:lstStyle/>
+          <a:p>
+            <a:r>
+              <a:rPr lang="es-AR" sz="3200" dirty="0">
+                <a:solidFill>
+                  <a:srgbClr val="E5616E"/>
+                </a:solidFill>
+                <a:latin typeface="Montserrat SemiBold" panose="00000700000000000000" pitchFamily="2" charset="0"/>
+              </a:rPr>
+              <a:t>Objetivos</a:t>
+            </a:r>
+          </a:p>
+        </p:txBody>
+      </p:sp>
+      <p:sp>
+        <p:nvSpPr>
+          <p:cNvPr id="3" name="CuadroTexto 2">
+            <a:extLst>
+              <a:ext uri="{FF2B5EF4-FFF2-40B4-BE49-F238E27FC236}">
+                <a16:creationId xmlns:a16="http://schemas.microsoft.com/office/drawing/2014/main" id="{16BB827D-F64D-4710-A306-30DF6B4F1519}"/>
+              </a:ext>
+            </a:extLst>
+          </p:cNvPr>
+          <p:cNvSpPr txBox="1"/>
+          <p:nvPr/>
+        </p:nvSpPr>
+        <p:spPr>
+          <a:xfrm>
+            <a:off x="1440873" y="1721716"/>
+            <a:ext cx="8709892" cy="4662174"/>
+          </a:xfrm>
+          <a:prstGeom prst="rect">
+            <a:avLst/>
+          </a:prstGeom>
+          <a:noFill/>
+        </p:spPr>
+        <p:txBody>
+          <a:bodyPr wrap="square" rtlCol="0">
+            <a:spAutoFit/>
+          </a:bodyPr>
+          <a:lstStyle/>
+          <a:p>
+            <a:pPr algn="just">
+              <a:lnSpc>
+                <a:spcPct val="150000"/>
+              </a:lnSpc>
+            </a:pPr>
+            <a:r>
+              <a:rPr lang="es-AR" sz="2000" dirty="0">
+                <a:solidFill>
+                  <a:srgbClr val="494949"/>
+                </a:solidFill>
+                <a:latin typeface="Montserrat Medium" panose="00000600000000000000" pitchFamily="2" charset="0"/>
+              </a:rPr>
+              <a:t>El curso propone que </a:t>
+            </a:r>
+            <a:r>
+              <a:rPr lang="es-AR" sz="2000" dirty="0" err="1">
+                <a:solidFill>
+                  <a:srgbClr val="494949"/>
+                </a:solidFill>
+                <a:latin typeface="Montserrat Medium" panose="00000600000000000000" pitchFamily="2" charset="0"/>
+              </a:rPr>
+              <a:t>lxs</a:t>
+            </a:r>
+            <a:r>
+              <a:rPr lang="es-AR" sz="2000" dirty="0">
+                <a:solidFill>
+                  <a:srgbClr val="494949"/>
+                </a:solidFill>
+                <a:latin typeface="Montserrat Medium" panose="00000600000000000000" pitchFamily="2" charset="0"/>
+              </a:rPr>
+              <a:t> </a:t>
+            </a:r>
+            <a:r>
+              <a:rPr lang="es-AR" sz="2000" dirty="0" err="1">
+                <a:solidFill>
+                  <a:srgbClr val="494949"/>
+                </a:solidFill>
+                <a:latin typeface="Montserrat Medium" panose="00000600000000000000" pitchFamily="2" charset="0"/>
+              </a:rPr>
+              <a:t>alumnxs</a:t>
+            </a:r>
+            <a:r>
+              <a:rPr lang="es-AR" sz="2000" dirty="0">
+                <a:solidFill>
+                  <a:srgbClr val="494949"/>
+                </a:solidFill>
+                <a:latin typeface="Montserrat Medium" panose="00000600000000000000" pitchFamily="2" charset="0"/>
+              </a:rPr>
+              <a:t> puedan:</a:t>
+            </a:r>
+          </a:p>
+          <a:p>
+            <a:pPr marL="457200" indent="-457200" algn="just">
+              <a:lnSpc>
+                <a:spcPct val="150000"/>
+              </a:lnSpc>
+              <a:buFont typeface="+mj-lt"/>
+              <a:buAutoNum type="alphaLcPeriod"/>
+            </a:pPr>
+            <a:r>
+              <a:rPr lang="es-AR" dirty="0">
+                <a:solidFill>
+                  <a:srgbClr val="494949"/>
+                </a:solidFill>
+                <a:latin typeface="Montserrat Medium" panose="00000600000000000000" pitchFamily="2" charset="0"/>
+              </a:rPr>
+              <a:t>Introducir y desarrollar los fundamentos conceptuales, teóricos, procedimentales, metodológicos y prácticos para el manejo del programa </a:t>
+            </a:r>
+            <a:r>
+              <a:rPr lang="es-AR" dirty="0" err="1">
+                <a:solidFill>
+                  <a:srgbClr val="494949"/>
+                </a:solidFill>
+                <a:latin typeface="Montserrat Medium" panose="00000600000000000000" pitchFamily="2" charset="0"/>
+              </a:rPr>
+              <a:t>Rstudio</a:t>
+            </a:r>
+            <a:r>
+              <a:rPr lang="es-AR" dirty="0">
+                <a:solidFill>
+                  <a:srgbClr val="494949"/>
+                </a:solidFill>
+                <a:latin typeface="Montserrat Medium" panose="00000600000000000000" pitchFamily="2" charset="0"/>
+              </a:rPr>
+              <a:t>.</a:t>
+            </a:r>
+          </a:p>
+          <a:p>
+            <a:pPr marL="457200" indent="-457200" algn="just">
+              <a:lnSpc>
+                <a:spcPct val="150000"/>
+              </a:lnSpc>
+              <a:buFont typeface="+mj-lt"/>
+              <a:buAutoNum type="alphaLcPeriod"/>
+            </a:pPr>
+            <a:r>
+              <a:rPr lang="es-AR" dirty="0">
+                <a:solidFill>
+                  <a:srgbClr val="494949"/>
+                </a:solidFill>
+                <a:latin typeface="Montserrat Medium" panose="00000600000000000000" pitchFamily="2" charset="0"/>
+              </a:rPr>
+              <a:t>Indagar en las funciones de los paquetes </a:t>
+            </a:r>
+            <a:r>
+              <a:rPr lang="es-AR" i="1" dirty="0" err="1">
+                <a:solidFill>
+                  <a:srgbClr val="494949"/>
+                </a:solidFill>
+                <a:latin typeface="Montserrat Medium" panose="00000600000000000000" pitchFamily="2" charset="0"/>
+              </a:rPr>
+              <a:t>tidyverse</a:t>
+            </a:r>
+            <a:r>
+              <a:rPr lang="es-AR" dirty="0">
+                <a:solidFill>
+                  <a:srgbClr val="494949"/>
+                </a:solidFill>
+                <a:latin typeface="Montserrat Medium" panose="00000600000000000000" pitchFamily="2" charset="0"/>
+              </a:rPr>
+              <a:t> y </a:t>
+            </a:r>
+            <a:r>
+              <a:rPr lang="es-AR" i="1" dirty="0" err="1">
+                <a:solidFill>
+                  <a:srgbClr val="494949"/>
+                </a:solidFill>
+                <a:latin typeface="Montserrat Medium" panose="00000600000000000000" pitchFamily="2" charset="0"/>
+              </a:rPr>
+              <a:t>ggplot</a:t>
+            </a:r>
+            <a:r>
+              <a:rPr lang="es-AR" i="1" dirty="0">
+                <a:solidFill>
+                  <a:srgbClr val="494949"/>
+                </a:solidFill>
+                <a:latin typeface="Montserrat Medium" panose="00000600000000000000" pitchFamily="2" charset="0"/>
+              </a:rPr>
+              <a:t> </a:t>
+            </a:r>
+            <a:r>
+              <a:rPr lang="es-AR" dirty="0">
+                <a:solidFill>
+                  <a:srgbClr val="494949"/>
+                </a:solidFill>
+                <a:latin typeface="Montserrat Medium" panose="00000600000000000000" pitchFamily="2" charset="0"/>
+              </a:rPr>
+              <a:t>para lograr una práctica en el manejo de los datos e información estadística.</a:t>
+            </a:r>
+          </a:p>
+          <a:p>
+            <a:pPr marL="457200" indent="-457200" algn="just">
+              <a:lnSpc>
+                <a:spcPct val="150000"/>
+              </a:lnSpc>
+              <a:buFont typeface="+mj-lt"/>
+              <a:buAutoNum type="alphaLcPeriod"/>
+            </a:pPr>
+            <a:r>
+              <a:rPr lang="es-AR" dirty="0">
+                <a:solidFill>
+                  <a:srgbClr val="494949"/>
+                </a:solidFill>
+                <a:latin typeface="Montserrat Medium" panose="00000600000000000000" pitchFamily="2" charset="0"/>
+              </a:rPr>
+              <a:t>Desarrollar capacidades para importar, ordenar, transformar, visualizar, y comunicar datos.</a:t>
+            </a:r>
+          </a:p>
+          <a:p>
+            <a:pPr marL="457200" indent="-457200" algn="just">
+              <a:lnSpc>
+                <a:spcPct val="150000"/>
+              </a:lnSpc>
+              <a:buFont typeface="+mj-lt"/>
+              <a:buAutoNum type="alphaLcPeriod"/>
+            </a:pPr>
+            <a:r>
+              <a:rPr lang="es-AR" dirty="0">
+                <a:solidFill>
+                  <a:srgbClr val="494949"/>
+                </a:solidFill>
+                <a:latin typeface="Montserrat Medium" panose="00000600000000000000" pitchFamily="2" charset="0"/>
+              </a:rPr>
+              <a:t>Diseñar e implementar un informe que articule los conocimientos adquiridos dentro del espacio.</a:t>
+            </a:r>
+          </a:p>
+        </p:txBody>
+      </p:sp>
+      <p:cxnSp>
+        <p:nvCxnSpPr>
+          <p:cNvPr id="5" name="Conector recto 4">
+            <a:extLst>
+              <a:ext uri="{FF2B5EF4-FFF2-40B4-BE49-F238E27FC236}">
+                <a16:creationId xmlns:a16="http://schemas.microsoft.com/office/drawing/2014/main" id="{736FCD81-F08A-47E6-B834-76BCCAB87816}"/>
+              </a:ext>
+            </a:extLst>
+          </p:cNvPr>
+          <p:cNvCxnSpPr>
+            <a:cxnSpLocks/>
+          </p:cNvCxnSpPr>
+          <p:nvPr/>
+        </p:nvCxnSpPr>
+        <p:spPr>
+          <a:xfrm>
+            <a:off x="1440873" y="1295400"/>
+            <a:ext cx="6512502" cy="0"/>
+          </a:xfrm>
+          <a:prstGeom prst="line">
+            <a:avLst/>
+          </a:prstGeom>
+          <a:ln>
+            <a:solidFill>
+              <a:srgbClr val="E5616E"/>
+            </a:solidFill>
+          </a:ln>
+        </p:spPr>
+        <p:style>
+          <a:lnRef idx="1">
+            <a:schemeClr val="accent1"/>
+          </a:lnRef>
+          <a:fillRef idx="0">
+            <a:schemeClr val="accent1"/>
+          </a:fillRef>
+          <a:effectRef idx="0">
+            <a:schemeClr val="accent1"/>
+          </a:effectRef>
+          <a:fontRef idx="minor">
+            <a:schemeClr val="tx1"/>
+          </a:fontRef>
+        </p:style>
+      </p:cxnSp>
+    </p:spTree>
+    <p:extLst>
+      <p:ext uri="{BB962C8B-B14F-4D97-AF65-F5344CB8AC3E}">
+        <p14:creationId xmlns:p14="http://schemas.microsoft.com/office/powerpoint/2010/main" val="1344919813"/>
+      </p:ext>
+    </p:extLst>
+  </p:cSld>
+  <p:clrMapOvr>
+    <a:masterClrMapping/>
+  </p:clrMapOvr>
+</p:sld>
+</file>
+
+<file path=ppt/slides/slide4.xml><?xml version="1.0" encoding="utf-8"?>
+<p:sld xmlns:a="http://schemas.openxmlformats.org/drawingml/2006/main" xmlns:r="http://schemas.openxmlformats.org/officeDocument/2006/relationships" xmlns:p="http://schemas.openxmlformats.org/presentationml/2006/main">
+  <p:cSld>
+    <p:spTree>
+      <p:nvGrpSpPr>
+        <p:cNvPr id="1" name=""/>
+        <p:cNvGrpSpPr/>
+        <p:nvPr/>
+      </p:nvGrpSpPr>
+      <p:grpSpPr>
+        <a:xfrm>
+          <a:off x="0" y="0"/>
+          <a:ext cx="0" cy="0"/>
+          <a:chOff x="0" y="0"/>
+          <a:chExt cx="0" cy="0"/>
+        </a:xfrm>
+      </p:grpSpPr>
+      <p:sp>
+        <p:nvSpPr>
+          <p:cNvPr id="2" name="CuadroTexto 1">
+            <a:extLst>
+              <a:ext uri="{FF2B5EF4-FFF2-40B4-BE49-F238E27FC236}">
+                <a16:creationId xmlns:a16="http://schemas.microsoft.com/office/drawing/2014/main" id="{DD088DF5-E662-42BD-866A-1529CC1122BE}"/>
+              </a:ext>
+            </a:extLst>
+          </p:cNvPr>
+          <p:cNvSpPr txBox="1"/>
+          <p:nvPr/>
+        </p:nvSpPr>
+        <p:spPr>
+          <a:xfrm>
+            <a:off x="1440873" y="683491"/>
+            <a:ext cx="6973454" cy="584775"/>
+          </a:xfrm>
+          <a:prstGeom prst="rect">
+            <a:avLst/>
+          </a:prstGeom>
+          <a:noFill/>
+          <a:ln w="6350">
+            <a:noFill/>
+          </a:ln>
+        </p:spPr>
+        <p:txBody>
+          <a:bodyPr wrap="square" rtlCol="0">
+            <a:spAutoFit/>
+          </a:bodyPr>
+          <a:lstStyle/>
+          <a:p>
+            <a:r>
+              <a:rPr lang="es-AR" sz="3200" dirty="0">
+                <a:solidFill>
+                  <a:srgbClr val="494949"/>
+                </a:solidFill>
+                <a:latin typeface="Montserrat SemiBold" panose="00000700000000000000" pitchFamily="2" charset="0"/>
+              </a:rPr>
+              <a:t>¿Qué es </a:t>
+            </a:r>
+            <a:r>
+              <a:rPr lang="es-AR" sz="3200" dirty="0">
+                <a:solidFill>
+                  <a:srgbClr val="E5616E"/>
+                </a:solidFill>
+                <a:latin typeface="Montserrat SemiBold" panose="00000700000000000000" pitchFamily="2" charset="0"/>
+              </a:rPr>
+              <a:t>R</a:t>
+            </a:r>
+            <a:r>
+              <a:rPr lang="es-AR" sz="3200" dirty="0">
+                <a:solidFill>
+                  <a:srgbClr val="494949"/>
+                </a:solidFill>
+                <a:latin typeface="Montserrat SemiBold" panose="00000700000000000000" pitchFamily="2" charset="0"/>
+              </a:rPr>
+              <a:t>?</a:t>
+            </a:r>
+          </a:p>
+        </p:txBody>
+      </p:sp>
+      <p:sp>
+        <p:nvSpPr>
+          <p:cNvPr id="3" name="CuadroTexto 2">
+            <a:extLst>
+              <a:ext uri="{FF2B5EF4-FFF2-40B4-BE49-F238E27FC236}">
+                <a16:creationId xmlns:a16="http://schemas.microsoft.com/office/drawing/2014/main" id="{16BB827D-F64D-4710-A306-30DF6B4F1519}"/>
+              </a:ext>
+            </a:extLst>
+          </p:cNvPr>
+          <p:cNvSpPr txBox="1"/>
+          <p:nvPr/>
+        </p:nvSpPr>
+        <p:spPr>
+          <a:xfrm>
+            <a:off x="1440873" y="1721716"/>
+            <a:ext cx="8709892" cy="4195251"/>
+          </a:xfrm>
+          <a:prstGeom prst="rect">
+            <a:avLst/>
+          </a:prstGeom>
+          <a:noFill/>
+        </p:spPr>
+        <p:txBody>
+          <a:bodyPr wrap="square" rtlCol="0">
+            <a:spAutoFit/>
+          </a:bodyPr>
+          <a:lstStyle/>
+          <a:p>
+            <a:pPr marL="342900" indent="-342900" algn="just">
+              <a:lnSpc>
+                <a:spcPct val="150000"/>
+              </a:lnSpc>
+              <a:buFont typeface="Arial" panose="020B0604020202020204" pitchFamily="34" charset="0"/>
+              <a:buChar char="•"/>
+            </a:pPr>
+            <a:r>
+              <a:rPr lang="es-AR" sz="2000" dirty="0">
+                <a:solidFill>
+                  <a:srgbClr val="494949"/>
+                </a:solidFill>
+                <a:latin typeface="Montserrat Medium" panose="00000600000000000000" pitchFamily="2" charset="0"/>
+              </a:rPr>
+              <a:t>R es un </a:t>
+            </a:r>
+            <a:r>
+              <a:rPr lang="es-AR" sz="2000" u="sng" dirty="0">
+                <a:solidFill>
+                  <a:srgbClr val="494949"/>
+                </a:solidFill>
+                <a:latin typeface="Montserrat Medium" panose="00000600000000000000" pitchFamily="2" charset="0"/>
+              </a:rPr>
+              <a:t>lenguaje de programación</a:t>
+            </a:r>
+            <a:r>
+              <a:rPr lang="es-AR" sz="2000" dirty="0">
+                <a:solidFill>
+                  <a:srgbClr val="494949"/>
+                </a:solidFill>
+                <a:latin typeface="Montserrat Medium" panose="00000600000000000000" pitchFamily="2" charset="0"/>
+              </a:rPr>
+              <a:t> especializado en </a:t>
+            </a:r>
+            <a:r>
+              <a:rPr lang="es-AR" sz="2000" b="1" dirty="0">
+                <a:solidFill>
+                  <a:srgbClr val="494949"/>
+                </a:solidFill>
+                <a:latin typeface="Montserrat Medium" panose="00000600000000000000" pitchFamily="2" charset="0"/>
+              </a:rPr>
+              <a:t>análisis</a:t>
+            </a:r>
+            <a:r>
+              <a:rPr lang="es-AR" sz="2000" dirty="0">
+                <a:solidFill>
+                  <a:srgbClr val="494949"/>
+                </a:solidFill>
+                <a:latin typeface="Montserrat Medium" panose="00000600000000000000" pitchFamily="2" charset="0"/>
+              </a:rPr>
+              <a:t> y </a:t>
+            </a:r>
+            <a:r>
+              <a:rPr lang="es-AR" sz="2000" b="1" dirty="0">
+                <a:solidFill>
+                  <a:srgbClr val="494949"/>
+                </a:solidFill>
+                <a:latin typeface="Montserrat Medium" panose="00000600000000000000" pitchFamily="2" charset="0"/>
+              </a:rPr>
+              <a:t>visualización</a:t>
+            </a:r>
+            <a:r>
+              <a:rPr lang="es-AR" sz="2000" dirty="0">
+                <a:solidFill>
+                  <a:srgbClr val="494949"/>
+                </a:solidFill>
+                <a:latin typeface="Montserrat Medium" panose="00000600000000000000" pitchFamily="2" charset="0"/>
+              </a:rPr>
+              <a:t> de datos. </a:t>
+            </a:r>
+          </a:p>
+          <a:p>
+            <a:pPr marL="285750" indent="-285750" algn="just">
+              <a:lnSpc>
+                <a:spcPct val="150000"/>
+              </a:lnSpc>
+              <a:buFont typeface="Arial" panose="020B0604020202020204" pitchFamily="34" charset="0"/>
+              <a:buChar char="•"/>
+            </a:pPr>
+            <a:r>
+              <a:rPr lang="es-AR" sz="2000" dirty="0">
+                <a:solidFill>
+                  <a:srgbClr val="494949"/>
+                </a:solidFill>
+                <a:latin typeface="Montserrat Medium" panose="00000600000000000000" pitchFamily="2" charset="0"/>
+              </a:rPr>
+              <a:t>Es un producto de </a:t>
+            </a:r>
+            <a:r>
+              <a:rPr lang="es-AR" sz="2000" u="sng" dirty="0">
+                <a:solidFill>
+                  <a:srgbClr val="494949"/>
+                </a:solidFill>
+                <a:latin typeface="Montserrat Medium" panose="00000600000000000000" pitchFamily="2" charset="0"/>
+              </a:rPr>
+              <a:t>código abierto</a:t>
+            </a:r>
+            <a:r>
+              <a:rPr lang="es-AR" sz="2000" dirty="0">
+                <a:solidFill>
+                  <a:srgbClr val="494949"/>
+                </a:solidFill>
+                <a:latin typeface="Montserrat Medium" panose="00000600000000000000" pitchFamily="2" charset="0"/>
+              </a:rPr>
+              <a:t>! Cualquier persona puede usarlo y modificarlo sin pagar licencias ni costos de adquisición.</a:t>
+            </a:r>
+          </a:p>
+          <a:p>
+            <a:pPr marL="285750" indent="-285750" algn="just">
+              <a:lnSpc>
+                <a:spcPct val="150000"/>
+              </a:lnSpc>
+              <a:buFont typeface="Arial" panose="020B0604020202020204" pitchFamily="34" charset="0"/>
+              <a:buChar char="•"/>
+            </a:pPr>
+            <a:r>
+              <a:rPr lang="es-AR" sz="2000" dirty="0">
+                <a:solidFill>
+                  <a:srgbClr val="494949"/>
+                </a:solidFill>
+                <a:latin typeface="Montserrat Medium" panose="00000600000000000000" pitchFamily="2" charset="0"/>
+              </a:rPr>
+              <a:t>Además del lenguaje en sí (</a:t>
+            </a:r>
+            <a:r>
+              <a:rPr lang="es-AR" sz="2000" b="1" dirty="0">
+                <a:solidFill>
+                  <a:srgbClr val="494949"/>
+                </a:solidFill>
+                <a:latin typeface="Montserrat Medium" panose="00000600000000000000" pitchFamily="2" charset="0"/>
+              </a:rPr>
+              <a:t>R base </a:t>
+            </a:r>
+            <a:r>
+              <a:rPr lang="es-AR" sz="2000" dirty="0">
+                <a:solidFill>
+                  <a:srgbClr val="494949"/>
+                </a:solidFill>
+                <a:latin typeface="Montserrat Medium" panose="00000600000000000000" pitchFamily="2" charset="0"/>
+              </a:rPr>
+              <a:t>- sintaxis básica), se pueden incorporar cientos de librerías (o </a:t>
+            </a:r>
+            <a:r>
+              <a:rPr lang="es-AR" sz="2000" b="1" dirty="0">
+                <a:solidFill>
+                  <a:srgbClr val="494949"/>
+                </a:solidFill>
+                <a:latin typeface="Montserrat Medium" panose="00000600000000000000" pitchFamily="2" charset="0"/>
+              </a:rPr>
+              <a:t>paquetes</a:t>
+            </a:r>
+            <a:r>
+              <a:rPr lang="es-AR" sz="2000" dirty="0">
+                <a:solidFill>
+                  <a:srgbClr val="494949"/>
+                </a:solidFill>
+                <a:latin typeface="Montserrat Medium" panose="00000600000000000000" pitchFamily="2" charset="0"/>
+              </a:rPr>
+              <a:t>) con distintas funciones desarrolladas por les usuaries.</a:t>
+            </a:r>
+          </a:p>
+          <a:p>
+            <a:pPr marL="285750" indent="-285750" algn="just">
+              <a:lnSpc>
+                <a:spcPct val="150000"/>
+              </a:lnSpc>
+              <a:buFont typeface="Arial" panose="020B0604020202020204" pitchFamily="34" charset="0"/>
+              <a:buChar char="•"/>
+            </a:pPr>
+            <a:r>
+              <a:rPr lang="es-AR" sz="2000" dirty="0">
+                <a:solidFill>
+                  <a:srgbClr val="494949"/>
+                </a:solidFill>
+                <a:latin typeface="Montserrat Medium" panose="00000600000000000000" pitchFamily="2" charset="0"/>
+              </a:rPr>
+              <a:t>Existe una </a:t>
+            </a:r>
+            <a:r>
+              <a:rPr lang="es-AR" sz="2000" u="sng" dirty="0">
+                <a:solidFill>
+                  <a:srgbClr val="494949"/>
+                </a:solidFill>
+                <a:latin typeface="Montserrat Medium" panose="00000600000000000000" pitchFamily="2" charset="0"/>
+              </a:rPr>
+              <a:t>comunidad</a:t>
+            </a:r>
+            <a:r>
+              <a:rPr lang="es-AR" sz="2000" dirty="0">
+                <a:solidFill>
+                  <a:srgbClr val="494949"/>
+                </a:solidFill>
+                <a:latin typeface="Montserrat Medium" panose="00000600000000000000" pitchFamily="2" charset="0"/>
+              </a:rPr>
+              <a:t> muy grande para realizar preguntas y despejar dudas (aprender cómo googlear!).</a:t>
+            </a:r>
+          </a:p>
+        </p:txBody>
+      </p:sp>
+      <p:cxnSp>
+        <p:nvCxnSpPr>
+          <p:cNvPr id="5" name="Conector recto 4">
+            <a:extLst>
+              <a:ext uri="{FF2B5EF4-FFF2-40B4-BE49-F238E27FC236}">
+                <a16:creationId xmlns:a16="http://schemas.microsoft.com/office/drawing/2014/main" id="{736FCD81-F08A-47E6-B834-76BCCAB87816}"/>
+              </a:ext>
+            </a:extLst>
+          </p:cNvPr>
+          <p:cNvCxnSpPr>
+            <a:cxnSpLocks/>
+          </p:cNvCxnSpPr>
+          <p:nvPr/>
+        </p:nvCxnSpPr>
+        <p:spPr>
+          <a:xfrm>
+            <a:off x="1440873" y="1295400"/>
+            <a:ext cx="6512502" cy="0"/>
+          </a:xfrm>
+          <a:prstGeom prst="line">
+            <a:avLst/>
+          </a:prstGeom>
+          <a:ln>
+            <a:solidFill>
+              <a:srgbClr val="E5616E"/>
+            </a:solidFill>
+          </a:ln>
+        </p:spPr>
+        <p:style>
+          <a:lnRef idx="1">
+            <a:schemeClr val="accent1"/>
+          </a:lnRef>
+          <a:fillRef idx="0">
+            <a:schemeClr val="accent1"/>
+          </a:fillRef>
+          <a:effectRef idx="0">
+            <a:schemeClr val="accent1"/>
+          </a:effectRef>
+          <a:fontRef idx="minor">
+            <a:schemeClr val="tx1"/>
+          </a:fontRef>
+        </p:style>
+      </p:cxnSp>
+    </p:spTree>
+    <p:extLst>
+      <p:ext uri="{BB962C8B-B14F-4D97-AF65-F5344CB8AC3E}">
+        <p14:creationId xmlns:p14="http://schemas.microsoft.com/office/powerpoint/2010/main" val="2339600647"/>
+      </p:ext>
+    </p:extLst>
+  </p:cSld>
+  <p:clrMapOvr>
+    <a:masterClrMapping/>
+  </p:clrMapOvr>
+</p:sld>
+</file>
+
+<file path=ppt/slides/slide5.xml><?xml version="1.0" encoding="utf-8"?>
+<p:sld xmlns:a="http://schemas.openxmlformats.org/drawingml/2006/main" xmlns:r="http://schemas.openxmlformats.org/officeDocument/2006/relationships" xmlns:p="http://schemas.openxmlformats.org/presentationml/2006/main">
+  <p:cSld>
+    <p:spTree>
+      <p:nvGrpSpPr>
+        <p:cNvPr id="1" name=""/>
+        <p:cNvGrpSpPr/>
+        <p:nvPr/>
+      </p:nvGrpSpPr>
+      <p:grpSpPr>
+        <a:xfrm>
+          <a:off x="0" y="0"/>
+          <a:ext cx="0" cy="0"/>
+          <a:chOff x="0" y="0"/>
+          <a:chExt cx="0" cy="0"/>
+        </a:xfrm>
+      </p:grpSpPr>
+      <p:sp>
+        <p:nvSpPr>
+          <p:cNvPr id="2" name="CuadroTexto 1">
+            <a:extLst>
+              <a:ext uri="{FF2B5EF4-FFF2-40B4-BE49-F238E27FC236}">
+                <a16:creationId xmlns:a16="http://schemas.microsoft.com/office/drawing/2014/main" id="{DD088DF5-E662-42BD-866A-1529CC1122BE}"/>
+              </a:ext>
+            </a:extLst>
+          </p:cNvPr>
+          <p:cNvSpPr txBox="1"/>
+          <p:nvPr/>
+        </p:nvSpPr>
+        <p:spPr>
+          <a:xfrm>
+            <a:off x="1440872" y="508001"/>
+            <a:ext cx="9171710" cy="1077218"/>
+          </a:xfrm>
+          <a:prstGeom prst="rect">
+            <a:avLst/>
+          </a:prstGeom>
+          <a:noFill/>
+          <a:ln w="6350">
+            <a:noFill/>
+          </a:ln>
+        </p:spPr>
+        <p:txBody>
+          <a:bodyPr wrap="square" rtlCol="0">
+            <a:spAutoFit/>
+          </a:bodyPr>
+          <a:lstStyle/>
+          <a:p>
+            <a:r>
+              <a:rPr lang="es-AR" sz="3200" dirty="0">
+                <a:solidFill>
+                  <a:srgbClr val="494949"/>
+                </a:solidFill>
+                <a:latin typeface="Montserrat SemiBold" panose="00000700000000000000" pitchFamily="2" charset="0"/>
+              </a:rPr>
+              <a:t>Crecimiento de la </a:t>
+            </a:r>
+            <a:r>
+              <a:rPr lang="es-AR" sz="3200" dirty="0">
+                <a:solidFill>
+                  <a:srgbClr val="E5616E"/>
+                </a:solidFill>
+                <a:latin typeface="Montserrat SemiBold" panose="00000700000000000000" pitchFamily="2" charset="0"/>
+              </a:rPr>
+              <a:t>cantidad de datos </a:t>
+            </a:r>
+            <a:r>
+              <a:rPr lang="es-AR" sz="3200" dirty="0">
+                <a:solidFill>
+                  <a:srgbClr val="494949"/>
+                </a:solidFill>
+                <a:latin typeface="Montserrat SemiBold" panose="00000700000000000000" pitchFamily="2" charset="0"/>
+              </a:rPr>
+              <a:t>y la </a:t>
+            </a:r>
+            <a:r>
+              <a:rPr lang="es-AR" sz="3200" dirty="0">
+                <a:solidFill>
+                  <a:srgbClr val="E5616E"/>
+                </a:solidFill>
+                <a:latin typeface="Montserrat SemiBold" panose="00000700000000000000" pitchFamily="2" charset="0"/>
+              </a:rPr>
+              <a:t>capacidad para procesarlos</a:t>
+            </a:r>
+          </a:p>
+        </p:txBody>
+      </p:sp>
+      <p:sp>
+        <p:nvSpPr>
+          <p:cNvPr id="3" name="CuadroTexto 2">
+            <a:extLst>
+              <a:ext uri="{FF2B5EF4-FFF2-40B4-BE49-F238E27FC236}">
+                <a16:creationId xmlns:a16="http://schemas.microsoft.com/office/drawing/2014/main" id="{16BB827D-F64D-4710-A306-30DF6B4F1519}"/>
+              </a:ext>
+            </a:extLst>
+          </p:cNvPr>
+          <p:cNvSpPr txBox="1"/>
+          <p:nvPr/>
+        </p:nvSpPr>
+        <p:spPr>
+          <a:xfrm>
+            <a:off x="1440873" y="1869497"/>
+            <a:ext cx="8709892" cy="3733586"/>
+          </a:xfrm>
+          <a:prstGeom prst="rect">
+            <a:avLst/>
+          </a:prstGeom>
+          <a:noFill/>
+        </p:spPr>
+        <p:txBody>
+          <a:bodyPr wrap="square" rtlCol="0">
+            <a:spAutoFit/>
+          </a:bodyPr>
+          <a:lstStyle/>
+          <a:p>
+            <a:pPr marL="285750" indent="-285750" algn="just">
+              <a:lnSpc>
+                <a:spcPct val="150000"/>
+              </a:lnSpc>
+              <a:buFont typeface="Arial" panose="020B0604020202020204" pitchFamily="34" charset="0"/>
+              <a:buChar char="•"/>
+            </a:pPr>
+            <a:r>
+              <a:rPr lang="es-AR" sz="2000" dirty="0">
+                <a:solidFill>
+                  <a:srgbClr val="494949"/>
+                </a:solidFill>
+                <a:latin typeface="Montserrat Medium" panose="00000600000000000000" pitchFamily="2" charset="0"/>
+              </a:rPr>
+              <a:t>Crecimiento exponencial de la cantidad de datos que se </a:t>
+            </a:r>
+            <a:r>
+              <a:rPr lang="es-AR" sz="2000" u="sng" dirty="0">
+                <a:solidFill>
+                  <a:srgbClr val="494949"/>
+                </a:solidFill>
+                <a:latin typeface="Montserrat Medium" panose="00000600000000000000" pitchFamily="2" charset="0"/>
+              </a:rPr>
+              <a:t>recolectan y almacenan</a:t>
+            </a:r>
+            <a:r>
+              <a:rPr lang="es-AR" sz="2000" dirty="0">
+                <a:solidFill>
+                  <a:srgbClr val="494949"/>
+                </a:solidFill>
+                <a:latin typeface="Montserrat Medium" panose="00000600000000000000" pitchFamily="2" charset="0"/>
+              </a:rPr>
+              <a:t>, así como también de las </a:t>
+            </a:r>
+            <a:r>
+              <a:rPr lang="es-AR" sz="2000" u="sng" dirty="0">
+                <a:solidFill>
+                  <a:srgbClr val="494949"/>
+                </a:solidFill>
+                <a:latin typeface="Montserrat Medium" panose="00000600000000000000" pitchFamily="2" charset="0"/>
+              </a:rPr>
+              <a:t>capacidades para procesarlos</a:t>
+            </a:r>
+            <a:r>
+              <a:rPr lang="es-AR" sz="2000" dirty="0">
+                <a:solidFill>
+                  <a:srgbClr val="494949"/>
+                </a:solidFill>
+                <a:latin typeface="Montserrat Medium" panose="00000600000000000000" pitchFamily="2" charset="0"/>
+              </a:rPr>
+              <a:t>. </a:t>
+            </a:r>
+          </a:p>
+          <a:p>
+            <a:pPr marL="285750" indent="-285750" algn="just">
+              <a:lnSpc>
+                <a:spcPct val="150000"/>
+              </a:lnSpc>
+              <a:buFont typeface="Arial" panose="020B0604020202020204" pitchFamily="34" charset="0"/>
+              <a:buChar char="•"/>
+            </a:pPr>
+            <a:r>
+              <a:rPr lang="es-AR" sz="2000" dirty="0">
+                <a:solidFill>
+                  <a:srgbClr val="494949"/>
+                </a:solidFill>
+                <a:latin typeface="Montserrat Medium" panose="00000600000000000000" pitchFamily="2" charset="0"/>
+              </a:rPr>
+              <a:t>Distinguir los </a:t>
+            </a:r>
+            <a:r>
+              <a:rPr lang="es-AR" sz="2000" b="1" dirty="0">
+                <a:solidFill>
+                  <a:srgbClr val="494949"/>
+                </a:solidFill>
+                <a:latin typeface="Montserrat Medium" panose="00000600000000000000" pitchFamily="2" charset="0"/>
+              </a:rPr>
+              <a:t>datos</a:t>
+            </a:r>
+            <a:r>
+              <a:rPr lang="es-AR" sz="2000" dirty="0">
+                <a:solidFill>
+                  <a:srgbClr val="494949"/>
+                </a:solidFill>
+                <a:latin typeface="Montserrat Medium" panose="00000600000000000000" pitchFamily="2" charset="0"/>
+              </a:rPr>
+              <a:t> (información de que algo sucedió) de los </a:t>
+            </a:r>
+            <a:r>
+              <a:rPr lang="es-AR" sz="2000" b="1" dirty="0">
+                <a:solidFill>
+                  <a:srgbClr val="494949"/>
+                </a:solidFill>
+                <a:latin typeface="Montserrat Medium" panose="00000600000000000000" pitchFamily="2" charset="0"/>
+              </a:rPr>
+              <a:t>conocimiento</a:t>
+            </a:r>
+            <a:r>
+              <a:rPr lang="es-AR" sz="2000" dirty="0">
+                <a:solidFill>
+                  <a:srgbClr val="494949"/>
+                </a:solidFill>
+                <a:latin typeface="Montserrat Medium" panose="00000600000000000000" pitchFamily="2" charset="0"/>
+              </a:rPr>
+              <a:t> (información acerca de por qué algo sucedió).</a:t>
+            </a:r>
+          </a:p>
+          <a:p>
+            <a:pPr marL="285750" indent="-285750" algn="just">
+              <a:lnSpc>
+                <a:spcPct val="150000"/>
+              </a:lnSpc>
+              <a:buFont typeface="Arial" panose="020B0604020202020204" pitchFamily="34" charset="0"/>
+              <a:buChar char="•"/>
+            </a:pPr>
+            <a:r>
+              <a:rPr lang="es-AR" sz="2000" dirty="0">
+                <a:solidFill>
+                  <a:srgbClr val="494949"/>
+                </a:solidFill>
+                <a:latin typeface="Montserrat Medium" panose="00000600000000000000" pitchFamily="2" charset="0"/>
+              </a:rPr>
+              <a:t>Nosotras vamos a usar R para </a:t>
+            </a:r>
+            <a:r>
+              <a:rPr lang="es-AR" sz="2000" u="sng" dirty="0">
+                <a:solidFill>
+                  <a:srgbClr val="494949"/>
+                </a:solidFill>
+                <a:latin typeface="Montserrat Medium" panose="00000600000000000000" pitchFamily="2" charset="0"/>
+              </a:rPr>
+              <a:t>explotar datos y extraer conocimientos</a:t>
+            </a:r>
+            <a:r>
+              <a:rPr lang="es-AR" sz="2000" dirty="0">
+                <a:solidFill>
+                  <a:srgbClr val="494949"/>
+                </a:solidFill>
+                <a:latin typeface="Montserrat Medium" panose="00000600000000000000" pitchFamily="2" charset="0"/>
+              </a:rPr>
+              <a:t>.</a:t>
+            </a:r>
+          </a:p>
+          <a:p>
+            <a:pPr marL="285750" indent="-285750" algn="just">
+              <a:lnSpc>
+                <a:spcPct val="150000"/>
+              </a:lnSpc>
+              <a:buFont typeface="Arial" panose="020B0604020202020204" pitchFamily="34" charset="0"/>
+              <a:buChar char="•"/>
+            </a:pPr>
+            <a:endParaRPr lang="es-AR" sz="2000" dirty="0">
+              <a:solidFill>
+                <a:srgbClr val="494949"/>
+              </a:solidFill>
+              <a:latin typeface="Montserrat Medium" panose="00000600000000000000" pitchFamily="2" charset="0"/>
+            </a:endParaRPr>
+          </a:p>
+        </p:txBody>
+      </p:sp>
+      <p:cxnSp>
+        <p:nvCxnSpPr>
+          <p:cNvPr id="5" name="Conector recto 4">
+            <a:extLst>
+              <a:ext uri="{FF2B5EF4-FFF2-40B4-BE49-F238E27FC236}">
+                <a16:creationId xmlns:a16="http://schemas.microsoft.com/office/drawing/2014/main" id="{736FCD81-F08A-47E6-B834-76BCCAB87816}"/>
+              </a:ext>
+            </a:extLst>
+          </p:cNvPr>
+          <p:cNvCxnSpPr>
+            <a:cxnSpLocks/>
+          </p:cNvCxnSpPr>
+          <p:nvPr/>
+        </p:nvCxnSpPr>
+        <p:spPr>
+          <a:xfrm>
+            <a:off x="1440873" y="1581725"/>
+            <a:ext cx="6512502" cy="0"/>
+          </a:xfrm>
+          <a:prstGeom prst="line">
+            <a:avLst/>
+          </a:prstGeom>
+          <a:ln>
+            <a:solidFill>
+              <a:srgbClr val="E5616E"/>
+            </a:solidFill>
+          </a:ln>
+        </p:spPr>
+        <p:style>
+          <a:lnRef idx="1">
+            <a:schemeClr val="accent1"/>
+          </a:lnRef>
+          <a:fillRef idx="0">
+            <a:schemeClr val="accent1"/>
+          </a:fillRef>
+          <a:effectRef idx="0">
+            <a:schemeClr val="accent1"/>
+          </a:effectRef>
+          <a:fontRef idx="minor">
+            <a:schemeClr val="tx1"/>
+          </a:fontRef>
+        </p:style>
+      </p:cxnSp>
+    </p:spTree>
+    <p:extLst>
+      <p:ext uri="{BB962C8B-B14F-4D97-AF65-F5344CB8AC3E}">
+        <p14:creationId xmlns:p14="http://schemas.microsoft.com/office/powerpoint/2010/main" val="2621735742"/>
+      </p:ext>
+    </p:extLst>
+  </p:cSld>
+  <p:clrMapOvr>
+    <a:masterClrMapping/>
+  </p:clrMapOvr>
+</p:sld>
+</file>
+
+<file path=ppt/slides/slide6.xml><?xml version="1.0" encoding="utf-8"?>
+<p:sld xmlns:a="http://schemas.openxmlformats.org/drawingml/2006/main" xmlns:r="http://schemas.openxmlformats.org/officeDocument/2006/relationships" xmlns:p="http://schemas.openxmlformats.org/presentationml/2006/main">
+  <p:cSld>
+    <p:spTree>
+      <p:nvGrpSpPr>
+        <p:cNvPr id="1" name=""/>
+        <p:cNvGrpSpPr/>
+        <p:nvPr/>
+      </p:nvGrpSpPr>
+      <p:grpSpPr>
+        <a:xfrm>
+          <a:off x="0" y="0"/>
+          <a:ext cx="0" cy="0"/>
+          <a:chOff x="0" y="0"/>
+          <a:chExt cx="0" cy="0"/>
+        </a:xfrm>
+      </p:grpSpPr>
+      <p:sp>
+        <p:nvSpPr>
+          <p:cNvPr id="2" name="CuadroTexto 1">
+            <a:extLst>
+              <a:ext uri="{FF2B5EF4-FFF2-40B4-BE49-F238E27FC236}">
+                <a16:creationId xmlns:a16="http://schemas.microsoft.com/office/drawing/2014/main" id="{DD088DF5-E662-42BD-866A-1529CC1122BE}"/>
+              </a:ext>
+            </a:extLst>
+          </p:cNvPr>
+          <p:cNvSpPr txBox="1"/>
+          <p:nvPr/>
+        </p:nvSpPr>
+        <p:spPr>
+          <a:xfrm>
+            <a:off x="1440873" y="683491"/>
+            <a:ext cx="6973454" cy="2862322"/>
+          </a:xfrm>
+          <a:prstGeom prst="rect">
+            <a:avLst/>
+          </a:prstGeom>
+          <a:noFill/>
+          <a:ln w="6350">
+            <a:noFill/>
+          </a:ln>
+        </p:spPr>
+        <p:txBody>
+          <a:bodyPr wrap="square" rtlCol="0">
+            <a:spAutoFit/>
+          </a:bodyPr>
+          <a:lstStyle/>
+          <a:p>
+            <a:r>
+              <a:rPr lang="es-AR" sz="6000" dirty="0">
+                <a:solidFill>
+                  <a:srgbClr val="494949"/>
+                </a:solidFill>
+                <a:latin typeface="Montserrat ExtraBold" panose="00000900000000000000" pitchFamily="2" charset="0"/>
+              </a:rPr>
+              <a:t>Datos</a:t>
+            </a:r>
+            <a:r>
+              <a:rPr lang="es-AR" sz="6000" dirty="0">
+                <a:solidFill>
+                  <a:srgbClr val="E5616E"/>
+                </a:solidFill>
+                <a:latin typeface="Montserrat ExtraBold" panose="00000900000000000000" pitchFamily="2" charset="0"/>
+              </a:rPr>
+              <a:t> con perspectiva feminista</a:t>
+            </a:r>
+          </a:p>
+        </p:txBody>
+      </p:sp>
+      <p:cxnSp>
+        <p:nvCxnSpPr>
+          <p:cNvPr id="5" name="Conector recto 4">
+            <a:extLst>
+              <a:ext uri="{FF2B5EF4-FFF2-40B4-BE49-F238E27FC236}">
+                <a16:creationId xmlns:a16="http://schemas.microsoft.com/office/drawing/2014/main" id="{736FCD81-F08A-47E6-B834-76BCCAB87816}"/>
+              </a:ext>
+            </a:extLst>
+          </p:cNvPr>
+          <p:cNvCxnSpPr>
+            <a:cxnSpLocks/>
+          </p:cNvCxnSpPr>
+          <p:nvPr/>
+        </p:nvCxnSpPr>
+        <p:spPr>
+          <a:xfrm>
+            <a:off x="1440873" y="3650679"/>
+            <a:ext cx="6512502" cy="0"/>
+          </a:xfrm>
+          <a:prstGeom prst="line">
+            <a:avLst/>
+          </a:prstGeom>
+          <a:ln>
+            <a:solidFill>
+              <a:srgbClr val="E5616E"/>
+            </a:solidFill>
+          </a:ln>
+        </p:spPr>
+        <p:style>
+          <a:lnRef idx="1">
+            <a:schemeClr val="accent1"/>
+          </a:lnRef>
+          <a:fillRef idx="0">
+            <a:schemeClr val="accent1"/>
+          </a:fillRef>
+          <a:effectRef idx="0">
+            <a:schemeClr val="accent1"/>
+          </a:effectRef>
+          <a:fontRef idx="minor">
+            <a:schemeClr val="tx1"/>
+          </a:fontRef>
+        </p:style>
+      </p:cxnSp>
+    </p:spTree>
+    <p:extLst>
+      <p:ext uri="{BB962C8B-B14F-4D97-AF65-F5344CB8AC3E}">
+        <p14:creationId xmlns:p14="http://schemas.microsoft.com/office/powerpoint/2010/main" val="1407381223"/>
+      </p:ext>
+    </p:extLst>
+  </p:cSld>
+  <p:clrMapOvr>
+    <a:masterClrMapping/>
+  </p:clrMapOvr>
+</p:sld>
+</file>
+
+<file path=ppt/slides/slide7.xml><?xml version="1.0" encoding="utf-8"?>
+<p:sld xmlns:a="http://schemas.openxmlformats.org/drawingml/2006/main" xmlns:r="http://schemas.openxmlformats.org/officeDocument/2006/relationships" xmlns:p="http://schemas.openxmlformats.org/presentationml/2006/main">
+  <p:cSld>
+    <p:spTree>
+      <p:nvGrpSpPr>
+        <p:cNvPr id="1" name=""/>
+        <p:cNvGrpSpPr/>
+        <p:nvPr/>
+      </p:nvGrpSpPr>
+      <p:grpSpPr>
+        <a:xfrm>
+          <a:off x="0" y="0"/>
+          <a:ext cx="0" cy="0"/>
+          <a:chOff x="0" y="0"/>
+          <a:chExt cx="0" cy="0"/>
+        </a:xfrm>
+      </p:grpSpPr>
+      <p:sp>
+        <p:nvSpPr>
+          <p:cNvPr id="2" name="CuadroTexto 1">
+            <a:extLst>
+              <a:ext uri="{FF2B5EF4-FFF2-40B4-BE49-F238E27FC236}">
+                <a16:creationId xmlns:a16="http://schemas.microsoft.com/office/drawing/2014/main" id="{DD088DF5-E662-42BD-866A-1529CC1122BE}"/>
+              </a:ext>
+            </a:extLst>
+          </p:cNvPr>
+          <p:cNvSpPr txBox="1"/>
+          <p:nvPr/>
+        </p:nvSpPr>
+        <p:spPr>
+          <a:xfrm>
+            <a:off x="1440872" y="674259"/>
+            <a:ext cx="9587345" cy="954107"/>
+          </a:xfrm>
+          <a:prstGeom prst="rect">
+            <a:avLst/>
+          </a:prstGeom>
+          <a:noFill/>
+          <a:ln w="6350">
+            <a:noFill/>
+          </a:ln>
+        </p:spPr>
+        <p:txBody>
+          <a:bodyPr wrap="square" rtlCol="0">
+            <a:spAutoFit/>
+          </a:bodyPr>
+          <a:lstStyle/>
+          <a:p>
+            <a:r>
+              <a:rPr lang="es-AR" sz="3200" dirty="0">
+                <a:solidFill>
+                  <a:srgbClr val="494949"/>
+                </a:solidFill>
+                <a:latin typeface="Montserrat SemiBold" panose="00000700000000000000" pitchFamily="2" charset="0"/>
+              </a:rPr>
+              <a:t>Mostrar que </a:t>
+            </a:r>
+            <a:r>
+              <a:rPr lang="es-AR" sz="3200" dirty="0">
+                <a:solidFill>
+                  <a:srgbClr val="E5616E"/>
+                </a:solidFill>
+                <a:latin typeface="Montserrat SemiBold" panose="00000700000000000000" pitchFamily="2" charset="0"/>
+              </a:rPr>
+              <a:t>los problemas son sistémicos.</a:t>
+            </a:r>
+          </a:p>
+          <a:p>
+            <a:r>
+              <a:rPr lang="es-AR" sz="2400" dirty="0">
+                <a:solidFill>
+                  <a:srgbClr val="E5616E"/>
+                </a:solidFill>
+                <a:latin typeface="Montserrat Light" panose="00000400000000000000" pitchFamily="2" charset="0"/>
+              </a:rPr>
+              <a:t>“Lo personal es político”.</a:t>
+            </a:r>
+          </a:p>
+        </p:txBody>
+      </p:sp>
+      <p:sp>
+        <p:nvSpPr>
+          <p:cNvPr id="3" name="CuadroTexto 2">
+            <a:extLst>
+              <a:ext uri="{FF2B5EF4-FFF2-40B4-BE49-F238E27FC236}">
+                <a16:creationId xmlns:a16="http://schemas.microsoft.com/office/drawing/2014/main" id="{16BB827D-F64D-4710-A306-30DF6B4F1519}"/>
+              </a:ext>
+            </a:extLst>
+          </p:cNvPr>
+          <p:cNvSpPr txBox="1"/>
+          <p:nvPr/>
+        </p:nvSpPr>
+        <p:spPr>
+          <a:xfrm>
+            <a:off x="1440873" y="2008041"/>
+            <a:ext cx="8709892" cy="2348592"/>
+          </a:xfrm>
+          <a:prstGeom prst="rect">
+            <a:avLst/>
+          </a:prstGeom>
+          <a:noFill/>
+        </p:spPr>
+        <p:txBody>
+          <a:bodyPr wrap="square" rtlCol="0">
+            <a:spAutoFit/>
+          </a:bodyPr>
+          <a:lstStyle/>
+          <a:p>
+            <a:pPr algn="just">
+              <a:lnSpc>
+                <a:spcPct val="150000"/>
+              </a:lnSpc>
+            </a:pPr>
+            <a:r>
+              <a:rPr lang="es-AR" sz="2000" dirty="0">
+                <a:solidFill>
+                  <a:srgbClr val="494949"/>
+                </a:solidFill>
+                <a:latin typeface="Montserrat Medium" panose="00000600000000000000" pitchFamily="2" charset="0"/>
+              </a:rPr>
+              <a:t>¿Por qué nos interesa el </a:t>
+            </a:r>
+            <a:r>
+              <a:rPr lang="es-AR" sz="2000" u="sng" dirty="0">
+                <a:solidFill>
+                  <a:srgbClr val="494949"/>
+                </a:solidFill>
+                <a:latin typeface="Montserrat Medium" panose="00000600000000000000" pitchFamily="2" charset="0"/>
+              </a:rPr>
+              <a:t>análisis cuantitativo</a:t>
+            </a:r>
+            <a:r>
+              <a:rPr lang="es-AR" sz="2000" dirty="0">
+                <a:solidFill>
+                  <a:srgbClr val="494949"/>
+                </a:solidFill>
+                <a:latin typeface="Montserrat Medium" panose="00000600000000000000" pitchFamily="2" charset="0"/>
+              </a:rPr>
+              <a:t>?</a:t>
+            </a:r>
+            <a:endParaRPr lang="es-AR" sz="2000" dirty="0">
+              <a:solidFill>
+                <a:srgbClr val="494949"/>
+              </a:solidFill>
+              <a:latin typeface="Montserrat Light" panose="00000400000000000000" pitchFamily="2" charset="0"/>
+            </a:endParaRPr>
+          </a:p>
+          <a:p>
+            <a:pPr algn="just">
+              <a:lnSpc>
+                <a:spcPct val="150000"/>
+              </a:lnSpc>
+            </a:pPr>
+            <a:r>
+              <a:rPr lang="es-AR" sz="2000" dirty="0">
+                <a:solidFill>
+                  <a:srgbClr val="494949"/>
+                </a:solidFill>
+                <a:latin typeface="Montserrat Light" panose="00000400000000000000" pitchFamily="2" charset="0"/>
+              </a:rPr>
+              <a:t>Al traducir </a:t>
+            </a:r>
+            <a:r>
+              <a:rPr lang="es-AR" sz="2000" u="sng" dirty="0">
+                <a:solidFill>
+                  <a:srgbClr val="494949"/>
+                </a:solidFill>
+                <a:latin typeface="Montserrat Light" panose="00000400000000000000" pitchFamily="2" charset="0"/>
+              </a:rPr>
+              <a:t>experiencias</a:t>
+            </a:r>
+            <a:r>
+              <a:rPr lang="es-AR" sz="2000" dirty="0">
+                <a:solidFill>
+                  <a:srgbClr val="494949"/>
+                </a:solidFill>
+                <a:latin typeface="Montserrat Light" panose="00000400000000000000" pitchFamily="2" charset="0"/>
+              </a:rPr>
+              <a:t> similares experimentadas por grandes grupos de personas a datos, podemos encontrar patrones, demostrar que los problemas son </a:t>
+            </a:r>
+            <a:r>
+              <a:rPr lang="es-AR" sz="2000" u="sng" dirty="0">
+                <a:solidFill>
+                  <a:srgbClr val="494949"/>
+                </a:solidFill>
+                <a:latin typeface="Montserrat Light" panose="00000400000000000000" pitchFamily="2" charset="0"/>
+              </a:rPr>
+              <a:t>sistémicos</a:t>
+            </a:r>
+            <a:r>
+              <a:rPr lang="es-AR" sz="2000" dirty="0">
+                <a:solidFill>
+                  <a:srgbClr val="494949"/>
+                </a:solidFill>
+                <a:latin typeface="Montserrat Light" panose="00000400000000000000" pitchFamily="2" charset="0"/>
+              </a:rPr>
+              <a:t>, podemos proponer mejores soluciones.</a:t>
+            </a:r>
+          </a:p>
+        </p:txBody>
+      </p:sp>
+      <p:cxnSp>
+        <p:nvCxnSpPr>
+          <p:cNvPr id="5" name="Conector recto 4">
+            <a:extLst>
+              <a:ext uri="{FF2B5EF4-FFF2-40B4-BE49-F238E27FC236}">
+                <a16:creationId xmlns:a16="http://schemas.microsoft.com/office/drawing/2014/main" id="{736FCD81-F08A-47E6-B834-76BCCAB87816}"/>
+              </a:ext>
+            </a:extLst>
+          </p:cNvPr>
+          <p:cNvCxnSpPr>
+            <a:cxnSpLocks/>
+          </p:cNvCxnSpPr>
+          <p:nvPr/>
+        </p:nvCxnSpPr>
+        <p:spPr>
+          <a:xfrm>
+            <a:off x="1440873" y="1212276"/>
+            <a:ext cx="6512502" cy="0"/>
+          </a:xfrm>
+          <a:prstGeom prst="line">
+            <a:avLst/>
+          </a:prstGeom>
+          <a:ln>
+            <a:solidFill>
+              <a:srgbClr val="E5616E"/>
+            </a:solidFill>
+          </a:ln>
+        </p:spPr>
+        <p:style>
+          <a:lnRef idx="1">
+            <a:schemeClr val="accent1"/>
+          </a:lnRef>
+          <a:fillRef idx="0">
+            <a:schemeClr val="accent1"/>
+          </a:fillRef>
+          <a:effectRef idx="0">
+            <a:schemeClr val="accent1"/>
+          </a:effectRef>
+          <a:fontRef idx="minor">
+            <a:schemeClr val="tx1"/>
+          </a:fontRef>
+        </p:style>
+      </p:cxnSp>
+    </p:spTree>
+    <p:extLst>
+      <p:ext uri="{BB962C8B-B14F-4D97-AF65-F5344CB8AC3E}">
+        <p14:creationId xmlns:p14="http://schemas.microsoft.com/office/powerpoint/2010/main" val="2103228304"/>
+      </p:ext>
+    </p:extLst>
+  </p:cSld>
+  <p:clrMapOvr>
+    <a:masterClrMapping/>
+  </p:clrMapOvr>
+</p:sld>
+</file>
+
+<file path=ppt/slides/slide8.xml><?xml version="1.0" encoding="utf-8"?>
+<p:sld xmlns:a="http://schemas.openxmlformats.org/drawingml/2006/main" xmlns:r="http://schemas.openxmlformats.org/officeDocument/2006/relationships" xmlns:p="http://schemas.openxmlformats.org/presentationml/2006/main">
+  <p:cSld>
+    <p:spTree>
+      <p:nvGrpSpPr>
+        <p:cNvPr id="1" name=""/>
+        <p:cNvGrpSpPr/>
+        <p:nvPr/>
+      </p:nvGrpSpPr>
+      <p:grpSpPr>
+        <a:xfrm>
+          <a:off x="0" y="0"/>
+          <a:ext cx="0" cy="0"/>
+          <a:chOff x="0" y="0"/>
+          <a:chExt cx="0" cy="0"/>
+        </a:xfrm>
+      </p:grpSpPr>
+      <p:sp>
+        <p:nvSpPr>
+          <p:cNvPr id="2" name="CuadroTexto 1">
+            <a:extLst>
+              <a:ext uri="{FF2B5EF4-FFF2-40B4-BE49-F238E27FC236}">
+                <a16:creationId xmlns:a16="http://schemas.microsoft.com/office/drawing/2014/main" id="{DD088DF5-E662-42BD-866A-1529CC1122BE}"/>
+              </a:ext>
+            </a:extLst>
+          </p:cNvPr>
+          <p:cNvSpPr txBox="1"/>
+          <p:nvPr/>
+        </p:nvSpPr>
+        <p:spPr>
+          <a:xfrm>
+            <a:off x="1440872" y="674259"/>
+            <a:ext cx="9587345" cy="954107"/>
+          </a:xfrm>
+          <a:prstGeom prst="rect">
+            <a:avLst/>
+          </a:prstGeom>
+          <a:noFill/>
+          <a:ln w="6350">
+            <a:noFill/>
+          </a:ln>
+        </p:spPr>
+        <p:txBody>
+          <a:bodyPr wrap="square" rtlCol="0">
+            <a:spAutoFit/>
+          </a:bodyPr>
+          <a:lstStyle/>
+          <a:p>
+            <a:r>
+              <a:rPr lang="es-AR" sz="3200" dirty="0">
+                <a:solidFill>
+                  <a:srgbClr val="494949"/>
+                </a:solidFill>
+                <a:latin typeface="Montserrat SemiBold" panose="00000700000000000000" pitchFamily="2" charset="0"/>
+              </a:rPr>
+              <a:t>Mostrar que </a:t>
+            </a:r>
+            <a:r>
+              <a:rPr lang="es-AR" sz="3200" dirty="0">
+                <a:solidFill>
+                  <a:srgbClr val="E5616E"/>
+                </a:solidFill>
+                <a:latin typeface="Montserrat SemiBold" panose="00000700000000000000" pitchFamily="2" charset="0"/>
+              </a:rPr>
+              <a:t>los problemas son sistémicos.</a:t>
+            </a:r>
+          </a:p>
+          <a:p>
+            <a:r>
+              <a:rPr lang="es-AR" sz="2400" dirty="0">
+                <a:solidFill>
+                  <a:srgbClr val="E5616E"/>
+                </a:solidFill>
+                <a:latin typeface="Montserrat Light" panose="00000400000000000000" pitchFamily="2" charset="0"/>
+              </a:rPr>
+              <a:t>“Lo personal es político”.</a:t>
+            </a:r>
+          </a:p>
+        </p:txBody>
+      </p:sp>
+      <p:sp>
+        <p:nvSpPr>
+          <p:cNvPr id="3" name="CuadroTexto 2">
+            <a:extLst>
+              <a:ext uri="{FF2B5EF4-FFF2-40B4-BE49-F238E27FC236}">
+                <a16:creationId xmlns:a16="http://schemas.microsoft.com/office/drawing/2014/main" id="{16BB827D-F64D-4710-A306-30DF6B4F1519}"/>
+              </a:ext>
+            </a:extLst>
+          </p:cNvPr>
+          <p:cNvSpPr txBox="1"/>
+          <p:nvPr/>
+        </p:nvSpPr>
+        <p:spPr>
+          <a:xfrm>
+            <a:off x="1440873" y="2008041"/>
+            <a:ext cx="8709892" cy="2810256"/>
+          </a:xfrm>
+          <a:prstGeom prst="rect">
+            <a:avLst/>
+          </a:prstGeom>
+          <a:noFill/>
+        </p:spPr>
+        <p:txBody>
+          <a:bodyPr wrap="square" rtlCol="0">
+            <a:spAutoFit/>
+          </a:bodyPr>
+          <a:lstStyle/>
+          <a:p>
+            <a:pPr algn="just">
+              <a:lnSpc>
+                <a:spcPct val="150000"/>
+              </a:lnSpc>
+            </a:pPr>
+            <a:r>
+              <a:rPr lang="es-AR" sz="2000" dirty="0">
+                <a:solidFill>
+                  <a:srgbClr val="494949"/>
+                </a:solidFill>
+                <a:latin typeface="Montserrat Medium" panose="00000600000000000000" pitchFamily="2" charset="0"/>
+              </a:rPr>
+              <a:t>No siempre es suficiente con datos! </a:t>
+            </a:r>
+          </a:p>
+          <a:p>
+            <a:pPr algn="just">
+              <a:lnSpc>
+                <a:spcPct val="150000"/>
+              </a:lnSpc>
+            </a:pPr>
+            <a:r>
+              <a:rPr lang="es-AR" sz="2000" dirty="0">
+                <a:solidFill>
+                  <a:srgbClr val="494949"/>
+                </a:solidFill>
+                <a:latin typeface="Montserrat Light" panose="00000400000000000000" pitchFamily="2" charset="0"/>
+              </a:rPr>
+              <a:t>Se ha estudiado que aquellas personas en una situación privilegiada creen sin cuestionar evidencia anecdótica de sus pares, pero ante las personas pertenecientes a minorías, exigen evidencia exhaustiva -y cuestionan su validez- (para profundizar, ver el trabajo de </a:t>
+            </a:r>
+            <a:r>
+              <a:rPr lang="es-AR" sz="2000" dirty="0" err="1">
+                <a:solidFill>
+                  <a:srgbClr val="494949"/>
+                </a:solidFill>
+                <a:latin typeface="Montserrat Light" panose="00000400000000000000" pitchFamily="2" charset="0"/>
+              </a:rPr>
+              <a:t>Candice</a:t>
+            </a:r>
+            <a:r>
+              <a:rPr lang="es-AR" sz="2000" dirty="0">
+                <a:solidFill>
+                  <a:srgbClr val="494949"/>
+                </a:solidFill>
+                <a:latin typeface="Montserrat Light" panose="00000400000000000000" pitchFamily="2" charset="0"/>
+              </a:rPr>
+              <a:t> </a:t>
+            </a:r>
+            <a:r>
+              <a:rPr lang="es-AR" sz="2000" dirty="0" err="1">
+                <a:solidFill>
+                  <a:srgbClr val="494949"/>
+                </a:solidFill>
+                <a:latin typeface="Montserrat Light" panose="00000400000000000000" pitchFamily="2" charset="0"/>
+              </a:rPr>
+              <a:t>Lanius</a:t>
+            </a:r>
+            <a:r>
+              <a:rPr lang="es-AR" sz="2000" dirty="0">
+                <a:solidFill>
+                  <a:srgbClr val="494949"/>
+                </a:solidFill>
+                <a:latin typeface="Montserrat Light" panose="00000400000000000000" pitchFamily="2" charset="0"/>
+              </a:rPr>
+              <a:t>).</a:t>
+            </a:r>
+          </a:p>
+        </p:txBody>
+      </p:sp>
+      <p:cxnSp>
+        <p:nvCxnSpPr>
+          <p:cNvPr id="5" name="Conector recto 4">
+            <a:extLst>
+              <a:ext uri="{FF2B5EF4-FFF2-40B4-BE49-F238E27FC236}">
+                <a16:creationId xmlns:a16="http://schemas.microsoft.com/office/drawing/2014/main" id="{736FCD81-F08A-47E6-B834-76BCCAB87816}"/>
+              </a:ext>
+            </a:extLst>
+          </p:cNvPr>
+          <p:cNvCxnSpPr>
+            <a:cxnSpLocks/>
+          </p:cNvCxnSpPr>
+          <p:nvPr/>
+        </p:nvCxnSpPr>
+        <p:spPr>
+          <a:xfrm>
+            <a:off x="1440873" y="1212276"/>
+            <a:ext cx="6512502" cy="0"/>
+          </a:xfrm>
+          <a:prstGeom prst="line">
+            <a:avLst/>
+          </a:prstGeom>
+          <a:ln>
+            <a:solidFill>
+              <a:srgbClr val="E5616E"/>
+            </a:solidFill>
+          </a:ln>
+        </p:spPr>
+        <p:style>
+          <a:lnRef idx="1">
+            <a:schemeClr val="accent1"/>
+          </a:lnRef>
+          <a:fillRef idx="0">
+            <a:schemeClr val="accent1"/>
+          </a:fillRef>
+          <a:effectRef idx="0">
+            <a:schemeClr val="accent1"/>
+          </a:effectRef>
+          <a:fontRef idx="minor">
+            <a:schemeClr val="tx1"/>
+          </a:fontRef>
+        </p:style>
+      </p:cxnSp>
+    </p:spTree>
+    <p:extLst>
+      <p:ext uri="{BB962C8B-B14F-4D97-AF65-F5344CB8AC3E}">
+        <p14:creationId xmlns:p14="http://schemas.microsoft.com/office/powerpoint/2010/main" val="3193172513"/>
+      </p:ext>
+    </p:extLst>
+  </p:cSld>
+  <p:clrMapOvr>
+    <a:masterClrMapping/>
+  </p:clrMapOvr>
+</p:sld>
+</file>
+
+<file path=ppt/slides/slide9.xml><?xml version="1.0" encoding="utf-8"?>
+<p:sld xmlns:a="http://schemas.openxmlformats.org/drawingml/2006/main" xmlns:r="http://schemas.openxmlformats.org/officeDocument/2006/relationships" xmlns:p="http://schemas.openxmlformats.org/presentationml/2006/main">
+  <p:cSld>
+    <p:spTree>
+      <p:nvGrpSpPr>
+        <p:cNvPr id="1" name=""/>
+        <p:cNvGrpSpPr/>
+        <p:nvPr/>
+      </p:nvGrpSpPr>
+      <p:grpSpPr>
+        <a:xfrm>
+          <a:off x="0" y="0"/>
+          <a:ext cx="0" cy="0"/>
+          <a:chOff x="0" y="0"/>
+          <a:chExt cx="0" cy="0"/>
+        </a:xfrm>
+      </p:grpSpPr>
+      <p:sp>
+        <p:nvSpPr>
+          <p:cNvPr id="2" name="CuadroTexto 1">
+            <a:extLst>
+              <a:ext uri="{FF2B5EF4-FFF2-40B4-BE49-F238E27FC236}">
+                <a16:creationId xmlns:a16="http://schemas.microsoft.com/office/drawing/2014/main" id="{DD088DF5-E662-42BD-866A-1529CC1122BE}"/>
+              </a:ext>
+            </a:extLst>
+          </p:cNvPr>
+          <p:cNvSpPr txBox="1"/>
+          <p:nvPr/>
+        </p:nvSpPr>
+        <p:spPr>
+          <a:xfrm>
+            <a:off x="1440873" y="674259"/>
+            <a:ext cx="9587345" cy="1077218"/>
+          </a:xfrm>
+          <a:prstGeom prst="rect">
+            <a:avLst/>
+          </a:prstGeom>
+          <a:noFill/>
+          <a:ln w="6350">
+            <a:noFill/>
+          </a:ln>
+        </p:spPr>
+        <p:txBody>
+          <a:bodyPr wrap="square" rtlCol="0">
+            <a:spAutoFit/>
+          </a:bodyPr>
+          <a:lstStyle/>
+          <a:p>
+            <a:r>
+              <a:rPr lang="es-AR" sz="3200" dirty="0">
+                <a:solidFill>
+                  <a:srgbClr val="494949"/>
+                </a:solidFill>
+                <a:latin typeface="Montserrat SemiBold" panose="00000700000000000000" pitchFamily="2" charset="0"/>
+              </a:rPr>
+              <a:t>Identificar qué </a:t>
+            </a:r>
+            <a:r>
+              <a:rPr lang="es-AR" sz="3200" dirty="0">
+                <a:solidFill>
+                  <a:srgbClr val="E5616E"/>
+                </a:solidFill>
+                <a:latin typeface="Montserrat SemiBold" panose="00000700000000000000" pitchFamily="2" charset="0"/>
+              </a:rPr>
+              <a:t>potencialidades y limitaciones </a:t>
+            </a:r>
+            <a:r>
+              <a:rPr lang="es-AR" sz="3200" dirty="0">
+                <a:solidFill>
+                  <a:srgbClr val="494949"/>
+                </a:solidFill>
+                <a:latin typeface="Montserrat SemiBold" panose="00000700000000000000" pitchFamily="2" charset="0"/>
+              </a:rPr>
+              <a:t>tienen los datos</a:t>
+            </a:r>
+          </a:p>
+        </p:txBody>
+      </p:sp>
+      <p:sp>
+        <p:nvSpPr>
+          <p:cNvPr id="3" name="CuadroTexto 2">
+            <a:extLst>
+              <a:ext uri="{FF2B5EF4-FFF2-40B4-BE49-F238E27FC236}">
+                <a16:creationId xmlns:a16="http://schemas.microsoft.com/office/drawing/2014/main" id="{16BB827D-F64D-4710-A306-30DF6B4F1519}"/>
+              </a:ext>
+            </a:extLst>
+          </p:cNvPr>
+          <p:cNvSpPr txBox="1"/>
+          <p:nvPr/>
+        </p:nvSpPr>
+        <p:spPr>
+          <a:xfrm>
+            <a:off x="1440873" y="2008041"/>
+            <a:ext cx="8709892" cy="2199705"/>
+          </a:xfrm>
+          <a:prstGeom prst="rect">
+            <a:avLst/>
+          </a:prstGeom>
+          <a:noFill/>
+        </p:spPr>
+        <p:txBody>
+          <a:bodyPr wrap="square" rtlCol="0">
+            <a:spAutoFit/>
+          </a:bodyPr>
+          <a:lstStyle/>
+          <a:p>
+            <a:pPr marL="342900" indent="-342900" algn="just">
               <a:lnSpc>
                 <a:spcPct val="200000"/>
               </a:lnSpc>
@@ -3652,17 +10127,17 @@
               <a:buChar char="•"/>
             </a:pPr>
             <a:r>
-              <a:rPr lang="es-AR" sz="2000" dirty="0">
-                <a:solidFill>
-                  <a:srgbClr val="494949"/>
-                </a:solidFill>
-                <a:latin typeface="Montserrat Medium" panose="00000600000000000000" pitchFamily="2" charset="0"/>
-              </a:rPr>
-              <a:t>Cuestión 1</a:t>
-            </a:r>
-          </a:p>
-          <a:p>
-            <a:pPr marL="285750" indent="-285750">
+              <a:rPr lang="es-AR" sz="2400" dirty="0">
+                <a:solidFill>
+                  <a:srgbClr val="494949"/>
+                </a:solidFill>
+                <a:latin typeface="Montserrat Medium" panose="00000600000000000000" pitchFamily="2" charset="0"/>
+              </a:rPr>
+              <a:t>¿Qué falta? </a:t>
+            </a:r>
+          </a:p>
+          <a:p>
+            <a:pPr marL="342900" indent="-342900" algn="just">
               <a:lnSpc>
                 <a:spcPct val="200000"/>
               </a:lnSpc>
@@ -3670,21 +10145,88 @@
               <a:buChar char="•"/>
             </a:pPr>
             <a:r>
-              <a:rPr lang="es-AR" sz="2000" dirty="0">
-                <a:solidFill>
-                  <a:srgbClr val="494949"/>
-                </a:solidFill>
-                <a:latin typeface="Montserrat Medium" panose="00000600000000000000" pitchFamily="2" charset="0"/>
-              </a:rPr>
-              <a:t>Cuestión 2</a:t>
-            </a:r>
+              <a:rPr lang="es-AR" sz="2400" dirty="0">
+                <a:solidFill>
+                  <a:srgbClr val="494949"/>
+                </a:solidFill>
+                <a:latin typeface="Montserrat Medium" panose="00000600000000000000" pitchFamily="2" charset="0"/>
+              </a:rPr>
+              <a:t>¿Qué datos no se miden? </a:t>
+            </a:r>
+          </a:p>
+          <a:p>
+            <a:pPr marL="342900" indent="-342900" algn="just">
+              <a:lnSpc>
+                <a:spcPct val="200000"/>
+              </a:lnSpc>
+              <a:buFont typeface="Arial" panose="020B0604020202020204" pitchFamily="34" charset="0"/>
+              <a:buChar char="•"/>
+            </a:pPr>
+            <a:r>
+              <a:rPr lang="es-AR" sz="2400" dirty="0">
+                <a:solidFill>
+                  <a:srgbClr val="494949"/>
+                </a:solidFill>
+                <a:latin typeface="Montserrat Medium" panose="00000600000000000000" pitchFamily="2" charset="0"/>
+              </a:rPr>
+              <a:t>¿Qué se puede lograr con los datos que sí tenemos?</a:t>
+            </a:r>
+            <a:endParaRPr lang="es-AR" sz="2000" dirty="0">
+              <a:solidFill>
+                <a:srgbClr val="494949"/>
+              </a:solidFill>
+              <a:latin typeface="Montserrat Medium" panose="00000600000000000000" pitchFamily="2" charset="0"/>
+            </a:endParaRPr>
           </a:p>
         </p:txBody>
       </p:sp>
+      <p:cxnSp>
+        <p:nvCxnSpPr>
+          <p:cNvPr id="5" name="Conector recto 4">
+            <a:extLst>
+              <a:ext uri="{FF2B5EF4-FFF2-40B4-BE49-F238E27FC236}">
+                <a16:creationId xmlns:a16="http://schemas.microsoft.com/office/drawing/2014/main" id="{736FCD81-F08A-47E6-B834-76BCCAB87816}"/>
+              </a:ext>
+            </a:extLst>
+          </p:cNvPr>
+          <p:cNvCxnSpPr>
+            <a:cxnSpLocks/>
+          </p:cNvCxnSpPr>
+          <p:nvPr/>
+        </p:nvCxnSpPr>
+        <p:spPr>
+          <a:xfrm>
+            <a:off x="1440873" y="1674091"/>
+            <a:ext cx="6512502" cy="0"/>
+          </a:xfrm>
+          <a:prstGeom prst="line">
+            <a:avLst/>
+          </a:prstGeom>
+          <a:ln>
+            <a:solidFill>
+              <a:srgbClr val="E5616E"/>
+            </a:solidFill>
+          </a:ln>
+        </p:spPr>
+        <p:style>
+          <a:lnRef idx="1">
+            <a:schemeClr val="accent1"/>
+          </a:lnRef>
+          <a:fillRef idx="0">
+            <a:schemeClr val="accent1"/>
+          </a:fillRef>
+          <a:effectRef idx="0">
+            <a:schemeClr val="accent1"/>
+          </a:effectRef>
+          <a:fontRef idx="minor">
+            <a:schemeClr val="tx1"/>
+          </a:fontRef>
+        </p:style>
+      </p:cxnSp>
     </p:spTree>
     <p:extLst>
       <p:ext uri="{BB962C8B-B14F-4D97-AF65-F5344CB8AC3E}">
-        <p14:creationId xmlns:p14="http://schemas.microsoft.com/office/powerpoint/2010/main" val="4191247072"/>
+        <p14:creationId xmlns:p14="http://schemas.microsoft.com/office/powerpoint/2010/main" val="3920371894"/>
       </p:ext>
     </p:extLst>
   </p:cSld>

--- a/clase1/Clase1 - Curso Ecofemidata.pptx
+++ b/clase1/Clase1 - Curso Ecofemidata.pptx
@@ -320,7 +320,7 @@
           <a:p>
             <a:fld id="{4BE4F415-A5AD-4CF5-95A4-78D7610C7A82}" type="datetimeFigureOut">
               <a:rPr lang="es-AR" smtClean="0"/>
-              <a:t>22/3/2022</a:t>
+              <a:t>8/6/2022</a:t>
             </a:fld>
             <a:endParaRPr lang="es-AR"/>
           </a:p>
@@ -520,7 +520,7 @@
           <a:p>
             <a:fld id="{4BE4F415-A5AD-4CF5-95A4-78D7610C7A82}" type="datetimeFigureOut">
               <a:rPr lang="es-AR" smtClean="0"/>
-              <a:t>22/3/2022</a:t>
+              <a:t>8/6/2022</a:t>
             </a:fld>
             <a:endParaRPr lang="es-AR"/>
           </a:p>
@@ -730,7 +730,7 @@
           <a:p>
             <a:fld id="{4BE4F415-A5AD-4CF5-95A4-78D7610C7A82}" type="datetimeFigureOut">
               <a:rPr lang="es-AR" smtClean="0"/>
-              <a:t>22/3/2022</a:t>
+              <a:t>8/6/2022</a:t>
             </a:fld>
             <a:endParaRPr lang="es-AR"/>
           </a:p>
@@ -930,7 +930,7 @@
           <a:p>
             <a:fld id="{4BE4F415-A5AD-4CF5-95A4-78D7610C7A82}" type="datetimeFigureOut">
               <a:rPr lang="es-AR" smtClean="0"/>
-              <a:t>22/3/2022</a:t>
+              <a:t>8/6/2022</a:t>
             </a:fld>
             <a:endParaRPr lang="es-AR"/>
           </a:p>
@@ -1206,7 +1206,7 @@
           <a:p>
             <a:fld id="{4BE4F415-A5AD-4CF5-95A4-78D7610C7A82}" type="datetimeFigureOut">
               <a:rPr lang="es-AR" smtClean="0"/>
-              <a:t>22/3/2022</a:t>
+              <a:t>8/6/2022</a:t>
             </a:fld>
             <a:endParaRPr lang="es-AR"/>
           </a:p>
@@ -1474,7 +1474,7 @@
           <a:p>
             <a:fld id="{4BE4F415-A5AD-4CF5-95A4-78D7610C7A82}" type="datetimeFigureOut">
               <a:rPr lang="es-AR" smtClean="0"/>
-              <a:t>22/3/2022</a:t>
+              <a:t>8/6/2022</a:t>
             </a:fld>
             <a:endParaRPr lang="es-AR"/>
           </a:p>
@@ -1889,7 +1889,7 @@
           <a:p>
             <a:fld id="{4BE4F415-A5AD-4CF5-95A4-78D7610C7A82}" type="datetimeFigureOut">
               <a:rPr lang="es-AR" smtClean="0"/>
-              <a:t>22/3/2022</a:t>
+              <a:t>8/6/2022</a:t>
             </a:fld>
             <a:endParaRPr lang="es-AR"/>
           </a:p>
@@ -2031,7 +2031,7 @@
           <a:p>
             <a:fld id="{4BE4F415-A5AD-4CF5-95A4-78D7610C7A82}" type="datetimeFigureOut">
               <a:rPr lang="es-AR" smtClean="0"/>
-              <a:t>22/3/2022</a:t>
+              <a:t>8/6/2022</a:t>
             </a:fld>
             <a:endParaRPr lang="es-AR"/>
           </a:p>
@@ -2144,7 +2144,7 @@
           <a:p>
             <a:fld id="{4BE4F415-A5AD-4CF5-95A4-78D7610C7A82}" type="datetimeFigureOut">
               <a:rPr lang="es-AR" smtClean="0"/>
-              <a:t>22/3/2022</a:t>
+              <a:t>8/6/2022</a:t>
             </a:fld>
             <a:endParaRPr lang="es-AR"/>
           </a:p>
@@ -2457,7 +2457,7 @@
           <a:p>
             <a:fld id="{4BE4F415-A5AD-4CF5-95A4-78D7610C7A82}" type="datetimeFigureOut">
               <a:rPr lang="es-AR" smtClean="0"/>
-              <a:t>22/3/2022</a:t>
+              <a:t>8/6/2022</a:t>
             </a:fld>
             <a:endParaRPr lang="es-AR"/>
           </a:p>
@@ -2746,7 +2746,7 @@
           <a:p>
             <a:fld id="{4BE4F415-A5AD-4CF5-95A4-78D7610C7A82}" type="datetimeFigureOut">
               <a:rPr lang="es-AR" smtClean="0"/>
-              <a:t>22/3/2022</a:t>
+              <a:t>8/6/2022</a:t>
             </a:fld>
             <a:endParaRPr lang="es-AR"/>
           </a:p>
@@ -2999,7 +2999,7 @@
           <a:p>
             <a:fld id="{4BE4F415-A5AD-4CF5-95A4-78D7610C7A82}" type="datetimeFigureOut">
               <a:rPr lang="es-AR" smtClean="0"/>
-              <a:t>22/3/2022</a:t>
+              <a:t>8/6/2022</a:t>
             </a:fld>
             <a:endParaRPr lang="es-AR"/>
           </a:p>
@@ -9268,16 +9268,34 @@
                 </a:solidFill>
                 <a:latin typeface="Montserrat Medium" panose="00000600000000000000" pitchFamily="2" charset="0"/>
               </a:rPr>
-              <a:t> (información de que algo sucedió) de los </a:t>
-            </a:r>
-            <a:r>
-              <a:rPr lang="es-AR" sz="2000" b="1" dirty="0">
-                <a:solidFill>
-                  <a:srgbClr val="494949"/>
-                </a:solidFill>
-                <a:latin typeface="Montserrat Medium" panose="00000600000000000000" pitchFamily="2" charset="0"/>
-              </a:rPr>
-              <a:t>conocimiento</a:t>
+              <a:t> (información de que algo sucedió) de </a:t>
+            </a:r>
+            <a:r>
+              <a:rPr lang="es-AR" sz="2000">
+                <a:solidFill>
+                  <a:srgbClr val="494949"/>
+                </a:solidFill>
+                <a:latin typeface="Montserrat Medium" panose="00000600000000000000" pitchFamily="2" charset="0"/>
+              </a:rPr>
+              <a:t>los </a:t>
+            </a:r>
+            <a:r>
+              <a:rPr lang="es-AR" sz="2000" b="1">
+                <a:solidFill>
+                  <a:srgbClr val="494949"/>
+                </a:solidFill>
+                <a:latin typeface="Montserrat Medium" panose="00000600000000000000" pitchFamily="2" charset="0"/>
+              </a:rPr>
+              <a:t>conocimientos</a:t>
+            </a:r>
+            <a:r>
+              <a:rPr lang="es-AR" sz="2000">
+                <a:solidFill>
+                  <a:srgbClr val="494949"/>
+                </a:solidFill>
+                <a:latin typeface="Montserrat Medium" panose="00000600000000000000" pitchFamily="2" charset="0"/>
+              </a:rPr>
+              <a:t> </a:t>
             </a:r>
             <a:r>
               <a:rPr lang="es-AR" sz="2000" dirty="0">
@@ -9286,7 +9304,7 @@
                 </a:solidFill>
                 <a:latin typeface="Montserrat Medium" panose="00000600000000000000" pitchFamily="2" charset="0"/>
               </a:rPr>
-              <a:t> (información acerca de por qué algo sucedió).</a:t>
+              <a:t>(información acerca de por qué algo sucedió).</a:t>
             </a:r>
           </a:p>
           <a:p>

--- a/clase1/Clase1 - Curso Ecofemidata.pptx
+++ b/clase1/Clase1 - Curso Ecofemidata.pptx
@@ -320,7 +320,7 @@
           <a:p>
             <a:fld id="{4BE4F415-A5AD-4CF5-95A4-78D7610C7A82}" type="datetimeFigureOut">
               <a:rPr lang="es-AR" smtClean="0"/>
-              <a:t>8/6/2022</a:t>
+              <a:t>8/8/2022</a:t>
             </a:fld>
             <a:endParaRPr lang="es-AR"/>
           </a:p>
@@ -520,7 +520,7 @@
           <a:p>
             <a:fld id="{4BE4F415-A5AD-4CF5-95A4-78D7610C7A82}" type="datetimeFigureOut">
               <a:rPr lang="es-AR" smtClean="0"/>
-              <a:t>8/6/2022</a:t>
+              <a:t>8/8/2022</a:t>
             </a:fld>
             <a:endParaRPr lang="es-AR"/>
           </a:p>
@@ -730,7 +730,7 @@
           <a:p>
             <a:fld id="{4BE4F415-A5AD-4CF5-95A4-78D7610C7A82}" type="datetimeFigureOut">
               <a:rPr lang="es-AR" smtClean="0"/>
-              <a:t>8/6/2022</a:t>
+              <a:t>8/8/2022</a:t>
             </a:fld>
             <a:endParaRPr lang="es-AR"/>
           </a:p>
@@ -930,7 +930,7 @@
           <a:p>
             <a:fld id="{4BE4F415-A5AD-4CF5-95A4-78D7610C7A82}" type="datetimeFigureOut">
               <a:rPr lang="es-AR" smtClean="0"/>
-              <a:t>8/6/2022</a:t>
+              <a:t>8/8/2022</a:t>
             </a:fld>
             <a:endParaRPr lang="es-AR"/>
           </a:p>
@@ -1206,7 +1206,7 @@
           <a:p>
             <a:fld id="{4BE4F415-A5AD-4CF5-95A4-78D7610C7A82}" type="datetimeFigureOut">
               <a:rPr lang="es-AR" smtClean="0"/>
-              <a:t>8/6/2022</a:t>
+              <a:t>8/8/2022</a:t>
             </a:fld>
             <a:endParaRPr lang="es-AR"/>
           </a:p>
@@ -1474,7 +1474,7 @@
           <a:p>
             <a:fld id="{4BE4F415-A5AD-4CF5-95A4-78D7610C7A82}" type="datetimeFigureOut">
               <a:rPr lang="es-AR" smtClean="0"/>
-              <a:t>8/6/2022</a:t>
+              <a:t>8/8/2022</a:t>
             </a:fld>
             <a:endParaRPr lang="es-AR"/>
           </a:p>
@@ -1889,7 +1889,7 @@
           <a:p>
             <a:fld id="{4BE4F415-A5AD-4CF5-95A4-78D7610C7A82}" type="datetimeFigureOut">
               <a:rPr lang="es-AR" smtClean="0"/>
-              <a:t>8/6/2022</a:t>
+              <a:t>8/8/2022</a:t>
             </a:fld>
             <a:endParaRPr lang="es-AR"/>
           </a:p>
@@ -2031,7 +2031,7 @@
           <a:p>
             <a:fld id="{4BE4F415-A5AD-4CF5-95A4-78D7610C7A82}" type="datetimeFigureOut">
               <a:rPr lang="es-AR" smtClean="0"/>
-              <a:t>8/6/2022</a:t>
+              <a:t>8/8/2022</a:t>
             </a:fld>
             <a:endParaRPr lang="es-AR"/>
           </a:p>
@@ -2144,7 +2144,7 @@
           <a:p>
             <a:fld id="{4BE4F415-A5AD-4CF5-95A4-78D7610C7A82}" type="datetimeFigureOut">
               <a:rPr lang="es-AR" smtClean="0"/>
-              <a:t>8/6/2022</a:t>
+              <a:t>8/8/2022</a:t>
             </a:fld>
             <a:endParaRPr lang="es-AR"/>
           </a:p>
@@ -2457,7 +2457,7 @@
           <a:p>
             <a:fld id="{4BE4F415-A5AD-4CF5-95A4-78D7610C7A82}" type="datetimeFigureOut">
               <a:rPr lang="es-AR" smtClean="0"/>
-              <a:t>8/6/2022</a:t>
+              <a:t>8/8/2022</a:t>
             </a:fld>
             <a:endParaRPr lang="es-AR"/>
           </a:p>
@@ -2746,7 +2746,7 @@
           <a:p>
             <a:fld id="{4BE4F415-A5AD-4CF5-95A4-78D7610C7A82}" type="datetimeFigureOut">
               <a:rPr lang="es-AR" smtClean="0"/>
-              <a:t>8/6/2022</a:t>
+              <a:t>8/8/2022</a:t>
             </a:fld>
             <a:endParaRPr lang="es-AR"/>
           </a:p>
@@ -2999,7 +2999,7 @@
           <a:p>
             <a:fld id="{4BE4F415-A5AD-4CF5-95A4-78D7610C7A82}" type="datetimeFigureOut">
               <a:rPr lang="es-AR" smtClean="0"/>
-              <a:t>8/6/2022</a:t>
+              <a:t>8/8/2022</a:t>
             </a:fld>
             <a:endParaRPr lang="es-AR"/>
           </a:p>
@@ -4845,7 +4845,7 @@
         <p:spPr>
           <a:xfrm>
             <a:off x="1440873" y="2405200"/>
-            <a:ext cx="8709892" cy="3271921"/>
+            <a:ext cx="8709892" cy="4195251"/>
           </a:xfrm>
           <a:prstGeom prst="rect">
             <a:avLst/>
@@ -4935,6 +4935,22 @@
                 <a:spcPct val="150000"/>
               </a:lnSpc>
             </a:pPr>
+            <a:r>
+              <a:rPr lang="es-AR" sz="2000" dirty="0">
+                <a:solidFill>
+                  <a:srgbClr val="494949"/>
+                </a:solidFill>
+                <a:latin typeface="Montserrat Medium" panose="00000600000000000000" pitchFamily="2" charset="0"/>
+              </a:rPr>
+              <a:t>Es preferible explicitar los contextos en los que se desarrolla una investigación, y las posibles fuentes de sesgo.</a:t>
+            </a:r>
+          </a:p>
+          <a:p>
+            <a:pPr algn="just">
+              <a:lnSpc>
+                <a:spcPct val="150000"/>
+              </a:lnSpc>
+            </a:pPr>
             <a:endParaRPr lang="es-AR" sz="2000" dirty="0">
               <a:solidFill>
                 <a:srgbClr val="494949"/>
@@ -4955,11 +4971,48 @@
                 </a:solidFill>
                 <a:latin typeface="Montserrat Medium" panose="00000600000000000000" pitchFamily="2" charset="0"/>
               </a:rPr>
-              <a:t>Es preferible explicitar los contextos en los que se desarrolla una investigación, y las posibles fuentes de sesgo.</a:t>
+              <a:t>Para profundizar sobre estos temas, se puede consultar el curso de </a:t>
+            </a:r>
+            <a:r>
+              <a:rPr lang="es-AR" sz="2000" dirty="0">
+                <a:solidFill>
+                  <a:srgbClr val="494949"/>
+                </a:solidFill>
+                <a:latin typeface="Montserrat Medium" panose="00000600000000000000" pitchFamily="2" charset="0"/>
+                <a:hlinkClick r:id="rId2"/>
+              </a:rPr>
+              <a:t>Ciencia y Feminismo</a:t>
+            </a:r>
+            <a:r>
+              <a:rPr lang="es-AR" sz="2000" dirty="0">
+                <a:solidFill>
+                  <a:srgbClr val="494949"/>
+                </a:solidFill>
+                <a:latin typeface="Montserrat Medium" panose="00000600000000000000" pitchFamily="2" charset="0"/>
+              </a:rPr>
+              <a:t> que ofrece </a:t>
+            </a:r>
+            <a:r>
+              <a:rPr lang="es-AR" sz="2000" dirty="0" err="1">
+                <a:solidFill>
+                  <a:srgbClr val="E5616E"/>
+                </a:solidFill>
+                <a:latin typeface="Montserrat Medium" panose="00000600000000000000" pitchFamily="2" charset="0"/>
+              </a:rPr>
+              <a:t>Ecofeminita</a:t>
+            </a:r>
+            <a:r>
+              <a:rPr lang="es-AR" sz="2000" dirty="0">
+                <a:solidFill>
+                  <a:srgbClr val="E5616E"/>
+                </a:solidFill>
+                <a:latin typeface="Montserrat Medium" panose="00000600000000000000" pitchFamily="2" charset="0"/>
+              </a:rPr>
+              <a:t>.</a:t>
             </a:r>
             <a:endParaRPr lang="es-AR" sz="2000" dirty="0">
               <a:solidFill>
-                <a:srgbClr val="494949"/>
+                <a:srgbClr val="E5616E"/>
               </a:solidFill>
               <a:latin typeface="Montserrat Light" panose="00000400000000000000" pitchFamily="2" charset="0"/>
             </a:endParaRPr>

--- a/clase1/Clase1 - Curso Ecofemidata.pptx
+++ b/clase1/Clase1 - Curso Ecofemidata.pptx
@@ -320,7 +320,7 @@
           <a:p>
             <a:fld id="{4BE4F415-A5AD-4CF5-95A4-78D7610C7A82}" type="datetimeFigureOut">
               <a:rPr lang="es-AR" smtClean="0"/>
-              <a:t>8/8/2022</a:t>
+              <a:t>26/8/25</a:t>
             </a:fld>
             <a:endParaRPr lang="es-AR"/>
           </a:p>
@@ -374,7 +374,7 @@
           <a:p>
             <a:fld id="{775D352E-BA29-49CB-9AF0-93D99E0459F9}" type="slidenum">
               <a:rPr lang="es-AR" smtClean="0"/>
-              <a:t>‹Nº›</a:t>
+              <a:t>‹#›</a:t>
             </a:fld>
             <a:endParaRPr lang="es-AR"/>
           </a:p>
@@ -520,7 +520,7 @@
           <a:p>
             <a:fld id="{4BE4F415-A5AD-4CF5-95A4-78D7610C7A82}" type="datetimeFigureOut">
               <a:rPr lang="es-AR" smtClean="0"/>
-              <a:t>8/8/2022</a:t>
+              <a:t>26/8/25</a:t>
             </a:fld>
             <a:endParaRPr lang="es-AR"/>
           </a:p>
@@ -574,7 +574,7 @@
           <a:p>
             <a:fld id="{775D352E-BA29-49CB-9AF0-93D99E0459F9}" type="slidenum">
               <a:rPr lang="es-AR" smtClean="0"/>
-              <a:t>‹Nº›</a:t>
+              <a:t>‹#›</a:t>
             </a:fld>
             <a:endParaRPr lang="es-AR"/>
           </a:p>
@@ -730,7 +730,7 @@
           <a:p>
             <a:fld id="{4BE4F415-A5AD-4CF5-95A4-78D7610C7A82}" type="datetimeFigureOut">
               <a:rPr lang="es-AR" smtClean="0"/>
-              <a:t>8/8/2022</a:t>
+              <a:t>26/8/25</a:t>
             </a:fld>
             <a:endParaRPr lang="es-AR"/>
           </a:p>
@@ -784,7 +784,7 @@
           <a:p>
             <a:fld id="{775D352E-BA29-49CB-9AF0-93D99E0459F9}" type="slidenum">
               <a:rPr lang="es-AR" smtClean="0"/>
-              <a:t>‹Nº›</a:t>
+              <a:t>‹#›</a:t>
             </a:fld>
             <a:endParaRPr lang="es-AR"/>
           </a:p>
@@ -930,7 +930,7 @@
           <a:p>
             <a:fld id="{4BE4F415-A5AD-4CF5-95A4-78D7610C7A82}" type="datetimeFigureOut">
               <a:rPr lang="es-AR" smtClean="0"/>
-              <a:t>8/8/2022</a:t>
+              <a:t>26/8/25</a:t>
             </a:fld>
             <a:endParaRPr lang="es-AR"/>
           </a:p>
@@ -984,7 +984,7 @@
           <a:p>
             <a:fld id="{775D352E-BA29-49CB-9AF0-93D99E0459F9}" type="slidenum">
               <a:rPr lang="es-AR" smtClean="0"/>
-              <a:t>‹Nº›</a:t>
+              <a:t>‹#›</a:t>
             </a:fld>
             <a:endParaRPr lang="es-AR"/>
           </a:p>
@@ -1206,7 +1206,7 @@
           <a:p>
             <a:fld id="{4BE4F415-A5AD-4CF5-95A4-78D7610C7A82}" type="datetimeFigureOut">
               <a:rPr lang="es-AR" smtClean="0"/>
-              <a:t>8/8/2022</a:t>
+              <a:t>26/8/25</a:t>
             </a:fld>
             <a:endParaRPr lang="es-AR"/>
           </a:p>
@@ -1260,7 +1260,7 @@
           <a:p>
             <a:fld id="{775D352E-BA29-49CB-9AF0-93D99E0459F9}" type="slidenum">
               <a:rPr lang="es-AR" smtClean="0"/>
-              <a:t>‹Nº›</a:t>
+              <a:t>‹#›</a:t>
             </a:fld>
             <a:endParaRPr lang="es-AR"/>
           </a:p>
@@ -1474,7 +1474,7 @@
           <a:p>
             <a:fld id="{4BE4F415-A5AD-4CF5-95A4-78D7610C7A82}" type="datetimeFigureOut">
               <a:rPr lang="es-AR" smtClean="0"/>
-              <a:t>8/8/2022</a:t>
+              <a:t>26/8/25</a:t>
             </a:fld>
             <a:endParaRPr lang="es-AR"/>
           </a:p>
@@ -1528,7 +1528,7 @@
           <a:p>
             <a:fld id="{775D352E-BA29-49CB-9AF0-93D99E0459F9}" type="slidenum">
               <a:rPr lang="es-AR" smtClean="0"/>
-              <a:t>‹Nº›</a:t>
+              <a:t>‹#›</a:t>
             </a:fld>
             <a:endParaRPr lang="es-AR"/>
           </a:p>
@@ -1889,7 +1889,7 @@
           <a:p>
             <a:fld id="{4BE4F415-A5AD-4CF5-95A4-78D7610C7A82}" type="datetimeFigureOut">
               <a:rPr lang="es-AR" smtClean="0"/>
-              <a:t>8/8/2022</a:t>
+              <a:t>26/8/25</a:t>
             </a:fld>
             <a:endParaRPr lang="es-AR"/>
           </a:p>
@@ -1943,7 +1943,7 @@
           <a:p>
             <a:fld id="{775D352E-BA29-49CB-9AF0-93D99E0459F9}" type="slidenum">
               <a:rPr lang="es-AR" smtClean="0"/>
-              <a:t>‹Nº›</a:t>
+              <a:t>‹#›</a:t>
             </a:fld>
             <a:endParaRPr lang="es-AR"/>
           </a:p>
@@ -2031,7 +2031,7 @@
           <a:p>
             <a:fld id="{4BE4F415-A5AD-4CF5-95A4-78D7610C7A82}" type="datetimeFigureOut">
               <a:rPr lang="es-AR" smtClean="0"/>
-              <a:t>8/8/2022</a:t>
+              <a:t>26/8/25</a:t>
             </a:fld>
             <a:endParaRPr lang="es-AR"/>
           </a:p>
@@ -2085,7 +2085,7 @@
           <a:p>
             <a:fld id="{775D352E-BA29-49CB-9AF0-93D99E0459F9}" type="slidenum">
               <a:rPr lang="es-AR" smtClean="0"/>
-              <a:t>‹Nº›</a:t>
+              <a:t>‹#›</a:t>
             </a:fld>
             <a:endParaRPr lang="es-AR"/>
           </a:p>
@@ -2144,7 +2144,7 @@
           <a:p>
             <a:fld id="{4BE4F415-A5AD-4CF5-95A4-78D7610C7A82}" type="datetimeFigureOut">
               <a:rPr lang="es-AR" smtClean="0"/>
-              <a:t>8/8/2022</a:t>
+              <a:t>26/8/25</a:t>
             </a:fld>
             <a:endParaRPr lang="es-AR"/>
           </a:p>
@@ -2198,7 +2198,7 @@
           <a:p>
             <a:fld id="{775D352E-BA29-49CB-9AF0-93D99E0459F9}" type="slidenum">
               <a:rPr lang="es-AR" smtClean="0"/>
-              <a:t>‹Nº›</a:t>
+              <a:t>‹#›</a:t>
             </a:fld>
             <a:endParaRPr lang="es-AR"/>
           </a:p>
@@ -2457,7 +2457,7 @@
           <a:p>
             <a:fld id="{4BE4F415-A5AD-4CF5-95A4-78D7610C7A82}" type="datetimeFigureOut">
               <a:rPr lang="es-AR" smtClean="0"/>
-              <a:t>8/8/2022</a:t>
+              <a:t>26/8/25</a:t>
             </a:fld>
             <a:endParaRPr lang="es-AR"/>
           </a:p>
@@ -2511,7 +2511,7 @@
           <a:p>
             <a:fld id="{775D352E-BA29-49CB-9AF0-93D99E0459F9}" type="slidenum">
               <a:rPr lang="es-AR" smtClean="0"/>
-              <a:t>‹Nº›</a:t>
+              <a:t>‹#›</a:t>
             </a:fld>
             <a:endParaRPr lang="es-AR"/>
           </a:p>
@@ -2746,7 +2746,7 @@
           <a:p>
             <a:fld id="{4BE4F415-A5AD-4CF5-95A4-78D7610C7A82}" type="datetimeFigureOut">
               <a:rPr lang="es-AR" smtClean="0"/>
-              <a:t>8/8/2022</a:t>
+              <a:t>26/8/25</a:t>
             </a:fld>
             <a:endParaRPr lang="es-AR"/>
           </a:p>
@@ -2800,7 +2800,7 @@
           <a:p>
             <a:fld id="{775D352E-BA29-49CB-9AF0-93D99E0459F9}" type="slidenum">
               <a:rPr lang="es-AR" smtClean="0"/>
-              <a:t>‹Nº›</a:t>
+              <a:t>‹#›</a:t>
             </a:fld>
             <a:endParaRPr lang="es-AR"/>
           </a:p>
@@ -2999,7 +2999,7 @@
           <a:p>
             <a:fld id="{4BE4F415-A5AD-4CF5-95A4-78D7610C7A82}" type="datetimeFigureOut">
               <a:rPr lang="es-AR" smtClean="0"/>
-              <a:t>8/8/2022</a:t>
+              <a:t>26/8/25</a:t>
             </a:fld>
             <a:endParaRPr lang="es-AR"/>
           </a:p>
@@ -3089,7 +3089,7 @@
           <a:p>
             <a:fld id="{775D352E-BA29-49CB-9AF0-93D99E0459F9}" type="slidenum">
               <a:rPr lang="es-AR" smtClean="0"/>
-              <a:t>‹Nº›</a:t>
+              <a:t>‹#›</a:t>
             </a:fld>
             <a:endParaRPr lang="es-AR"/>
           </a:p>
@@ -3540,7 +3540,7 @@
                 </a:solidFill>
                 <a:latin typeface="Montserrat Medium" panose="00000600000000000000" pitchFamily="2" charset="0"/>
               </a:rPr>
-              <a:t>DOCENTES: Laia </a:t>
+              <a:t>DOCENTES: Celina </a:t>
             </a:r>
             <a:r>
               <a:rPr lang="es-AR" sz="2400" dirty="0" err="1">
@@ -3549,7 +3549,7 @@
                 </a:solidFill>
                 <a:latin typeface="Montserrat Medium" panose="00000600000000000000" pitchFamily="2" charset="0"/>
               </a:rPr>
-              <a:t>Domenech</a:t>
+              <a:t>Santellan</a:t>
             </a:r>
             <a:r>
               <a:rPr lang="es-AR" sz="2400" dirty="0">
@@ -3558,23 +3558,8 @@
                 </a:solidFill>
                 <a:latin typeface="Montserrat Medium" panose="00000600000000000000" pitchFamily="2" charset="0"/>
               </a:rPr>
-              <a:t> y Carolina </a:t>
-            </a:r>
-            <a:r>
-              <a:rPr lang="es-AR" sz="2400" dirty="0" err="1">
-                <a:solidFill>
-                  <a:srgbClr val="494949"/>
-                </a:solidFill>
-                <a:latin typeface="Montserrat Medium" panose="00000600000000000000" pitchFamily="2" charset="0"/>
-              </a:rPr>
-              <a:t>Pradier</a:t>
-            </a:r>
-            <a:endParaRPr lang="es-AR" sz="2400" dirty="0">
-              <a:solidFill>
-                <a:srgbClr val="494949"/>
-              </a:solidFill>
-              <a:latin typeface="Montserrat Medium" panose="00000600000000000000" pitchFamily="2" charset="0"/>
-            </a:endParaRPr>
+              <a:t> y Carolina Pradier</a:t>
+            </a:r>
           </a:p>
         </p:txBody>
       </p:sp>
